--- a/Group2Presentation.pptx
+++ b/Group2Presentation.pptx
@@ -108,6 +108,11 @@
       </a:defRPr>
     </a:lvl9pPr>
   </p:defaultTextStyle>
+  <p:extLst>
+    <p:ext uri="{EFAFB233-063F-42B5-8137-9DF3F51BA10A}">
+      <p15:sldGuideLst xmlns:p15="http://schemas.microsoft.com/office/powerpoint/2012/main"/>
+    </p:ext>
+  </p:extLst>
 </p:presentation>
 </file>
 
@@ -124,12 +129,12 @@
   <pc:docChgLst>
     <pc:chgData name="Karen Jewell" userId="b7e4705127bdb922" providerId="LiveId" clId="{CC92DE7A-9D2C-4D69-A667-C51CA7EA785A}"/>
     <pc:docChg chg="undo custSel addSld modSld">
-      <pc:chgData name="Karen Jewell" userId="b7e4705127bdb922" providerId="LiveId" clId="{CC92DE7A-9D2C-4D69-A667-C51CA7EA785A}" dt="2020-03-04T09:35:20.679" v="1928" actId="20577"/>
+      <pc:chgData name="Karen Jewell" userId="b7e4705127bdb922" providerId="LiveId" clId="{CC92DE7A-9D2C-4D69-A667-C51CA7EA785A}" dt="2020-03-04T13:36:35.367" v="1988" actId="5793"/>
       <pc:docMkLst>
         <pc:docMk/>
       </pc:docMkLst>
       <pc:sldChg chg="addSp delSp modSp mod">
-        <pc:chgData name="Karen Jewell" userId="b7e4705127bdb922" providerId="LiveId" clId="{CC92DE7A-9D2C-4D69-A667-C51CA7EA785A}" dt="2020-03-04T09:31:45.426" v="1873" actId="20577"/>
+        <pc:chgData name="Karen Jewell" userId="b7e4705127bdb922" providerId="LiveId" clId="{CC92DE7A-9D2C-4D69-A667-C51CA7EA785A}" dt="2020-03-04T13:36:18.200" v="1935" actId="27636"/>
         <pc:sldMkLst>
           <pc:docMk/>
           <pc:sldMk cId="384181669" sldId="256"/>
@@ -167,7 +172,7 @@
           </ac:spMkLst>
         </pc:spChg>
         <pc:spChg chg="add mod">
-          <ac:chgData name="Karen Jewell" userId="b7e4705127bdb922" providerId="LiveId" clId="{CC92DE7A-9D2C-4D69-A667-C51CA7EA785A}" dt="2020-03-04T09:31:45.426" v="1873" actId="20577"/>
+          <ac:chgData name="Karen Jewell" userId="b7e4705127bdb922" providerId="LiveId" clId="{CC92DE7A-9D2C-4D69-A667-C51CA7EA785A}" dt="2020-03-04T13:36:18.200" v="1935" actId="27636"/>
           <ac:spMkLst>
             <pc:docMk/>
             <pc:sldMk cId="384181669" sldId="256"/>
@@ -176,7 +181,7 @@
         </pc:spChg>
       </pc:sldChg>
       <pc:sldChg chg="addSp delSp modSp add mod">
-        <pc:chgData name="Karen Jewell" userId="b7e4705127bdb922" providerId="LiveId" clId="{CC92DE7A-9D2C-4D69-A667-C51CA7EA785A}" dt="2020-03-04T09:09:29.943" v="981" actId="20577"/>
+        <pc:chgData name="Karen Jewell" userId="b7e4705127bdb922" providerId="LiveId" clId="{CC92DE7A-9D2C-4D69-A667-C51CA7EA785A}" dt="2020-03-04T13:36:35.367" v="1988" actId="5793"/>
         <pc:sldMkLst>
           <pc:docMk/>
           <pc:sldMk cId="1946918776" sldId="257"/>
@@ -198,7 +203,7 @@
           </ac:spMkLst>
         </pc:spChg>
         <pc:spChg chg="add mod">
-          <ac:chgData name="Karen Jewell" userId="b7e4705127bdb922" providerId="LiveId" clId="{CC92DE7A-9D2C-4D69-A667-C51CA7EA785A}" dt="2020-03-04T09:09:29.943" v="981" actId="20577"/>
+          <ac:chgData name="Karen Jewell" userId="b7e4705127bdb922" providerId="LiveId" clId="{CC92DE7A-9D2C-4D69-A667-C51CA7EA785A}" dt="2020-03-04T13:36:35.367" v="1988" actId="5793"/>
           <ac:spMkLst>
             <pc:docMk/>
             <pc:sldMk cId="1946918776" sldId="257"/>
@@ -3586,7 +3591,7 @@
         <p:spPr/>
         <p:txBody>
           <a:bodyPr>
-            <a:normAutofit fontScale="92500"/>
+            <a:normAutofit lnSpcReduction="10000"/>
           </a:bodyPr>
           <a:lstStyle/>
           <a:p>
@@ -3600,9 +3605,6 @@
               <a:rPr lang="en-GB" dirty="0"/>
               <a:t>Why?</a:t>
             </a:r>
-          </a:p>
-          <a:p>
-            <a:endParaRPr lang="en-GB" dirty="0"/>
           </a:p>
           <a:p>
             <a:endParaRPr lang="en-GB" dirty="0"/>
@@ -3737,7 +3739,9 @@
         </p:nvSpPr>
         <p:spPr/>
         <p:txBody>
-          <a:bodyPr/>
+          <a:bodyPr>
+            <a:normAutofit fontScale="92500" lnSpcReduction="20000"/>
+          </a:bodyPr>
           <a:lstStyle/>
           <a:p>
             <a:r>
@@ -3793,6 +3797,16 @@
             <a:r>
               <a:rPr lang="en-GB" dirty="0"/>
               <a:t>Non-relevant data removed meaning no scope to explore beyond the article’s discussion itself</a:t>
+            </a:r>
+          </a:p>
+          <a:p>
+            <a:pPr lvl="1"/>
+            <a:endParaRPr lang="en-GB" dirty="0"/>
+          </a:p>
+          <a:p>
+            <a:r>
+              <a:rPr lang="en-GB" dirty="0"/>
+              <a:t>We had a lot of references, but no hypothesis…</a:t>
             </a:r>
           </a:p>
         </p:txBody>

--- a/Group2Presentation.pptx
+++ b/Group2Presentation.pptx
@@ -4,6 +4,9 @@
   <p:sldMasterIdLst>
     <p:sldMasterId id="2147483648" r:id="rId1"/>
   </p:sldMasterIdLst>
+  <p:notesMasterIdLst>
+    <p:notesMasterId r:id="rId7"/>
+  </p:notesMasterIdLst>
   <p:sldIdLst>
     <p:sldId id="256" r:id="rId2"/>
     <p:sldId id="257" r:id="rId3"/>
@@ -119,7 +122,7 @@
 <file path=ppt/revisionInfo.xml><?xml version="1.0" encoding="utf-8"?>
 <p1510:revInfo xmlns:a="http://schemas.openxmlformats.org/drawingml/2006/main" xmlns:r="http://schemas.openxmlformats.org/officeDocument/2006/relationships" xmlns:p1510="http://schemas.microsoft.com/office/powerpoint/2015/10/main">
   <p1510:revLst>
-    <p1510:client id="{CC92DE7A-9D2C-4D69-A667-C51CA7EA785A}" v="7" dt="2020-03-04T09:05:22.462"/>
+    <p1510:client id="{CC92DE7A-9D2C-4D69-A667-C51CA7EA785A}" v="56" dt="2020-03-11T10:27:18.077"/>
   </p1510:revLst>
 </p1510:revInfo>
 </file>
@@ -128,13 +131,13 @@
 <pc:chgInfo xmlns:a="http://schemas.openxmlformats.org/drawingml/2006/main" xmlns:r="http://schemas.openxmlformats.org/officeDocument/2006/relationships" xmlns:ac="http://schemas.microsoft.com/office/drawing/2013/main/command" xmlns:pc="http://schemas.microsoft.com/office/powerpoint/2013/main/command">
   <pc:docChgLst>
     <pc:chgData name="Karen Jewell" userId="b7e4705127bdb922" providerId="LiveId" clId="{CC92DE7A-9D2C-4D69-A667-C51CA7EA785A}"/>
-    <pc:docChg chg="undo custSel addSld modSld">
-      <pc:chgData name="Karen Jewell" userId="b7e4705127bdb922" providerId="LiveId" clId="{CC92DE7A-9D2C-4D69-A667-C51CA7EA785A}" dt="2020-03-04T13:36:35.367" v="1988" actId="5793"/>
+    <pc:docChg chg="undo custSel addSld modSld modMainMaster">
+      <pc:chgData name="Karen Jewell" userId="b7e4705127bdb922" providerId="LiveId" clId="{CC92DE7A-9D2C-4D69-A667-C51CA7EA785A}" dt="2020-03-11T10:27:18.075" v="2550"/>
       <pc:docMkLst>
         <pc:docMk/>
       </pc:docMkLst>
-      <pc:sldChg chg="addSp delSp modSp mod">
-        <pc:chgData name="Karen Jewell" userId="b7e4705127bdb922" providerId="LiveId" clId="{CC92DE7A-9D2C-4D69-A667-C51CA7EA785A}" dt="2020-03-04T13:36:18.200" v="1935" actId="27636"/>
+      <pc:sldChg chg="addSp delSp modSp mod modNotes">
+        <pc:chgData name="Karen Jewell" userId="b7e4705127bdb922" providerId="LiveId" clId="{CC92DE7A-9D2C-4D69-A667-C51CA7EA785A}" dt="2020-03-10T14:36:03.184" v="2549" actId="20577"/>
         <pc:sldMkLst>
           <pc:docMk/>
           <pc:sldMk cId="384181669" sldId="256"/>
@@ -172,7 +175,7 @@
           </ac:spMkLst>
         </pc:spChg>
         <pc:spChg chg="add mod">
-          <ac:chgData name="Karen Jewell" userId="b7e4705127bdb922" providerId="LiveId" clId="{CC92DE7A-9D2C-4D69-A667-C51CA7EA785A}" dt="2020-03-04T13:36:18.200" v="1935" actId="27636"/>
+          <ac:chgData name="Karen Jewell" userId="b7e4705127bdb922" providerId="LiveId" clId="{CC92DE7A-9D2C-4D69-A667-C51CA7EA785A}" dt="2020-03-10T13:26:37.405" v="2499" actId="20577"/>
           <ac:spMkLst>
             <pc:docMk/>
             <pc:sldMk cId="384181669" sldId="256"/>
@@ -181,7 +184,7 @@
         </pc:spChg>
       </pc:sldChg>
       <pc:sldChg chg="addSp delSp modSp add mod">
-        <pc:chgData name="Karen Jewell" userId="b7e4705127bdb922" providerId="LiveId" clId="{CC92DE7A-9D2C-4D69-A667-C51CA7EA785A}" dt="2020-03-04T13:36:35.367" v="1988" actId="5793"/>
+        <pc:chgData name="Karen Jewell" userId="b7e4705127bdb922" providerId="LiveId" clId="{CC92DE7A-9D2C-4D69-A667-C51CA7EA785A}" dt="2020-03-10T13:24:22.683" v="2419" actId="20577"/>
         <pc:sldMkLst>
           <pc:docMk/>
           <pc:sldMk cId="1946918776" sldId="257"/>
@@ -203,7 +206,7 @@
           </ac:spMkLst>
         </pc:spChg>
         <pc:spChg chg="add mod">
-          <ac:chgData name="Karen Jewell" userId="b7e4705127bdb922" providerId="LiveId" clId="{CC92DE7A-9D2C-4D69-A667-C51CA7EA785A}" dt="2020-03-04T13:36:35.367" v="1988" actId="5793"/>
+          <ac:chgData name="Karen Jewell" userId="b7e4705127bdb922" providerId="LiveId" clId="{CC92DE7A-9D2C-4D69-A667-C51CA7EA785A}" dt="2020-03-10T13:24:22.683" v="2419" actId="20577"/>
           <ac:spMkLst>
             <pc:docMk/>
             <pc:sldMk cId="1946918776" sldId="257"/>
@@ -212,7 +215,7 @@
         </pc:spChg>
       </pc:sldChg>
       <pc:sldChg chg="addSp delSp modSp add mod">
-        <pc:chgData name="Karen Jewell" userId="b7e4705127bdb922" providerId="LiveId" clId="{CC92DE7A-9D2C-4D69-A667-C51CA7EA785A}" dt="2020-03-04T09:31:21.937" v="1866" actId="20577"/>
+        <pc:chgData name="Karen Jewell" userId="b7e4705127bdb922" providerId="LiveId" clId="{CC92DE7A-9D2C-4D69-A667-C51CA7EA785A}" dt="2020-03-11T10:27:18.075" v="2550"/>
         <pc:sldMkLst>
           <pc:docMk/>
           <pc:sldMk cId="1394511912" sldId="258"/>
@@ -226,7 +229,7 @@
           </ac:spMkLst>
         </pc:spChg>
         <pc:spChg chg="add mod">
-          <ac:chgData name="Karen Jewell" userId="b7e4705127bdb922" providerId="LiveId" clId="{CC92DE7A-9D2C-4D69-A667-C51CA7EA785A}" dt="2020-03-04T09:10:16.604" v="1002" actId="20577"/>
+          <ac:chgData name="Karen Jewell" userId="b7e4705127bdb922" providerId="LiveId" clId="{CC92DE7A-9D2C-4D69-A667-C51CA7EA785A}" dt="2020-03-10T13:22:27.365" v="2337" actId="1076"/>
           <ac:spMkLst>
             <pc:docMk/>
             <pc:sldMk cId="1394511912" sldId="258"/>
@@ -234,16 +237,48 @@
           </ac:spMkLst>
         </pc:spChg>
         <pc:spChg chg="add mod">
-          <ac:chgData name="Karen Jewell" userId="b7e4705127bdb922" providerId="LiveId" clId="{CC92DE7A-9D2C-4D69-A667-C51CA7EA785A}" dt="2020-03-04T09:31:21.937" v="1866" actId="20577"/>
+          <ac:chgData name="Karen Jewell" userId="b7e4705127bdb922" providerId="LiveId" clId="{CC92DE7A-9D2C-4D69-A667-C51CA7EA785A}" dt="2020-03-10T13:21:31.756" v="2320" actId="14100"/>
           <ac:spMkLst>
             <pc:docMk/>
             <pc:sldMk cId="1394511912" sldId="258"/>
             <ac:spMk id="4" creationId="{A7E00B22-6E76-4776-8880-0C773DA469B9}"/>
           </ac:spMkLst>
         </pc:spChg>
+        <pc:spChg chg="add del mod">
+          <ac:chgData name="Karen Jewell" userId="b7e4705127bdb922" providerId="LiveId" clId="{CC92DE7A-9D2C-4D69-A667-C51CA7EA785A}" dt="2020-03-11T10:27:18.075" v="2550"/>
+          <ac:spMkLst>
+            <pc:docMk/>
+            <pc:sldMk cId="1394511912" sldId="258"/>
+            <ac:spMk id="9" creationId="{C1471DBF-B409-4252-9AFF-5E6346D9C0E9}"/>
+          </ac:spMkLst>
+        </pc:spChg>
+        <pc:picChg chg="add mod">
+          <ac:chgData name="Karen Jewell" userId="b7e4705127bdb922" providerId="LiveId" clId="{CC92DE7A-9D2C-4D69-A667-C51CA7EA785A}" dt="2020-03-10T13:21:55.814" v="2326" actId="1076"/>
+          <ac:picMkLst>
+            <pc:docMk/>
+            <pc:sldMk cId="1394511912" sldId="258"/>
+            <ac:picMk id="5" creationId="{D9608F30-4868-4CD1-9506-4C1B6D1BB464}"/>
+          </ac:picMkLst>
+        </pc:picChg>
+        <pc:picChg chg="add del mod">
+          <ac:chgData name="Karen Jewell" userId="b7e4705127bdb922" providerId="LiveId" clId="{CC92DE7A-9D2C-4D69-A667-C51CA7EA785A}" dt="2020-03-10T09:31:49.873" v="1998" actId="478"/>
+          <ac:picMkLst>
+            <pc:docMk/>
+            <pc:sldMk cId="1394511912" sldId="258"/>
+            <ac:picMk id="7" creationId="{5B4E8DC6-7A5E-4655-9109-23173F2B567C}"/>
+          </ac:picMkLst>
+        </pc:picChg>
+        <pc:picChg chg="add mod">
+          <ac:chgData name="Karen Jewell" userId="b7e4705127bdb922" providerId="LiveId" clId="{CC92DE7A-9D2C-4D69-A667-C51CA7EA785A}" dt="2020-03-10T13:21:53.081" v="2325" actId="1076"/>
+          <ac:picMkLst>
+            <pc:docMk/>
+            <pc:sldMk cId="1394511912" sldId="258"/>
+            <ac:picMk id="8" creationId="{73434485-2054-4C2A-8549-A2A2A77A6FD3}"/>
+          </ac:picMkLst>
+        </pc:picChg>
       </pc:sldChg>
       <pc:sldChg chg="addSp delSp modSp add mod">
-        <pc:chgData name="Karen Jewell" userId="b7e4705127bdb922" providerId="LiveId" clId="{CC92DE7A-9D2C-4D69-A667-C51CA7EA785A}" dt="2020-03-04T09:35:20.679" v="1928" actId="20577"/>
+        <pc:chgData name="Karen Jewell" userId="b7e4705127bdb922" providerId="LiveId" clId="{CC92DE7A-9D2C-4D69-A667-C51CA7EA785A}" dt="2020-03-10T13:23:52.664" v="2405" actId="20577"/>
         <pc:sldMkLst>
           <pc:docMk/>
           <pc:sldMk cId="3068476550" sldId="259"/>
@@ -257,7 +292,7 @@
           </ac:spMkLst>
         </pc:spChg>
         <pc:spChg chg="add mod">
-          <ac:chgData name="Karen Jewell" userId="b7e4705127bdb922" providerId="LiveId" clId="{CC92DE7A-9D2C-4D69-A667-C51CA7EA785A}" dt="2020-03-04T09:15:37.758" v="1307" actId="20577"/>
+          <ac:chgData name="Karen Jewell" userId="b7e4705127bdb922" providerId="LiveId" clId="{CC92DE7A-9D2C-4D69-A667-C51CA7EA785A}" dt="2020-03-10T13:22:09.630" v="2333" actId="20577"/>
           <ac:spMkLst>
             <pc:docMk/>
             <pc:sldMk cId="3068476550" sldId="259"/>
@@ -265,16 +300,32 @@
           </ac:spMkLst>
         </pc:spChg>
         <pc:spChg chg="add mod">
-          <ac:chgData name="Karen Jewell" userId="b7e4705127bdb922" providerId="LiveId" clId="{CC92DE7A-9D2C-4D69-A667-C51CA7EA785A}" dt="2020-03-04T09:35:20.679" v="1928" actId="20577"/>
+          <ac:chgData name="Karen Jewell" userId="b7e4705127bdb922" providerId="LiveId" clId="{CC92DE7A-9D2C-4D69-A667-C51CA7EA785A}" dt="2020-03-10T13:23:52.664" v="2405" actId="20577"/>
           <ac:spMkLst>
             <pc:docMk/>
             <pc:sldMk cId="3068476550" sldId="259"/>
             <ac:spMk id="4" creationId="{30DA1BA1-41C3-4A24-BEBE-B2A8CDF3995C}"/>
           </ac:spMkLst>
         </pc:spChg>
+        <pc:picChg chg="add mod">
+          <ac:chgData name="Karen Jewell" userId="b7e4705127bdb922" providerId="LiveId" clId="{CC92DE7A-9D2C-4D69-A667-C51CA7EA785A}" dt="2020-03-10T09:33:10.697" v="2003" actId="1076"/>
+          <ac:picMkLst>
+            <pc:docMk/>
+            <pc:sldMk cId="3068476550" sldId="259"/>
+            <ac:picMk id="5" creationId="{6D970FCF-106C-48C6-BF85-1A384A0C52A5}"/>
+          </ac:picMkLst>
+        </pc:picChg>
+        <pc:picChg chg="add del mod">
+          <ac:chgData name="Karen Jewell" userId="b7e4705127bdb922" providerId="LiveId" clId="{CC92DE7A-9D2C-4D69-A667-C51CA7EA785A}" dt="2020-03-10T09:33:28.613" v="2006"/>
+          <ac:picMkLst>
+            <pc:docMk/>
+            <pc:sldMk cId="3068476550" sldId="259"/>
+            <ac:picMk id="1026" creationId="{CE90BB61-DCCF-4558-9546-0B05D53C5A47}"/>
+          </ac:picMkLst>
+        </pc:picChg>
       </pc:sldChg>
       <pc:sldChg chg="addSp delSp modSp add mod">
-        <pc:chgData name="Karen Jewell" userId="b7e4705127bdb922" providerId="LiveId" clId="{CC92DE7A-9D2C-4D69-A667-C51CA7EA785A}" dt="2020-03-04T09:15:45.761" v="1329" actId="20577"/>
+        <pc:chgData name="Karen Jewell" userId="b7e4705127bdb922" providerId="LiveId" clId="{CC92DE7A-9D2C-4D69-A667-C51CA7EA785A}" dt="2020-03-10T13:26:08.695" v="2479" actId="20577"/>
         <pc:sldMkLst>
           <pc:docMk/>
           <pc:sldMk cId="4169300532" sldId="260"/>
@@ -296,7 +347,7 @@
           </ac:spMkLst>
         </pc:spChg>
         <pc:spChg chg="add mod">
-          <ac:chgData name="Karen Jewell" userId="b7e4705127bdb922" providerId="LiveId" clId="{CC92DE7A-9D2C-4D69-A667-C51CA7EA785A}" dt="2020-03-04T09:00:14.875" v="6"/>
+          <ac:chgData name="Karen Jewell" userId="b7e4705127bdb922" providerId="LiveId" clId="{CC92DE7A-9D2C-4D69-A667-C51CA7EA785A}" dt="2020-03-10T13:26:08.695" v="2479" actId="20577"/>
           <ac:spMkLst>
             <pc:docMk/>
             <pc:sldMk cId="4169300532" sldId="260"/>
@@ -304,9 +355,809 @@
           </ac:spMkLst>
         </pc:spChg>
       </pc:sldChg>
+      <pc:sldMasterChg chg="addSldLayout modSldLayout">
+        <pc:chgData name="Karen Jewell" userId="b7e4705127bdb922" providerId="LiveId" clId="{CC92DE7A-9D2C-4D69-A667-C51CA7EA785A}" dt="2020-03-10T13:20:38.580" v="2318" actId="3064"/>
+        <pc:sldMasterMkLst>
+          <pc:docMk/>
+          <pc:sldMasterMk cId="4097537764" sldId="2147483648"/>
+        </pc:sldMasterMkLst>
+        <pc:sldLayoutChg chg="modSp new mod">
+          <pc:chgData name="Karen Jewell" userId="b7e4705127bdb922" providerId="LiveId" clId="{CC92DE7A-9D2C-4D69-A667-C51CA7EA785A}" dt="2020-03-10T13:20:38.580" v="2318" actId="3064"/>
+          <pc:sldLayoutMkLst>
+            <pc:docMk/>
+            <pc:sldMasterMk cId="4097537764" sldId="2147483648"/>
+            <pc:sldLayoutMk cId="4264740658" sldId="2147483660"/>
+          </pc:sldLayoutMkLst>
+          <pc:spChg chg="mod">
+            <ac:chgData name="Karen Jewell" userId="b7e4705127bdb922" providerId="LiveId" clId="{CC92DE7A-9D2C-4D69-A667-C51CA7EA785A}" dt="2020-03-10T13:20:38.580" v="2318" actId="3064"/>
+            <ac:spMkLst>
+              <pc:docMk/>
+              <pc:sldMasterMk cId="4097537764" sldId="2147483648"/>
+              <pc:sldLayoutMk cId="4264740658" sldId="2147483660"/>
+              <ac:spMk id="2" creationId="{9E7C72A3-B0D9-455C-BFF1-242AF861854A}"/>
+            </ac:spMkLst>
+          </pc:spChg>
+        </pc:sldLayoutChg>
+      </pc:sldMasterChg>
     </pc:docChg>
   </pc:docChgLst>
 </pc:chgInfo>
+</file>
+
+<file path=ppt/notesMasters/notesMaster1.xml><?xml version="1.0" encoding="utf-8"?>
+<p:notesMaster xmlns:a="http://schemas.openxmlformats.org/drawingml/2006/main" xmlns:r="http://schemas.openxmlformats.org/officeDocument/2006/relationships" xmlns:p="http://schemas.openxmlformats.org/presentationml/2006/main">
+  <p:cSld>
+    <p:bg>
+      <p:bgRef idx="1001">
+        <a:schemeClr val="bg1"/>
+      </p:bgRef>
+    </p:bg>
+    <p:spTree>
+      <p:nvGrpSpPr>
+        <p:cNvPr id="1" name=""/>
+        <p:cNvGrpSpPr/>
+        <p:nvPr/>
+      </p:nvGrpSpPr>
+      <p:grpSpPr>
+        <a:xfrm>
+          <a:off x="0" y="0"/>
+          <a:ext cx="0" cy="0"/>
+          <a:chOff x="0" y="0"/>
+          <a:chExt cx="0" cy="0"/>
+        </a:xfrm>
+      </p:grpSpPr>
+      <p:sp>
+        <p:nvSpPr>
+          <p:cNvPr id="2" name="Header Placeholder 1"/>
+          <p:cNvSpPr>
+            <a:spLocks noGrp="1"/>
+          </p:cNvSpPr>
+          <p:nvPr>
+            <p:ph type="hdr" sz="quarter"/>
+          </p:nvPr>
+        </p:nvSpPr>
+        <p:spPr>
+          <a:xfrm>
+            <a:off x="0" y="0"/>
+            <a:ext cx="2971800" cy="458788"/>
+          </a:xfrm>
+          <a:prstGeom prst="rect">
+            <a:avLst/>
+          </a:prstGeom>
+        </p:spPr>
+        <p:txBody>
+          <a:bodyPr vert="horz" lIns="91440" tIns="45720" rIns="91440" bIns="45720" rtlCol="0"/>
+          <a:lstStyle>
+            <a:lvl1pPr algn="l">
+              <a:defRPr sz="1200"/>
+            </a:lvl1pPr>
+          </a:lstStyle>
+          <a:p>
+            <a:endParaRPr lang="en-GB"/>
+          </a:p>
+        </p:txBody>
+      </p:sp>
+      <p:sp>
+        <p:nvSpPr>
+          <p:cNvPr id="3" name="Date Placeholder 2"/>
+          <p:cNvSpPr>
+            <a:spLocks noGrp="1"/>
+          </p:cNvSpPr>
+          <p:nvPr>
+            <p:ph type="dt" idx="1"/>
+          </p:nvPr>
+        </p:nvSpPr>
+        <p:spPr>
+          <a:xfrm>
+            <a:off x="3884613" y="0"/>
+            <a:ext cx="2971800" cy="458788"/>
+          </a:xfrm>
+          <a:prstGeom prst="rect">
+            <a:avLst/>
+          </a:prstGeom>
+        </p:spPr>
+        <p:txBody>
+          <a:bodyPr vert="horz" lIns="91440" tIns="45720" rIns="91440" bIns="45720" rtlCol="0"/>
+          <a:lstStyle>
+            <a:lvl1pPr algn="r">
+              <a:defRPr sz="1200"/>
+            </a:lvl1pPr>
+          </a:lstStyle>
+          <a:p>
+            <a:fld id="{1B659DF1-4439-4E9C-81CA-13AF2E1376AB}" type="datetimeFigureOut">
+              <a:rPr lang="en-GB" smtClean="0"/>
+              <a:t>10/03/2020</a:t>
+            </a:fld>
+            <a:endParaRPr lang="en-GB"/>
+          </a:p>
+        </p:txBody>
+      </p:sp>
+      <p:sp>
+        <p:nvSpPr>
+          <p:cNvPr id="4" name="Slide Image Placeholder 3"/>
+          <p:cNvSpPr>
+            <a:spLocks noGrp="1" noRot="1" noChangeAspect="1"/>
+          </p:cNvSpPr>
+          <p:nvPr>
+            <p:ph type="sldImg" idx="2"/>
+          </p:nvPr>
+        </p:nvSpPr>
+        <p:spPr>
+          <a:xfrm>
+            <a:off x="685800" y="1143000"/>
+            <a:ext cx="5486400" cy="3086100"/>
+          </a:xfrm>
+          <a:prstGeom prst="rect">
+            <a:avLst/>
+          </a:prstGeom>
+          <a:noFill/>
+          <a:ln w="12700">
+            <a:solidFill>
+              <a:prstClr val="black"/>
+            </a:solidFill>
+          </a:ln>
+        </p:spPr>
+        <p:txBody>
+          <a:bodyPr vert="horz" lIns="91440" tIns="45720" rIns="91440" bIns="45720" rtlCol="0" anchor="ctr"/>
+          <a:lstStyle/>
+          <a:p>
+            <a:endParaRPr lang="en-GB"/>
+          </a:p>
+        </p:txBody>
+      </p:sp>
+      <p:sp>
+        <p:nvSpPr>
+          <p:cNvPr id="5" name="Notes Placeholder 4"/>
+          <p:cNvSpPr>
+            <a:spLocks noGrp="1"/>
+          </p:cNvSpPr>
+          <p:nvPr>
+            <p:ph type="body" sz="quarter" idx="3"/>
+          </p:nvPr>
+        </p:nvSpPr>
+        <p:spPr>
+          <a:xfrm>
+            <a:off x="685800" y="4400550"/>
+            <a:ext cx="5486400" cy="3600450"/>
+          </a:xfrm>
+          <a:prstGeom prst="rect">
+            <a:avLst/>
+          </a:prstGeom>
+        </p:spPr>
+        <p:txBody>
+          <a:bodyPr vert="horz" lIns="91440" tIns="45720" rIns="91440" bIns="45720" rtlCol="0"/>
+          <a:lstStyle/>
+          <a:p>
+            <a:pPr lvl="0"/>
+            <a:r>
+              <a:rPr lang="en-US"/>
+              <a:t>Click to edit Master text styles</a:t>
+            </a:r>
+          </a:p>
+          <a:p>
+            <a:pPr lvl="1"/>
+            <a:r>
+              <a:rPr lang="en-US"/>
+              <a:t>Second level</a:t>
+            </a:r>
+          </a:p>
+          <a:p>
+            <a:pPr lvl="2"/>
+            <a:r>
+              <a:rPr lang="en-US"/>
+              <a:t>Third level</a:t>
+            </a:r>
+          </a:p>
+          <a:p>
+            <a:pPr lvl="3"/>
+            <a:r>
+              <a:rPr lang="en-US"/>
+              <a:t>Fourth level</a:t>
+            </a:r>
+          </a:p>
+          <a:p>
+            <a:pPr lvl="4"/>
+            <a:r>
+              <a:rPr lang="en-US"/>
+              <a:t>Fifth level</a:t>
+            </a:r>
+            <a:endParaRPr lang="en-GB"/>
+          </a:p>
+        </p:txBody>
+      </p:sp>
+      <p:sp>
+        <p:nvSpPr>
+          <p:cNvPr id="6" name="Footer Placeholder 5"/>
+          <p:cNvSpPr>
+            <a:spLocks noGrp="1"/>
+          </p:cNvSpPr>
+          <p:nvPr>
+            <p:ph type="ftr" sz="quarter" idx="4"/>
+          </p:nvPr>
+        </p:nvSpPr>
+        <p:spPr>
+          <a:xfrm>
+            <a:off x="0" y="8685213"/>
+            <a:ext cx="2971800" cy="458787"/>
+          </a:xfrm>
+          <a:prstGeom prst="rect">
+            <a:avLst/>
+          </a:prstGeom>
+        </p:spPr>
+        <p:txBody>
+          <a:bodyPr vert="horz" lIns="91440" tIns="45720" rIns="91440" bIns="45720" rtlCol="0" anchor="b"/>
+          <a:lstStyle>
+            <a:lvl1pPr algn="l">
+              <a:defRPr sz="1200"/>
+            </a:lvl1pPr>
+          </a:lstStyle>
+          <a:p>
+            <a:endParaRPr lang="en-GB"/>
+          </a:p>
+        </p:txBody>
+      </p:sp>
+      <p:sp>
+        <p:nvSpPr>
+          <p:cNvPr id="7" name="Slide Number Placeholder 6"/>
+          <p:cNvSpPr>
+            <a:spLocks noGrp="1"/>
+          </p:cNvSpPr>
+          <p:nvPr>
+            <p:ph type="sldNum" sz="quarter" idx="5"/>
+          </p:nvPr>
+        </p:nvSpPr>
+        <p:spPr>
+          <a:xfrm>
+            <a:off x="3884613" y="8685213"/>
+            <a:ext cx="2971800" cy="458787"/>
+          </a:xfrm>
+          <a:prstGeom prst="rect">
+            <a:avLst/>
+          </a:prstGeom>
+        </p:spPr>
+        <p:txBody>
+          <a:bodyPr vert="horz" lIns="91440" tIns="45720" rIns="91440" bIns="45720" rtlCol="0" anchor="b"/>
+          <a:lstStyle>
+            <a:lvl1pPr algn="r">
+              <a:defRPr sz="1200"/>
+            </a:lvl1pPr>
+          </a:lstStyle>
+          <a:p>
+            <a:fld id="{840DF87F-D6E1-4268-9C5F-41DF460BB5A5}" type="slidenum">
+              <a:rPr lang="en-GB" smtClean="0"/>
+              <a:t>‹#›</a:t>
+            </a:fld>
+            <a:endParaRPr lang="en-GB"/>
+          </a:p>
+        </p:txBody>
+      </p:sp>
+    </p:spTree>
+    <p:extLst>
+      <p:ext uri="{BB962C8B-B14F-4D97-AF65-F5344CB8AC3E}">
+        <p14:creationId xmlns:p14="http://schemas.microsoft.com/office/powerpoint/2010/main" val="2530719950"/>
+      </p:ext>
+    </p:extLst>
+  </p:cSld>
+  <p:clrMap bg1="lt1" tx1="dk1" bg2="lt2" tx2="dk2" accent1="accent1" accent2="accent2" accent3="accent3" accent4="accent4" accent5="accent5" accent6="accent6" hlink="hlink" folHlink="folHlink"/>
+  <p:notesStyle>
+    <a:lvl1pPr marL="0" algn="l" defTabSz="914400" rtl="0" eaLnBrk="1" latinLnBrk="0" hangingPunct="1">
+      <a:defRPr sz="1200" kern="1200">
+        <a:solidFill>
+          <a:schemeClr val="tx1"/>
+        </a:solidFill>
+        <a:latin typeface="+mn-lt"/>
+        <a:ea typeface="+mn-ea"/>
+        <a:cs typeface="+mn-cs"/>
+      </a:defRPr>
+    </a:lvl1pPr>
+    <a:lvl2pPr marL="457200" algn="l" defTabSz="914400" rtl="0" eaLnBrk="1" latinLnBrk="0" hangingPunct="1">
+      <a:defRPr sz="1200" kern="1200">
+        <a:solidFill>
+          <a:schemeClr val="tx1"/>
+        </a:solidFill>
+        <a:latin typeface="+mn-lt"/>
+        <a:ea typeface="+mn-ea"/>
+        <a:cs typeface="+mn-cs"/>
+      </a:defRPr>
+    </a:lvl2pPr>
+    <a:lvl3pPr marL="914400" algn="l" defTabSz="914400" rtl="0" eaLnBrk="1" latinLnBrk="0" hangingPunct="1">
+      <a:defRPr sz="1200" kern="1200">
+        <a:solidFill>
+          <a:schemeClr val="tx1"/>
+        </a:solidFill>
+        <a:latin typeface="+mn-lt"/>
+        <a:ea typeface="+mn-ea"/>
+        <a:cs typeface="+mn-cs"/>
+      </a:defRPr>
+    </a:lvl3pPr>
+    <a:lvl4pPr marL="1371600" algn="l" defTabSz="914400" rtl="0" eaLnBrk="1" latinLnBrk="0" hangingPunct="1">
+      <a:defRPr sz="1200" kern="1200">
+        <a:solidFill>
+          <a:schemeClr val="tx1"/>
+        </a:solidFill>
+        <a:latin typeface="+mn-lt"/>
+        <a:ea typeface="+mn-ea"/>
+        <a:cs typeface="+mn-cs"/>
+      </a:defRPr>
+    </a:lvl4pPr>
+    <a:lvl5pPr marL="1828800" algn="l" defTabSz="914400" rtl="0" eaLnBrk="1" latinLnBrk="0" hangingPunct="1">
+      <a:defRPr sz="1200" kern="1200">
+        <a:solidFill>
+          <a:schemeClr val="tx1"/>
+        </a:solidFill>
+        <a:latin typeface="+mn-lt"/>
+        <a:ea typeface="+mn-ea"/>
+        <a:cs typeface="+mn-cs"/>
+      </a:defRPr>
+    </a:lvl5pPr>
+    <a:lvl6pPr marL="2286000" algn="l" defTabSz="914400" rtl="0" eaLnBrk="1" latinLnBrk="0" hangingPunct="1">
+      <a:defRPr sz="1200" kern="1200">
+        <a:solidFill>
+          <a:schemeClr val="tx1"/>
+        </a:solidFill>
+        <a:latin typeface="+mn-lt"/>
+        <a:ea typeface="+mn-ea"/>
+        <a:cs typeface="+mn-cs"/>
+      </a:defRPr>
+    </a:lvl6pPr>
+    <a:lvl7pPr marL="2743200" algn="l" defTabSz="914400" rtl="0" eaLnBrk="1" latinLnBrk="0" hangingPunct="1">
+      <a:defRPr sz="1200" kern="1200">
+        <a:solidFill>
+          <a:schemeClr val="tx1"/>
+        </a:solidFill>
+        <a:latin typeface="+mn-lt"/>
+        <a:ea typeface="+mn-ea"/>
+        <a:cs typeface="+mn-cs"/>
+      </a:defRPr>
+    </a:lvl7pPr>
+    <a:lvl8pPr marL="3200400" algn="l" defTabSz="914400" rtl="0" eaLnBrk="1" latinLnBrk="0" hangingPunct="1">
+      <a:defRPr sz="1200" kern="1200">
+        <a:solidFill>
+          <a:schemeClr val="tx1"/>
+        </a:solidFill>
+        <a:latin typeface="+mn-lt"/>
+        <a:ea typeface="+mn-ea"/>
+        <a:cs typeface="+mn-cs"/>
+      </a:defRPr>
+    </a:lvl8pPr>
+    <a:lvl9pPr marL="3657600" algn="l" defTabSz="914400" rtl="0" eaLnBrk="1" latinLnBrk="0" hangingPunct="1">
+      <a:defRPr sz="1200" kern="1200">
+        <a:solidFill>
+          <a:schemeClr val="tx1"/>
+        </a:solidFill>
+        <a:latin typeface="+mn-lt"/>
+        <a:ea typeface="+mn-ea"/>
+        <a:cs typeface="+mn-cs"/>
+      </a:defRPr>
+    </a:lvl9pPr>
+  </p:notesStyle>
+</p:notesMaster>
+</file>
+
+<file path=ppt/notesSlides/notesSlide1.xml><?xml version="1.0" encoding="utf-8"?>
+<p:notes xmlns:a="http://schemas.openxmlformats.org/drawingml/2006/main" xmlns:r="http://schemas.openxmlformats.org/officeDocument/2006/relationships" xmlns:p="http://schemas.openxmlformats.org/presentationml/2006/main">
+  <p:cSld>
+    <p:spTree>
+      <p:nvGrpSpPr>
+        <p:cNvPr id="1" name=""/>
+        <p:cNvGrpSpPr/>
+        <p:nvPr/>
+      </p:nvGrpSpPr>
+      <p:grpSpPr>
+        <a:xfrm>
+          <a:off x="0" y="0"/>
+          <a:ext cx="0" cy="0"/>
+          <a:chOff x="0" y="0"/>
+          <a:chExt cx="0" cy="0"/>
+        </a:xfrm>
+      </p:grpSpPr>
+      <p:sp>
+        <p:nvSpPr>
+          <p:cNvPr id="2" name="Slide Image Placeholder 1"/>
+          <p:cNvSpPr>
+            <a:spLocks noGrp="1" noRot="1" noChangeAspect="1"/>
+          </p:cNvSpPr>
+          <p:nvPr>
+            <p:ph type="sldImg"/>
+          </p:nvPr>
+        </p:nvSpPr>
+        <p:spPr/>
+      </p:sp>
+      <p:sp>
+        <p:nvSpPr>
+          <p:cNvPr id="3" name="Notes Placeholder 2"/>
+          <p:cNvSpPr>
+            <a:spLocks noGrp="1"/>
+          </p:cNvSpPr>
+          <p:nvPr>
+            <p:ph type="body" idx="1"/>
+          </p:nvPr>
+        </p:nvSpPr>
+        <p:spPr/>
+        <p:txBody>
+          <a:bodyPr/>
+          <a:lstStyle/>
+          <a:p>
+            <a:r>
+              <a:rPr lang="en-GB" dirty="0"/>
+              <a:t>Our topic is on Plastic Pollution</a:t>
+            </a:r>
+          </a:p>
+          <a:p>
+            <a:endParaRPr lang="en-GB" dirty="0"/>
+          </a:p>
+        </p:txBody>
+      </p:sp>
+      <p:sp>
+        <p:nvSpPr>
+          <p:cNvPr id="4" name="Slide Number Placeholder 3"/>
+          <p:cNvSpPr>
+            <a:spLocks noGrp="1"/>
+          </p:cNvSpPr>
+          <p:nvPr>
+            <p:ph type="sldNum" sz="quarter" idx="5"/>
+          </p:nvPr>
+        </p:nvSpPr>
+        <p:spPr/>
+        <p:txBody>
+          <a:bodyPr/>
+          <a:lstStyle/>
+          <a:p>
+            <a:fld id="{840DF87F-D6E1-4268-9C5F-41DF460BB5A5}" type="slidenum">
+              <a:rPr lang="en-GB" smtClean="0"/>
+              <a:t>1</a:t>
+            </a:fld>
+            <a:endParaRPr lang="en-GB"/>
+          </a:p>
+        </p:txBody>
+      </p:sp>
+    </p:spTree>
+    <p:extLst>
+      <p:ext uri="{BB962C8B-B14F-4D97-AF65-F5344CB8AC3E}">
+        <p14:creationId xmlns:p14="http://schemas.microsoft.com/office/powerpoint/2010/main" val="676106312"/>
+      </p:ext>
+    </p:extLst>
+  </p:cSld>
+  <p:clrMapOvr>
+    <a:masterClrMapping/>
+  </p:clrMapOvr>
+</p:notes>
+</file>
+
+<file path=ppt/notesSlides/notesSlide2.xml><?xml version="1.0" encoding="utf-8"?>
+<p:notes xmlns:a="http://schemas.openxmlformats.org/drawingml/2006/main" xmlns:r="http://schemas.openxmlformats.org/officeDocument/2006/relationships" xmlns:p="http://schemas.openxmlformats.org/presentationml/2006/main">
+  <p:cSld>
+    <p:spTree>
+      <p:nvGrpSpPr>
+        <p:cNvPr id="1" name=""/>
+        <p:cNvGrpSpPr/>
+        <p:nvPr/>
+      </p:nvGrpSpPr>
+      <p:grpSpPr>
+        <a:xfrm>
+          <a:off x="0" y="0"/>
+          <a:ext cx="0" cy="0"/>
+          <a:chOff x="0" y="0"/>
+          <a:chExt cx="0" cy="0"/>
+        </a:xfrm>
+      </p:grpSpPr>
+      <p:sp>
+        <p:nvSpPr>
+          <p:cNvPr id="2" name="Slide Image Placeholder 1"/>
+          <p:cNvSpPr>
+            <a:spLocks noGrp="1" noRot="1" noChangeAspect="1"/>
+          </p:cNvSpPr>
+          <p:nvPr>
+            <p:ph type="sldImg"/>
+          </p:nvPr>
+        </p:nvSpPr>
+        <p:spPr/>
+      </p:sp>
+      <p:sp>
+        <p:nvSpPr>
+          <p:cNvPr id="3" name="Notes Placeholder 2"/>
+          <p:cNvSpPr>
+            <a:spLocks noGrp="1"/>
+          </p:cNvSpPr>
+          <p:nvPr>
+            <p:ph type="body" idx="1"/>
+          </p:nvPr>
+        </p:nvSpPr>
+        <p:spPr/>
+        <p:txBody>
+          <a:bodyPr/>
+          <a:lstStyle/>
+          <a:p>
+            <a:endParaRPr lang="en-GB"/>
+          </a:p>
+        </p:txBody>
+      </p:sp>
+      <p:sp>
+        <p:nvSpPr>
+          <p:cNvPr id="4" name="Slide Number Placeholder 3"/>
+          <p:cNvSpPr>
+            <a:spLocks noGrp="1"/>
+          </p:cNvSpPr>
+          <p:nvPr>
+            <p:ph type="sldNum" sz="quarter" idx="5"/>
+          </p:nvPr>
+        </p:nvSpPr>
+        <p:spPr/>
+        <p:txBody>
+          <a:bodyPr/>
+          <a:lstStyle/>
+          <a:p>
+            <a:fld id="{840DF87F-D6E1-4268-9C5F-41DF460BB5A5}" type="slidenum">
+              <a:rPr lang="en-GB" smtClean="0"/>
+              <a:t>2</a:t>
+            </a:fld>
+            <a:endParaRPr lang="en-GB"/>
+          </a:p>
+        </p:txBody>
+      </p:sp>
+    </p:spTree>
+    <p:extLst>
+      <p:ext uri="{BB962C8B-B14F-4D97-AF65-F5344CB8AC3E}">
+        <p14:creationId xmlns:p14="http://schemas.microsoft.com/office/powerpoint/2010/main" val="2727560089"/>
+      </p:ext>
+    </p:extLst>
+  </p:cSld>
+  <p:clrMapOvr>
+    <a:masterClrMapping/>
+  </p:clrMapOvr>
+</p:notes>
+</file>
+
+<file path=ppt/notesSlides/notesSlide3.xml><?xml version="1.0" encoding="utf-8"?>
+<p:notes xmlns:a="http://schemas.openxmlformats.org/drawingml/2006/main" xmlns:r="http://schemas.openxmlformats.org/officeDocument/2006/relationships" xmlns:p="http://schemas.openxmlformats.org/presentationml/2006/main">
+  <p:cSld>
+    <p:spTree>
+      <p:nvGrpSpPr>
+        <p:cNvPr id="1" name=""/>
+        <p:cNvGrpSpPr/>
+        <p:nvPr/>
+      </p:nvGrpSpPr>
+      <p:grpSpPr>
+        <a:xfrm>
+          <a:off x="0" y="0"/>
+          <a:ext cx="0" cy="0"/>
+          <a:chOff x="0" y="0"/>
+          <a:chExt cx="0" cy="0"/>
+        </a:xfrm>
+      </p:grpSpPr>
+      <p:sp>
+        <p:nvSpPr>
+          <p:cNvPr id="2" name="Slide Image Placeholder 1"/>
+          <p:cNvSpPr>
+            <a:spLocks noGrp="1" noRot="1" noChangeAspect="1"/>
+          </p:cNvSpPr>
+          <p:nvPr>
+            <p:ph type="sldImg"/>
+          </p:nvPr>
+        </p:nvSpPr>
+        <p:spPr/>
+      </p:sp>
+      <p:sp>
+        <p:nvSpPr>
+          <p:cNvPr id="3" name="Notes Placeholder 2"/>
+          <p:cNvSpPr>
+            <a:spLocks noGrp="1"/>
+          </p:cNvSpPr>
+          <p:nvPr>
+            <p:ph type="body" idx="1"/>
+          </p:nvPr>
+        </p:nvSpPr>
+        <p:spPr/>
+        <p:txBody>
+          <a:bodyPr/>
+          <a:lstStyle/>
+          <a:p>
+            <a:endParaRPr lang="en-GB"/>
+          </a:p>
+        </p:txBody>
+      </p:sp>
+      <p:sp>
+        <p:nvSpPr>
+          <p:cNvPr id="4" name="Slide Number Placeholder 3"/>
+          <p:cNvSpPr>
+            <a:spLocks noGrp="1"/>
+          </p:cNvSpPr>
+          <p:nvPr>
+            <p:ph type="sldNum" sz="quarter" idx="5"/>
+          </p:nvPr>
+        </p:nvSpPr>
+        <p:spPr/>
+        <p:txBody>
+          <a:bodyPr/>
+          <a:lstStyle/>
+          <a:p>
+            <a:fld id="{840DF87F-D6E1-4268-9C5F-41DF460BB5A5}" type="slidenum">
+              <a:rPr lang="en-GB" smtClean="0"/>
+              <a:t>3</a:t>
+            </a:fld>
+            <a:endParaRPr lang="en-GB"/>
+          </a:p>
+        </p:txBody>
+      </p:sp>
+    </p:spTree>
+    <p:extLst>
+      <p:ext uri="{BB962C8B-B14F-4D97-AF65-F5344CB8AC3E}">
+        <p14:creationId xmlns:p14="http://schemas.microsoft.com/office/powerpoint/2010/main" val="2690948307"/>
+      </p:ext>
+    </p:extLst>
+  </p:cSld>
+  <p:clrMapOvr>
+    <a:masterClrMapping/>
+  </p:clrMapOvr>
+</p:notes>
+</file>
+
+<file path=ppt/notesSlides/notesSlide4.xml><?xml version="1.0" encoding="utf-8"?>
+<p:notes xmlns:a="http://schemas.openxmlformats.org/drawingml/2006/main" xmlns:r="http://schemas.openxmlformats.org/officeDocument/2006/relationships" xmlns:p="http://schemas.openxmlformats.org/presentationml/2006/main">
+  <p:cSld>
+    <p:spTree>
+      <p:nvGrpSpPr>
+        <p:cNvPr id="1" name=""/>
+        <p:cNvGrpSpPr/>
+        <p:nvPr/>
+      </p:nvGrpSpPr>
+      <p:grpSpPr>
+        <a:xfrm>
+          <a:off x="0" y="0"/>
+          <a:ext cx="0" cy="0"/>
+          <a:chOff x="0" y="0"/>
+          <a:chExt cx="0" cy="0"/>
+        </a:xfrm>
+      </p:grpSpPr>
+      <p:sp>
+        <p:nvSpPr>
+          <p:cNvPr id="2" name="Slide Image Placeholder 1"/>
+          <p:cNvSpPr>
+            <a:spLocks noGrp="1" noRot="1" noChangeAspect="1"/>
+          </p:cNvSpPr>
+          <p:nvPr>
+            <p:ph type="sldImg"/>
+          </p:nvPr>
+        </p:nvSpPr>
+        <p:spPr/>
+      </p:sp>
+      <p:sp>
+        <p:nvSpPr>
+          <p:cNvPr id="3" name="Notes Placeholder 2"/>
+          <p:cNvSpPr>
+            <a:spLocks noGrp="1"/>
+          </p:cNvSpPr>
+          <p:nvPr>
+            <p:ph type="body" idx="1"/>
+          </p:nvPr>
+        </p:nvSpPr>
+        <p:spPr/>
+        <p:txBody>
+          <a:bodyPr/>
+          <a:lstStyle/>
+          <a:p>
+            <a:endParaRPr lang="en-GB"/>
+          </a:p>
+        </p:txBody>
+      </p:sp>
+      <p:sp>
+        <p:nvSpPr>
+          <p:cNvPr id="4" name="Slide Number Placeholder 3"/>
+          <p:cNvSpPr>
+            <a:spLocks noGrp="1"/>
+          </p:cNvSpPr>
+          <p:nvPr>
+            <p:ph type="sldNum" sz="quarter" idx="5"/>
+          </p:nvPr>
+        </p:nvSpPr>
+        <p:spPr/>
+        <p:txBody>
+          <a:bodyPr/>
+          <a:lstStyle/>
+          <a:p>
+            <a:fld id="{840DF87F-D6E1-4268-9C5F-41DF460BB5A5}" type="slidenum">
+              <a:rPr lang="en-GB" smtClean="0"/>
+              <a:t>4</a:t>
+            </a:fld>
+            <a:endParaRPr lang="en-GB"/>
+          </a:p>
+        </p:txBody>
+      </p:sp>
+    </p:spTree>
+    <p:extLst>
+      <p:ext uri="{BB962C8B-B14F-4D97-AF65-F5344CB8AC3E}">
+        <p14:creationId xmlns:p14="http://schemas.microsoft.com/office/powerpoint/2010/main" val="585690878"/>
+      </p:ext>
+    </p:extLst>
+  </p:cSld>
+  <p:clrMapOvr>
+    <a:masterClrMapping/>
+  </p:clrMapOvr>
+</p:notes>
+</file>
+
+<file path=ppt/notesSlides/notesSlide5.xml><?xml version="1.0" encoding="utf-8"?>
+<p:notes xmlns:a="http://schemas.openxmlformats.org/drawingml/2006/main" xmlns:r="http://schemas.openxmlformats.org/officeDocument/2006/relationships" xmlns:p="http://schemas.openxmlformats.org/presentationml/2006/main">
+  <p:cSld>
+    <p:spTree>
+      <p:nvGrpSpPr>
+        <p:cNvPr id="1" name=""/>
+        <p:cNvGrpSpPr/>
+        <p:nvPr/>
+      </p:nvGrpSpPr>
+      <p:grpSpPr>
+        <a:xfrm>
+          <a:off x="0" y="0"/>
+          <a:ext cx="0" cy="0"/>
+          <a:chOff x="0" y="0"/>
+          <a:chExt cx="0" cy="0"/>
+        </a:xfrm>
+      </p:grpSpPr>
+      <p:sp>
+        <p:nvSpPr>
+          <p:cNvPr id="2" name="Slide Image Placeholder 1"/>
+          <p:cNvSpPr>
+            <a:spLocks noGrp="1" noRot="1" noChangeAspect="1"/>
+          </p:cNvSpPr>
+          <p:nvPr>
+            <p:ph type="sldImg"/>
+          </p:nvPr>
+        </p:nvSpPr>
+        <p:spPr/>
+      </p:sp>
+      <p:sp>
+        <p:nvSpPr>
+          <p:cNvPr id="3" name="Notes Placeholder 2"/>
+          <p:cNvSpPr>
+            <a:spLocks noGrp="1"/>
+          </p:cNvSpPr>
+          <p:nvPr>
+            <p:ph type="body" idx="1"/>
+          </p:nvPr>
+        </p:nvSpPr>
+        <p:spPr/>
+        <p:txBody>
+          <a:bodyPr/>
+          <a:lstStyle/>
+          <a:p>
+            <a:endParaRPr lang="en-GB"/>
+          </a:p>
+        </p:txBody>
+      </p:sp>
+      <p:sp>
+        <p:nvSpPr>
+          <p:cNvPr id="4" name="Slide Number Placeholder 3"/>
+          <p:cNvSpPr>
+            <a:spLocks noGrp="1"/>
+          </p:cNvSpPr>
+          <p:nvPr>
+            <p:ph type="sldNum" sz="quarter" idx="5"/>
+          </p:nvPr>
+        </p:nvSpPr>
+        <p:spPr/>
+        <p:txBody>
+          <a:bodyPr/>
+          <a:lstStyle/>
+          <a:p>
+            <a:fld id="{840DF87F-D6E1-4268-9C5F-41DF460BB5A5}" type="slidenum">
+              <a:rPr lang="en-GB" smtClean="0"/>
+              <a:t>5</a:t>
+            </a:fld>
+            <a:endParaRPr lang="en-GB"/>
+          </a:p>
+        </p:txBody>
+      </p:sp>
+    </p:spTree>
+    <p:extLst>
+      <p:ext uri="{BB962C8B-B14F-4D97-AF65-F5344CB8AC3E}">
+        <p14:creationId xmlns:p14="http://schemas.microsoft.com/office/powerpoint/2010/main" val="995713163"/>
+      </p:ext>
+    </p:extLst>
+  </p:cSld>
+  <p:clrMapOvr>
+    <a:masterClrMapping/>
+  </p:clrMapOvr>
+</p:notes>
 </file>
 
 <file path=ppt/slideLayouts/slideLayout1.xml><?xml version="1.0" encoding="utf-8"?>
@@ -458,7 +1309,7 @@
           <a:p>
             <a:fld id="{51CB4ED3-25AD-4501-A3D0-B7CF1556DFF4}" type="datetimeFigureOut">
               <a:rPr lang="en-GB" smtClean="0"/>
-              <a:t>04/03/2020</a:t>
+              <a:t>10/03/2020</a:t>
             </a:fld>
             <a:endParaRPr lang="en-GB"/>
           </a:p>
@@ -658,7 +1509,7 @@
           <a:p>
             <a:fld id="{51CB4ED3-25AD-4501-A3D0-B7CF1556DFF4}" type="datetimeFigureOut">
               <a:rPr lang="en-GB" smtClean="0"/>
-              <a:t>04/03/2020</a:t>
+              <a:t>10/03/2020</a:t>
             </a:fld>
             <a:endParaRPr lang="en-GB"/>
           </a:p>
@@ -868,7 +1719,7 @@
           <a:p>
             <a:fld id="{51CB4ED3-25AD-4501-A3D0-B7CF1556DFF4}" type="datetimeFigureOut">
               <a:rPr lang="en-GB" smtClean="0"/>
-              <a:t>04/03/2020</a:t>
+              <a:t>10/03/2020</a:t>
             </a:fld>
             <a:endParaRPr lang="en-GB"/>
           </a:p>
@@ -932,6 +1783,166 @@
     <p:extLst>
       <p:ext uri="{BB962C8B-B14F-4D97-AF65-F5344CB8AC3E}">
         <p14:creationId xmlns:p14="http://schemas.microsoft.com/office/powerpoint/2010/main" val="270514734"/>
+      </p:ext>
+    </p:extLst>
+  </p:cSld>
+  <p:clrMapOvr>
+    <a:masterClrMapping/>
+  </p:clrMapOvr>
+</p:sldLayout>
+</file>
+
+<file path=ppt/slideLayouts/slideLayout12.xml><?xml version="1.0" encoding="utf-8"?>
+<p:sldLayout xmlns:a="http://schemas.openxmlformats.org/drawingml/2006/main" xmlns:r="http://schemas.openxmlformats.org/officeDocument/2006/relationships" xmlns:p="http://schemas.openxmlformats.org/presentationml/2006/main" preserve="1" userDrawn="1">
+  <p:cSld name="Custom Layout">
+    <p:spTree>
+      <p:nvGrpSpPr>
+        <p:cNvPr id="1" name=""/>
+        <p:cNvGrpSpPr/>
+        <p:nvPr/>
+      </p:nvGrpSpPr>
+      <p:grpSpPr>
+        <a:xfrm>
+          <a:off x="0" y="0"/>
+          <a:ext cx="0" cy="0"/>
+          <a:chOff x="0" y="0"/>
+          <a:chExt cx="0" cy="0"/>
+        </a:xfrm>
+      </p:grpSpPr>
+      <p:sp>
+        <p:nvSpPr>
+          <p:cNvPr id="2" name="Title 1">
+            <a:extLst>
+              <a:ext uri="{FF2B5EF4-FFF2-40B4-BE49-F238E27FC236}">
+                <a16:creationId xmlns:a16="http://schemas.microsoft.com/office/drawing/2014/main" id="{9E7C72A3-B0D9-455C-BFF1-242AF861854A}"/>
+              </a:ext>
+            </a:extLst>
+          </p:cNvPr>
+          <p:cNvSpPr>
+            <a:spLocks noGrp="1"/>
+          </p:cNvSpPr>
+          <p:nvPr>
+            <p:ph type="title"/>
+          </p:nvPr>
+        </p:nvSpPr>
+        <p:spPr>
+          <a:xfrm>
+            <a:off x="0" y="0"/>
+            <a:ext cx="12192000" cy="777766"/>
+          </a:xfrm>
+          <a:solidFill>
+            <a:schemeClr val="accent5">
+              <a:lumMod val="50000"/>
+            </a:schemeClr>
+          </a:solidFill>
+        </p:spPr>
+        <p:txBody>
+          <a:bodyPr lIns="180000"/>
+          <a:lstStyle>
+            <a:lvl1pPr>
+              <a:defRPr b="1">
+                <a:solidFill>
+                  <a:schemeClr val="bg1"/>
+                </a:solidFill>
+              </a:defRPr>
+            </a:lvl1pPr>
+          </a:lstStyle>
+          <a:p>
+            <a:r>
+              <a:rPr lang="en-US" dirty="0"/>
+              <a:t>Click to edit Master title style</a:t>
+            </a:r>
+            <a:endParaRPr lang="en-GB" dirty="0"/>
+          </a:p>
+        </p:txBody>
+      </p:sp>
+      <p:sp>
+        <p:nvSpPr>
+          <p:cNvPr id="3" name="Date Placeholder 2">
+            <a:extLst>
+              <a:ext uri="{FF2B5EF4-FFF2-40B4-BE49-F238E27FC236}">
+                <a16:creationId xmlns:a16="http://schemas.microsoft.com/office/drawing/2014/main" id="{87E7E21F-4336-41A1-B95E-64DA70D467B2}"/>
+              </a:ext>
+            </a:extLst>
+          </p:cNvPr>
+          <p:cNvSpPr>
+            <a:spLocks noGrp="1"/>
+          </p:cNvSpPr>
+          <p:nvPr>
+            <p:ph type="dt" sz="half" idx="10"/>
+          </p:nvPr>
+        </p:nvSpPr>
+        <p:spPr/>
+        <p:txBody>
+          <a:bodyPr/>
+          <a:lstStyle/>
+          <a:p>
+            <a:fld id="{51CB4ED3-25AD-4501-A3D0-B7CF1556DFF4}" type="datetimeFigureOut">
+              <a:rPr lang="en-GB" smtClean="0"/>
+              <a:t>10/03/2020</a:t>
+            </a:fld>
+            <a:endParaRPr lang="en-GB"/>
+          </a:p>
+        </p:txBody>
+      </p:sp>
+      <p:sp>
+        <p:nvSpPr>
+          <p:cNvPr id="4" name="Footer Placeholder 3">
+            <a:extLst>
+              <a:ext uri="{FF2B5EF4-FFF2-40B4-BE49-F238E27FC236}">
+                <a16:creationId xmlns:a16="http://schemas.microsoft.com/office/drawing/2014/main" id="{D5B79A04-0F45-4FCD-BBE6-D4A5F6D947C7}"/>
+              </a:ext>
+            </a:extLst>
+          </p:cNvPr>
+          <p:cNvSpPr>
+            <a:spLocks noGrp="1"/>
+          </p:cNvSpPr>
+          <p:nvPr>
+            <p:ph type="ftr" sz="quarter" idx="11"/>
+          </p:nvPr>
+        </p:nvSpPr>
+        <p:spPr/>
+        <p:txBody>
+          <a:bodyPr/>
+          <a:lstStyle/>
+          <a:p>
+            <a:endParaRPr lang="en-GB"/>
+          </a:p>
+        </p:txBody>
+      </p:sp>
+      <p:sp>
+        <p:nvSpPr>
+          <p:cNvPr id="5" name="Slide Number Placeholder 4">
+            <a:extLst>
+              <a:ext uri="{FF2B5EF4-FFF2-40B4-BE49-F238E27FC236}">
+                <a16:creationId xmlns:a16="http://schemas.microsoft.com/office/drawing/2014/main" id="{73EADF9F-7632-4014-B381-051B070929E2}"/>
+              </a:ext>
+            </a:extLst>
+          </p:cNvPr>
+          <p:cNvSpPr>
+            <a:spLocks noGrp="1"/>
+          </p:cNvSpPr>
+          <p:nvPr>
+            <p:ph type="sldNum" sz="quarter" idx="12"/>
+          </p:nvPr>
+        </p:nvSpPr>
+        <p:spPr/>
+        <p:txBody>
+          <a:bodyPr/>
+          <a:lstStyle/>
+          <a:p>
+            <a:fld id="{C2F2D33F-525F-418B-85BF-08246B340BA4}" type="slidenum">
+              <a:rPr lang="en-GB" smtClean="0"/>
+              <a:t>‹#›</a:t>
+            </a:fld>
+            <a:endParaRPr lang="en-GB"/>
+          </a:p>
+        </p:txBody>
+      </p:sp>
+    </p:spTree>
+    <p:extLst>
+      <p:ext uri="{BB962C8B-B14F-4D97-AF65-F5344CB8AC3E}">
+        <p14:creationId xmlns:p14="http://schemas.microsoft.com/office/powerpoint/2010/main" val="4264740658"/>
       </p:ext>
     </p:extLst>
   </p:cSld>
@@ -1068,7 +2079,7 @@
           <a:p>
             <a:fld id="{51CB4ED3-25AD-4501-A3D0-B7CF1556DFF4}" type="datetimeFigureOut">
               <a:rPr lang="en-GB" smtClean="0"/>
-              <a:t>04/03/2020</a:t>
+              <a:t>10/03/2020</a:t>
             </a:fld>
             <a:endParaRPr lang="en-GB"/>
           </a:p>
@@ -1344,7 +2355,7 @@
           <a:p>
             <a:fld id="{51CB4ED3-25AD-4501-A3D0-B7CF1556DFF4}" type="datetimeFigureOut">
               <a:rPr lang="en-GB" smtClean="0"/>
-              <a:t>04/03/2020</a:t>
+              <a:t>10/03/2020</a:t>
             </a:fld>
             <a:endParaRPr lang="en-GB"/>
           </a:p>
@@ -1612,7 +2623,7 @@
           <a:p>
             <a:fld id="{51CB4ED3-25AD-4501-A3D0-B7CF1556DFF4}" type="datetimeFigureOut">
               <a:rPr lang="en-GB" smtClean="0"/>
-              <a:t>04/03/2020</a:t>
+              <a:t>10/03/2020</a:t>
             </a:fld>
             <a:endParaRPr lang="en-GB"/>
           </a:p>
@@ -2027,7 +3038,7 @@
           <a:p>
             <a:fld id="{51CB4ED3-25AD-4501-A3D0-B7CF1556DFF4}" type="datetimeFigureOut">
               <a:rPr lang="en-GB" smtClean="0"/>
-              <a:t>04/03/2020</a:t>
+              <a:t>10/03/2020</a:t>
             </a:fld>
             <a:endParaRPr lang="en-GB"/>
           </a:p>
@@ -2169,7 +3180,7 @@
           <a:p>
             <a:fld id="{51CB4ED3-25AD-4501-A3D0-B7CF1556DFF4}" type="datetimeFigureOut">
               <a:rPr lang="en-GB" smtClean="0"/>
-              <a:t>04/03/2020</a:t>
+              <a:t>10/03/2020</a:t>
             </a:fld>
             <a:endParaRPr lang="en-GB"/>
           </a:p>
@@ -2282,7 +3293,7 @@
           <a:p>
             <a:fld id="{51CB4ED3-25AD-4501-A3D0-B7CF1556DFF4}" type="datetimeFigureOut">
               <a:rPr lang="en-GB" smtClean="0"/>
-              <a:t>04/03/2020</a:t>
+              <a:t>10/03/2020</a:t>
             </a:fld>
             <a:endParaRPr lang="en-GB"/>
           </a:p>
@@ -2595,7 +3606,7 @@
           <a:p>
             <a:fld id="{51CB4ED3-25AD-4501-A3D0-B7CF1556DFF4}" type="datetimeFigureOut">
               <a:rPr lang="en-GB" smtClean="0"/>
-              <a:t>04/03/2020</a:t>
+              <a:t>10/03/2020</a:t>
             </a:fld>
             <a:endParaRPr lang="en-GB"/>
           </a:p>
@@ -2884,7 +3895,7 @@
           <a:p>
             <a:fld id="{51CB4ED3-25AD-4501-A3D0-B7CF1556DFF4}" type="datetimeFigureOut">
               <a:rPr lang="en-GB" smtClean="0"/>
-              <a:t>04/03/2020</a:t>
+              <a:t>10/03/2020</a:t>
             </a:fld>
             <a:endParaRPr lang="en-GB"/>
           </a:p>
@@ -3127,7 +4138,7 @@
           <a:p>
             <a:fld id="{51CB4ED3-25AD-4501-A3D0-B7CF1556DFF4}" type="datetimeFigureOut">
               <a:rPr lang="en-GB" smtClean="0"/>
-              <a:t>04/03/2020</a:t>
+              <a:t>10/03/2020</a:t>
             </a:fld>
             <a:endParaRPr lang="en-GB"/>
           </a:p>
@@ -3243,6 +4254,7 @@
     <p:sldLayoutId id="2147483657" r:id="rId9"/>
     <p:sldLayoutId id="2147483658" r:id="rId10"/>
     <p:sldLayoutId id="2147483659" r:id="rId11"/>
+    <p:sldLayoutId id="2147483660" r:id="rId12"/>
   </p:sldLayoutIdLst>
   <p:txStyles>
     <p:titleStyle>
@@ -3585,10 +4597,15 @@
             <a:spLocks noGrp="1"/>
           </p:cNvSpPr>
           <p:nvPr>
-            <p:ph idx="1"/>
-          </p:nvPr>
-        </p:nvSpPr>
-        <p:spPr/>
+            <p:ph idx="4294967295"/>
+          </p:nvPr>
+        </p:nvSpPr>
+        <p:spPr>
+          <a:xfrm>
+            <a:off x="0" y="1825625"/>
+            <a:ext cx="10515600" cy="4351338"/>
+          </a:xfrm>
+        </p:spPr>
         <p:txBody>
           <a:bodyPr>
             <a:normAutofit lnSpcReduction="10000"/>
@@ -3597,7 +4614,7 @@
           <a:p>
             <a:r>
               <a:rPr lang="en-GB" dirty="0"/>
-              <a:t>Our topic is marine plastic pollution</a:t>
+              <a:t>Topic: marine plastic pollution</a:t>
             </a:r>
           </a:p>
           <a:p>
@@ -3734,10 +4751,15 @@
             <a:spLocks noGrp="1"/>
           </p:cNvSpPr>
           <p:nvPr>
-            <p:ph idx="1"/>
-          </p:nvPr>
-        </p:nvSpPr>
-        <p:spPr/>
+            <p:ph idx="4294967295"/>
+          </p:nvPr>
+        </p:nvSpPr>
+        <p:spPr>
+          <a:xfrm>
+            <a:off x="0" y="1825625"/>
+            <a:ext cx="10515600" cy="4351338"/>
+          </a:xfrm>
+        </p:spPr>
         <p:txBody>
           <a:bodyPr>
             <a:normAutofit fontScale="92500" lnSpcReduction="20000"/>
@@ -3806,7 +4828,7 @@
           <a:p>
             <a:r>
               <a:rPr lang="en-GB" dirty="0"/>
-              <a:t>We had a lot of references, but no hypothesis…</a:t>
+              <a:t>We had many references, but no hypothesis…</a:t>
             </a:r>
           </a:p>
         </p:txBody>
@@ -3882,10 +4904,15 @@
             <a:spLocks noGrp="1"/>
           </p:cNvSpPr>
           <p:nvPr>
-            <p:ph idx="1"/>
-          </p:nvPr>
-        </p:nvSpPr>
-        <p:spPr/>
+            <p:ph idx="4294967295"/>
+          </p:nvPr>
+        </p:nvSpPr>
+        <p:spPr>
+          <a:xfrm>
+            <a:off x="0" y="935038"/>
+            <a:ext cx="6267450" cy="5241925"/>
+          </a:xfrm>
+        </p:spPr>
         <p:txBody>
           <a:bodyPr/>
           <a:lstStyle/>
@@ -3910,6 +4937,89 @@
           </a:p>
         </p:txBody>
       </p:sp>
+      <p:pic>
+        <p:nvPicPr>
+          <p:cNvPr id="5" name="Picture 4" descr="A screenshot of a cell phone&#10;&#10;Description automatically generated">
+            <a:extLst>
+              <a:ext uri="{FF2B5EF4-FFF2-40B4-BE49-F238E27FC236}">
+                <a16:creationId xmlns:a16="http://schemas.microsoft.com/office/drawing/2014/main" id="{D9608F30-4868-4CD1-9506-4C1B6D1BB464}"/>
+              </a:ext>
+            </a:extLst>
+          </p:cNvPr>
+          <p:cNvPicPr>
+            <a:picLocks noChangeAspect="1"/>
+          </p:cNvPicPr>
+          <p:nvPr/>
+        </p:nvPicPr>
+        <p:blipFill>
+          <a:blip r:embed="rId3">
+            <a:extLst>
+              <a:ext uri="{28A0092B-C50C-407E-A947-70E740481C1C}">
+                <a14:useLocalDpi xmlns:a14="http://schemas.microsoft.com/office/drawing/2010/main" val="0"/>
+              </a:ext>
+            </a:extLst>
+          </a:blip>
+          <a:stretch>
+            <a:fillRect/>
+          </a:stretch>
+        </p:blipFill>
+        <p:spPr>
+          <a:xfrm>
+            <a:off x="7357243" y="1372668"/>
+            <a:ext cx="4367047" cy="4367047"/>
+          </a:xfrm>
+          <a:prstGeom prst="rect">
+            <a:avLst/>
+          </a:prstGeom>
+        </p:spPr>
+      </p:pic>
+      <p:pic>
+        <p:nvPicPr>
+          <p:cNvPr id="8" name="Picture 2">
+            <a:extLst>
+              <a:ext uri="{FF2B5EF4-FFF2-40B4-BE49-F238E27FC236}">
+                <a16:creationId xmlns:a16="http://schemas.microsoft.com/office/drawing/2014/main" id="{73434485-2054-4C2A-8549-A2A2A77A6FD3}"/>
+              </a:ext>
+            </a:extLst>
+          </p:cNvPr>
+          <p:cNvPicPr>
+            <a:picLocks noChangeAspect="1" noChangeArrowheads="1"/>
+          </p:cNvPicPr>
+          <p:nvPr/>
+        </p:nvPicPr>
+        <p:blipFill>
+          <a:blip r:embed="rId4">
+            <a:extLst>
+              <a:ext uri="{28A0092B-C50C-407E-A947-70E740481C1C}">
+                <a14:useLocalDpi xmlns:a14="http://schemas.microsoft.com/office/drawing/2010/main" val="0"/>
+              </a:ext>
+            </a:extLst>
+          </a:blip>
+          <a:srcRect/>
+          <a:stretch>
+            <a:fillRect/>
+          </a:stretch>
+        </p:blipFill>
+        <p:spPr bwMode="auto">
+          <a:xfrm>
+            <a:off x="2030135" y="3328235"/>
+            <a:ext cx="4622911" cy="3302079"/>
+          </a:xfrm>
+          <a:prstGeom prst="rect">
+            <a:avLst/>
+          </a:prstGeom>
+          <a:noFill/>
+          <a:extLst>
+            <a:ext uri="{909E8E84-426E-40DD-AFC4-6F175D3DCCD1}">
+              <a14:hiddenFill xmlns:a14="http://schemas.microsoft.com/office/drawing/2010/main">
+                <a:solidFill>
+                  <a:srgbClr val="FFFFFF"/>
+                </a:solidFill>
+              </a14:hiddenFill>
+            </a:ext>
+          </a:extLst>
+        </p:spPr>
+      </p:pic>
     </p:spTree>
     <p:extLst>
       <p:ext uri="{BB962C8B-B14F-4D97-AF65-F5344CB8AC3E}">
@@ -3963,7 +5073,7 @@
           <a:p>
             <a:r>
               <a:rPr lang="en-GB" dirty="0"/>
-              <a:t>What we’ve done</a:t>
+              <a:t>What We’ve Done</a:t>
             </a:r>
           </a:p>
         </p:txBody>
@@ -3981,12 +5091,19 @@
             <a:spLocks noGrp="1"/>
           </p:cNvSpPr>
           <p:nvPr>
-            <p:ph idx="1"/>
-          </p:nvPr>
-        </p:nvSpPr>
-        <p:spPr/>
-        <p:txBody>
-          <a:bodyPr/>
+            <p:ph idx="4294967295"/>
+          </p:nvPr>
+        </p:nvSpPr>
+        <p:spPr>
+          <a:xfrm>
+            <a:off x="373164" y="872359"/>
+            <a:ext cx="5505349" cy="5304604"/>
+          </a:xfrm>
+        </p:spPr>
+        <p:txBody>
+          <a:bodyPr>
+            <a:normAutofit lnSpcReduction="10000"/>
+          </a:bodyPr>
           <a:lstStyle/>
           <a:p>
             <a:r>
@@ -4040,14 +5157,14 @@
             <a:pPr lvl="2"/>
             <a:r>
               <a:rPr lang="en-GB" dirty="0"/>
-              <a:t>Possibly indicative of less smokers, more vaping</a:t>
+              <a:t>Possibly indicative of less smokers or more vaping?</a:t>
             </a:r>
           </a:p>
           <a:p>
             <a:pPr lvl="1"/>
             <a:r>
               <a:rPr lang="en-GB" dirty="0"/>
-              <a:t>Fireworks are collected in July and in </a:t>
+              <a:t>Fireworks are collected most in July and in </a:t>
             </a:r>
             <a:r>
               <a:rPr lang="en-GB" dirty="0" err="1"/>
@@ -4055,14 +5172,14 @@
             </a:r>
             <a:r>
               <a:rPr lang="en-GB" dirty="0"/>
-              <a:t> only </a:t>
+              <a:t> </a:t>
             </a:r>
           </a:p>
           <a:p>
             <a:pPr lvl="2"/>
             <a:r>
               <a:rPr lang="en-GB" dirty="0"/>
-              <a:t>indicative of 4 Jul celebrations</a:t>
+              <a:t>Possibly indicative of 4 Jul celebrations?</a:t>
             </a:r>
           </a:p>
           <a:p>
@@ -4071,6 +5188,42 @@
           </a:p>
         </p:txBody>
       </p:sp>
+      <p:pic>
+        <p:nvPicPr>
+          <p:cNvPr id="5" name="Picture 4" descr="A screenshot of a cell phone&#10;&#10;Description automatically generated">
+            <a:extLst>
+              <a:ext uri="{FF2B5EF4-FFF2-40B4-BE49-F238E27FC236}">
+                <a16:creationId xmlns:a16="http://schemas.microsoft.com/office/drawing/2014/main" id="{6D970FCF-106C-48C6-BF85-1A384A0C52A5}"/>
+              </a:ext>
+            </a:extLst>
+          </p:cNvPr>
+          <p:cNvPicPr>
+            <a:picLocks noChangeAspect="1"/>
+          </p:cNvPicPr>
+          <p:nvPr/>
+        </p:nvPicPr>
+        <p:blipFill>
+          <a:blip r:embed="rId3">
+            <a:extLst>
+              <a:ext uri="{28A0092B-C50C-407E-A947-70E740481C1C}">
+                <a14:useLocalDpi xmlns:a14="http://schemas.microsoft.com/office/drawing/2010/main" val="0"/>
+              </a:ext>
+            </a:extLst>
+          </a:blip>
+          <a:stretch>
+            <a:fillRect/>
+          </a:stretch>
+        </p:blipFill>
+        <p:spPr>
+          <a:xfrm>
+            <a:off x="6847538" y="3653367"/>
+            <a:ext cx="4971298" cy="3066294"/>
+          </a:xfrm>
+          <a:prstGeom prst="rect">
+            <a:avLst/>
+          </a:prstGeom>
+        </p:spPr>
+      </p:pic>
     </p:spTree>
     <p:extLst>
       <p:ext uri="{BB962C8B-B14F-4D97-AF65-F5344CB8AC3E}">
@@ -4142,15 +5295,95 @@
             <a:spLocks noGrp="1"/>
           </p:cNvSpPr>
           <p:nvPr>
-            <p:ph idx="1"/>
-          </p:nvPr>
-        </p:nvSpPr>
-        <p:spPr/>
-        <p:txBody>
-          <a:bodyPr/>
-          <a:lstStyle/>
-          <a:p>
-            <a:endParaRPr lang="en-GB"/>
+            <p:ph idx="4294967295"/>
+          </p:nvPr>
+        </p:nvSpPr>
+        <p:spPr>
+          <a:xfrm>
+            <a:off x="0" y="1825625"/>
+            <a:ext cx="10515600" cy="4351338"/>
+          </a:xfrm>
+        </p:spPr>
+        <p:txBody>
+          <a:bodyPr/>
+          <a:lstStyle/>
+          <a:p>
+            <a:r>
+              <a:rPr lang="en-GB" dirty="0"/>
+              <a:t>Exploring the ideas of</a:t>
+            </a:r>
+          </a:p>
+          <a:p>
+            <a:pPr lvl="1"/>
+            <a:r>
+              <a:rPr lang="en-GB" dirty="0"/>
+              <a:t>Event driven pollution</a:t>
+            </a:r>
+          </a:p>
+          <a:p>
+            <a:pPr lvl="2"/>
+            <a:r>
+              <a:rPr lang="en-GB" dirty="0"/>
+              <a:t>e.g. fireworks after 4</a:t>
+            </a:r>
+            <a:r>
+              <a:rPr lang="en-GB" baseline="30000" dirty="0"/>
+              <a:t>th</a:t>
+            </a:r>
+            <a:r>
+              <a:rPr lang="en-GB" dirty="0"/>
+              <a:t> July</a:t>
+            </a:r>
+          </a:p>
+          <a:p>
+            <a:pPr lvl="1"/>
+            <a:r>
+              <a:rPr lang="en-GB" dirty="0"/>
+              <a:t>Location driven pollution</a:t>
+            </a:r>
+          </a:p>
+          <a:p>
+            <a:pPr lvl="2"/>
+            <a:r>
+              <a:rPr lang="en-GB" dirty="0"/>
+              <a:t>e.g. fireworks recorded in North America and no where else</a:t>
+            </a:r>
+          </a:p>
+          <a:p>
+            <a:pPr lvl="1"/>
+            <a:r>
+              <a:rPr lang="en-GB" dirty="0"/>
+              <a:t>Item-pairing</a:t>
+            </a:r>
+          </a:p>
+          <a:p>
+            <a:pPr lvl="2"/>
+            <a:r>
+              <a:rPr lang="en-GB" dirty="0"/>
+              <a:t>E.g. </a:t>
+            </a:r>
+          </a:p>
+          <a:p>
+            <a:pPr lvl="1"/>
+            <a:r>
+              <a:rPr lang="en-GB" dirty="0"/>
+              <a:t>Building a model to predict…</a:t>
+            </a:r>
+          </a:p>
+          <a:p>
+            <a:pPr lvl="1"/>
+            <a:r>
+              <a:rPr lang="en-GB" dirty="0"/>
+              <a:t>Time Series?</a:t>
+            </a:r>
+          </a:p>
+          <a:p>
+            <a:pPr lvl="1"/>
+            <a:endParaRPr lang="en-GB" dirty="0"/>
+          </a:p>
+          <a:p>
+            <a:pPr lvl="1"/>
+            <a:endParaRPr lang="en-GB" dirty="0"/>
           </a:p>
         </p:txBody>
       </p:sp>
@@ -4460,4 +5693,299 @@
     </a:ext>
   </a:extLst>
 </a:theme>
+</file>
+
+<file path=ppt/theme/theme2.xml><?xml version="1.0" encoding="utf-8"?>
+<a:theme xmlns:a="http://schemas.openxmlformats.org/drawingml/2006/main" name="Office Theme">
+  <a:themeElements>
+    <a:clrScheme name="Office">
+      <a:dk1>
+        <a:sysClr val="windowText" lastClr="000000"/>
+      </a:dk1>
+      <a:lt1>
+        <a:sysClr val="window" lastClr="FFFFFF"/>
+      </a:lt1>
+      <a:dk2>
+        <a:srgbClr val="44546A"/>
+      </a:dk2>
+      <a:lt2>
+        <a:srgbClr val="E7E6E6"/>
+      </a:lt2>
+      <a:accent1>
+        <a:srgbClr val="4472C4"/>
+      </a:accent1>
+      <a:accent2>
+        <a:srgbClr val="ED7D31"/>
+      </a:accent2>
+      <a:accent3>
+        <a:srgbClr val="A5A5A5"/>
+      </a:accent3>
+      <a:accent4>
+        <a:srgbClr val="FFC000"/>
+      </a:accent4>
+      <a:accent5>
+        <a:srgbClr val="5B9BD5"/>
+      </a:accent5>
+      <a:accent6>
+        <a:srgbClr val="70AD47"/>
+      </a:accent6>
+      <a:hlink>
+        <a:srgbClr val="0563C1"/>
+      </a:hlink>
+      <a:folHlink>
+        <a:srgbClr val="954F72"/>
+      </a:folHlink>
+    </a:clrScheme>
+    <a:fontScheme name="Office">
+      <a:majorFont>
+        <a:latin typeface="Calibri Light" panose="020F0302020204030204"/>
+        <a:ea typeface=""/>
+        <a:cs typeface=""/>
+        <a:font script="Jpan" typeface="游ゴシック Light"/>
+        <a:font script="Hang" typeface="맑은 고딕"/>
+        <a:font script="Hans" typeface="等线 Light"/>
+        <a:font script="Hant" typeface="新細明體"/>
+        <a:font script="Arab" typeface="Times New Roman"/>
+        <a:font script="Hebr" typeface="Times New Roman"/>
+        <a:font script="Thai" typeface="Angsana New"/>
+        <a:font script="Ethi" typeface="Nyala"/>
+        <a:font script="Beng" typeface="Vrinda"/>
+        <a:font script="Gujr" typeface="Shruti"/>
+        <a:font script="Khmr" typeface="MoolBoran"/>
+        <a:font script="Knda" typeface="Tunga"/>
+        <a:font script="Guru" typeface="Raavi"/>
+        <a:font script="Cans" typeface="Euphemia"/>
+        <a:font script="Cher" typeface="Plantagenet Cherokee"/>
+        <a:font script="Yiii" typeface="Microsoft Yi Baiti"/>
+        <a:font script="Tibt" typeface="Microsoft Himalaya"/>
+        <a:font script="Thaa" typeface="MV Boli"/>
+        <a:font script="Deva" typeface="Mangal"/>
+        <a:font script="Telu" typeface="Gautami"/>
+        <a:font script="Taml" typeface="Latha"/>
+        <a:font script="Syrc" typeface="Estrangelo Edessa"/>
+        <a:font script="Orya" typeface="Kalinga"/>
+        <a:font script="Mlym" typeface="Kartika"/>
+        <a:font script="Laoo" typeface="DokChampa"/>
+        <a:font script="Sinh" typeface="Iskoola Pota"/>
+        <a:font script="Mong" typeface="Mongolian Baiti"/>
+        <a:font script="Viet" typeface="Times New Roman"/>
+        <a:font script="Uigh" typeface="Microsoft Uighur"/>
+        <a:font script="Geor" typeface="Sylfaen"/>
+        <a:font script="Armn" typeface="Arial"/>
+        <a:font script="Bugi" typeface="Leelawadee UI"/>
+        <a:font script="Bopo" typeface="Microsoft JhengHei"/>
+        <a:font script="Java" typeface="Javanese Text"/>
+        <a:font script="Lisu" typeface="Segoe UI"/>
+        <a:font script="Mymr" typeface="Myanmar Text"/>
+        <a:font script="Nkoo" typeface="Ebrima"/>
+        <a:font script="Olck" typeface="Nirmala UI"/>
+        <a:font script="Osma" typeface="Ebrima"/>
+        <a:font script="Phag" typeface="Phagspa"/>
+        <a:font script="Syrn" typeface="Estrangelo Edessa"/>
+        <a:font script="Syrj" typeface="Estrangelo Edessa"/>
+        <a:font script="Syre" typeface="Estrangelo Edessa"/>
+        <a:font script="Sora" typeface="Nirmala UI"/>
+        <a:font script="Tale" typeface="Microsoft Tai Le"/>
+        <a:font script="Talu" typeface="Microsoft New Tai Lue"/>
+        <a:font script="Tfng" typeface="Ebrima"/>
+      </a:majorFont>
+      <a:minorFont>
+        <a:latin typeface="Calibri" panose="020F0502020204030204"/>
+        <a:ea typeface=""/>
+        <a:cs typeface=""/>
+        <a:font script="Jpan" typeface="游ゴシック"/>
+        <a:font script="Hang" typeface="맑은 고딕"/>
+        <a:font script="Hans" typeface="等线"/>
+        <a:font script="Hant" typeface="新細明體"/>
+        <a:font script="Arab" typeface="Arial"/>
+        <a:font script="Hebr" typeface="Arial"/>
+        <a:font script="Thai" typeface="Cordia New"/>
+        <a:font script="Ethi" typeface="Nyala"/>
+        <a:font script="Beng" typeface="Vrinda"/>
+        <a:font script="Gujr" typeface="Shruti"/>
+        <a:font script="Khmr" typeface="DaunPenh"/>
+        <a:font script="Knda" typeface="Tunga"/>
+        <a:font script="Guru" typeface="Raavi"/>
+        <a:font script="Cans" typeface="Euphemia"/>
+        <a:font script="Cher" typeface="Plantagenet Cherokee"/>
+        <a:font script="Yiii" typeface="Microsoft Yi Baiti"/>
+        <a:font script="Tibt" typeface="Microsoft Himalaya"/>
+        <a:font script="Thaa" typeface="MV Boli"/>
+        <a:font script="Deva" typeface="Mangal"/>
+        <a:font script="Telu" typeface="Gautami"/>
+        <a:font script="Taml" typeface="Latha"/>
+        <a:font script="Syrc" typeface="Estrangelo Edessa"/>
+        <a:font script="Orya" typeface="Kalinga"/>
+        <a:font script="Mlym" typeface="Kartika"/>
+        <a:font script="Laoo" typeface="DokChampa"/>
+        <a:font script="Sinh" typeface="Iskoola Pota"/>
+        <a:font script="Mong" typeface="Mongolian Baiti"/>
+        <a:font script="Viet" typeface="Arial"/>
+        <a:font script="Uigh" typeface="Microsoft Uighur"/>
+        <a:font script="Geor" typeface="Sylfaen"/>
+        <a:font script="Armn" typeface="Arial"/>
+        <a:font script="Bugi" typeface="Leelawadee UI"/>
+        <a:font script="Bopo" typeface="Microsoft JhengHei"/>
+        <a:font script="Java" typeface="Javanese Text"/>
+        <a:font script="Lisu" typeface="Segoe UI"/>
+        <a:font script="Mymr" typeface="Myanmar Text"/>
+        <a:font script="Nkoo" typeface="Ebrima"/>
+        <a:font script="Olck" typeface="Nirmala UI"/>
+        <a:font script="Osma" typeface="Ebrima"/>
+        <a:font script="Phag" typeface="Phagspa"/>
+        <a:font script="Syrn" typeface="Estrangelo Edessa"/>
+        <a:font script="Syrj" typeface="Estrangelo Edessa"/>
+        <a:font script="Syre" typeface="Estrangelo Edessa"/>
+        <a:font script="Sora" typeface="Nirmala UI"/>
+        <a:font script="Tale" typeface="Microsoft Tai Le"/>
+        <a:font script="Talu" typeface="Microsoft New Tai Lue"/>
+        <a:font script="Tfng" typeface="Ebrima"/>
+      </a:minorFont>
+    </a:fontScheme>
+    <a:fmtScheme name="Office">
+      <a:fillStyleLst>
+        <a:solidFill>
+          <a:schemeClr val="phClr"/>
+        </a:solidFill>
+        <a:gradFill rotWithShape="1">
+          <a:gsLst>
+            <a:gs pos="0">
+              <a:schemeClr val="phClr">
+                <a:lumMod val="110000"/>
+                <a:satMod val="105000"/>
+                <a:tint val="67000"/>
+              </a:schemeClr>
+            </a:gs>
+            <a:gs pos="50000">
+              <a:schemeClr val="phClr">
+                <a:lumMod val="105000"/>
+                <a:satMod val="103000"/>
+                <a:tint val="73000"/>
+              </a:schemeClr>
+            </a:gs>
+            <a:gs pos="100000">
+              <a:schemeClr val="phClr">
+                <a:lumMod val="105000"/>
+                <a:satMod val="109000"/>
+                <a:tint val="81000"/>
+              </a:schemeClr>
+            </a:gs>
+          </a:gsLst>
+          <a:lin ang="5400000" scaled="0"/>
+        </a:gradFill>
+        <a:gradFill rotWithShape="1">
+          <a:gsLst>
+            <a:gs pos="0">
+              <a:schemeClr val="phClr">
+                <a:satMod val="103000"/>
+                <a:lumMod val="102000"/>
+                <a:tint val="94000"/>
+              </a:schemeClr>
+            </a:gs>
+            <a:gs pos="50000">
+              <a:schemeClr val="phClr">
+                <a:satMod val="110000"/>
+                <a:lumMod val="100000"/>
+                <a:shade val="100000"/>
+              </a:schemeClr>
+            </a:gs>
+            <a:gs pos="100000">
+              <a:schemeClr val="phClr">
+                <a:lumMod val="99000"/>
+                <a:satMod val="120000"/>
+                <a:shade val="78000"/>
+              </a:schemeClr>
+            </a:gs>
+          </a:gsLst>
+          <a:lin ang="5400000" scaled="0"/>
+        </a:gradFill>
+      </a:fillStyleLst>
+      <a:lnStyleLst>
+        <a:ln w="6350" cap="flat" cmpd="sng" algn="ctr">
+          <a:solidFill>
+            <a:schemeClr val="phClr"/>
+          </a:solidFill>
+          <a:prstDash val="solid"/>
+          <a:miter lim="800000"/>
+        </a:ln>
+        <a:ln w="12700" cap="flat" cmpd="sng" algn="ctr">
+          <a:solidFill>
+            <a:schemeClr val="phClr"/>
+          </a:solidFill>
+          <a:prstDash val="solid"/>
+          <a:miter lim="800000"/>
+        </a:ln>
+        <a:ln w="19050" cap="flat" cmpd="sng" algn="ctr">
+          <a:solidFill>
+            <a:schemeClr val="phClr"/>
+          </a:solidFill>
+          <a:prstDash val="solid"/>
+          <a:miter lim="800000"/>
+        </a:ln>
+      </a:lnStyleLst>
+      <a:effectStyleLst>
+        <a:effectStyle>
+          <a:effectLst/>
+        </a:effectStyle>
+        <a:effectStyle>
+          <a:effectLst/>
+        </a:effectStyle>
+        <a:effectStyle>
+          <a:effectLst>
+            <a:outerShdw blurRad="57150" dist="19050" dir="5400000" algn="ctr" rotWithShape="0">
+              <a:srgbClr val="000000">
+                <a:alpha val="63000"/>
+              </a:srgbClr>
+            </a:outerShdw>
+          </a:effectLst>
+        </a:effectStyle>
+      </a:effectStyleLst>
+      <a:bgFillStyleLst>
+        <a:solidFill>
+          <a:schemeClr val="phClr"/>
+        </a:solidFill>
+        <a:solidFill>
+          <a:schemeClr val="phClr">
+            <a:tint val="95000"/>
+            <a:satMod val="170000"/>
+          </a:schemeClr>
+        </a:solidFill>
+        <a:gradFill rotWithShape="1">
+          <a:gsLst>
+            <a:gs pos="0">
+              <a:schemeClr val="phClr">
+                <a:tint val="93000"/>
+                <a:satMod val="150000"/>
+                <a:shade val="98000"/>
+                <a:lumMod val="102000"/>
+              </a:schemeClr>
+            </a:gs>
+            <a:gs pos="50000">
+              <a:schemeClr val="phClr">
+                <a:tint val="98000"/>
+                <a:satMod val="130000"/>
+                <a:shade val="90000"/>
+                <a:lumMod val="103000"/>
+              </a:schemeClr>
+            </a:gs>
+            <a:gs pos="100000">
+              <a:schemeClr val="phClr">
+                <a:shade val="63000"/>
+                <a:satMod val="120000"/>
+              </a:schemeClr>
+            </a:gs>
+          </a:gsLst>
+          <a:lin ang="5400000" scaled="0"/>
+        </a:gradFill>
+      </a:bgFillStyleLst>
+    </a:fmtScheme>
+  </a:themeElements>
+  <a:objectDefaults/>
+  <a:extraClrSchemeLst/>
+  <a:extLst>
+    <a:ext uri="{05A4C25C-085E-4340-85A3-A5531E510DB2}">
+      <thm15:themeFamily xmlns:thm15="http://schemas.microsoft.com/office/thememl/2012/main" name="Office Theme" id="{62F939B6-93AF-4DB8-9C6B-D6C7DFDC589F}" vid="{4A3C46E8-61CC-4603-A589-7422A47A8E4A}"/>
+    </a:ext>
+  </a:extLst>
+</a:theme>
 </file>
--- a/Group2Presentation.pptx
+++ b/Group2Presentation.pptx
@@ -5,17 +5,18 @@
     <p:sldMasterId id="2147483648" r:id="rId1"/>
   </p:sldMasterIdLst>
   <p:notesMasterIdLst>
-    <p:notesMasterId r:id="rId7"/>
+    <p:notesMasterId r:id="rId8"/>
   </p:notesMasterIdLst>
   <p:sldIdLst>
     <p:sldId id="256" r:id="rId2"/>
-    <p:sldId id="257" r:id="rId3"/>
-    <p:sldId id="258" r:id="rId4"/>
-    <p:sldId id="259" r:id="rId5"/>
-    <p:sldId id="260" r:id="rId6"/>
+    <p:sldId id="261" r:id="rId3"/>
+    <p:sldId id="257" r:id="rId4"/>
+    <p:sldId id="258" r:id="rId5"/>
+    <p:sldId id="259" r:id="rId6"/>
+    <p:sldId id="260" r:id="rId7"/>
   </p:sldIdLst>
   <p:sldSz cx="12192000" cy="6858000"/>
-  <p:notesSz cx="6858000" cy="9144000"/>
+  <p:notesSz cx="9144000" cy="6858000"/>
   <p:defaultTextStyle>
     <a:defPPr>
       <a:defRPr lang="en-US"/>
@@ -115,6 +116,9 @@
     <p:ext uri="{EFAFB233-063F-42B5-8137-9DF3F51BA10A}">
       <p15:sldGuideLst xmlns:p15="http://schemas.microsoft.com/office/powerpoint/2012/main"/>
     </p:ext>
+    <p:ext uri="{2D200454-40CA-4A62-9FC3-DE9A4176ACB9}">
+      <p15:notesGuideLst xmlns:p15="http://schemas.microsoft.com/office/powerpoint/2012/main"/>
+    </p:ext>
   </p:extLst>
 </p:presentation>
 </file>
@@ -122,6 +126,7 @@
 <file path=ppt/revisionInfo.xml><?xml version="1.0" encoding="utf-8"?>
 <p1510:revInfo xmlns:a="http://schemas.openxmlformats.org/drawingml/2006/main" xmlns:r="http://schemas.openxmlformats.org/officeDocument/2006/relationships" xmlns:p1510="http://schemas.microsoft.com/office/powerpoint/2015/10/main">
   <p1510:revLst>
+    <p1510:client id="{1840FA6E-9C21-4BA4-B2C3-0E6792871DF7}" v="38" dt="2020-03-11T22:12:58.145"/>
     <p1510:client id="{CC92DE7A-9D2C-4D69-A667-C51CA7EA785A}" v="56" dt="2020-03-11T10:27:18.077"/>
   </p1510:revLst>
 </p1510:revInfo>
@@ -130,52 +135,20 @@
 <file path=ppt/changesInfos/changesInfo1.xml><?xml version="1.0" encoding="utf-8"?>
 <pc:chgInfo xmlns:a="http://schemas.openxmlformats.org/drawingml/2006/main" xmlns:r="http://schemas.openxmlformats.org/officeDocument/2006/relationships" xmlns:ac="http://schemas.microsoft.com/office/drawing/2013/main/command" xmlns:pc="http://schemas.microsoft.com/office/powerpoint/2013/main/command">
   <pc:docChgLst>
-    <pc:chgData name="Karen Jewell" userId="b7e4705127bdb922" providerId="LiveId" clId="{CC92DE7A-9D2C-4D69-A667-C51CA7EA785A}"/>
-    <pc:docChg chg="undo custSel addSld modSld modMainMaster">
-      <pc:chgData name="Karen Jewell" userId="b7e4705127bdb922" providerId="LiveId" clId="{CC92DE7A-9D2C-4D69-A667-C51CA7EA785A}" dt="2020-03-11T10:27:18.075" v="2550"/>
+    <pc:chgData name="Karen Jewell" userId="b7e4705127bdb922" providerId="LiveId" clId="{1840FA6E-9C21-4BA4-B2C3-0E6792871DF7}"/>
+    <pc:docChg chg="undo custSel modSld modNotesMaster">
+      <pc:chgData name="Karen Jewell" userId="b7e4705127bdb922" providerId="LiveId" clId="{1840FA6E-9C21-4BA4-B2C3-0E6792871DF7}" dt="2020-03-11T22:12:58.529" v="3460" actId="20577"/>
       <pc:docMkLst>
         <pc:docMk/>
       </pc:docMkLst>
-      <pc:sldChg chg="addSp delSp modSp mod modNotes">
-        <pc:chgData name="Karen Jewell" userId="b7e4705127bdb922" providerId="LiveId" clId="{CC92DE7A-9D2C-4D69-A667-C51CA7EA785A}" dt="2020-03-10T14:36:03.184" v="2549" actId="20577"/>
+      <pc:sldChg chg="modSp mod modNotes">
+        <pc:chgData name="Karen Jewell" userId="b7e4705127bdb922" providerId="LiveId" clId="{1840FA6E-9C21-4BA4-B2C3-0E6792871DF7}" dt="2020-03-11T21:52:43.952" v="3232" actId="20577"/>
         <pc:sldMkLst>
           <pc:docMk/>
           <pc:sldMk cId="384181669" sldId="256"/>
         </pc:sldMkLst>
-        <pc:spChg chg="del">
-          <ac:chgData name="Karen Jewell" userId="b7e4705127bdb922" providerId="LiveId" clId="{CC92DE7A-9D2C-4D69-A667-C51CA7EA785A}" dt="2020-03-04T08:59:20.469" v="0"/>
-          <ac:spMkLst>
-            <pc:docMk/>
-            <pc:sldMk cId="384181669" sldId="256"/>
-            <ac:spMk id="2" creationId="{7BC361CA-ABC3-4F0E-BAAE-7B57244B5655}"/>
-          </ac:spMkLst>
-        </pc:spChg>
-        <pc:spChg chg="del">
-          <ac:chgData name="Karen Jewell" userId="b7e4705127bdb922" providerId="LiveId" clId="{CC92DE7A-9D2C-4D69-A667-C51CA7EA785A}" dt="2020-03-04T08:59:20.469" v="0"/>
-          <ac:spMkLst>
-            <pc:docMk/>
-            <pc:sldMk cId="384181669" sldId="256"/>
-            <ac:spMk id="3" creationId="{45CC3A3E-0733-4703-B1A7-1FF73DB4FB46}"/>
-          </ac:spMkLst>
-        </pc:spChg>
-        <pc:spChg chg="add del mod">
-          <ac:chgData name="Karen Jewell" userId="b7e4705127bdb922" providerId="LiveId" clId="{CC92DE7A-9D2C-4D69-A667-C51CA7EA785A}" dt="2020-03-04T09:00:14.875" v="6"/>
-          <ac:spMkLst>
-            <pc:docMk/>
-            <pc:sldMk cId="384181669" sldId="256"/>
-            <ac:spMk id="4" creationId="{36C787BF-3C29-4BBF-A1BA-01891FEB65CF}"/>
-          </ac:spMkLst>
-        </pc:spChg>
-        <pc:spChg chg="add mod">
-          <ac:chgData name="Karen Jewell" userId="b7e4705127bdb922" providerId="LiveId" clId="{CC92DE7A-9D2C-4D69-A667-C51CA7EA785A}" dt="2020-03-04T09:05:34.951" v="511" actId="20577"/>
-          <ac:spMkLst>
-            <pc:docMk/>
-            <pc:sldMk cId="384181669" sldId="256"/>
-            <ac:spMk id="5" creationId="{56E6FC7F-887F-4D03-B57A-11B447687EBA}"/>
-          </ac:spMkLst>
-        </pc:spChg>
-        <pc:spChg chg="add mod">
-          <ac:chgData name="Karen Jewell" userId="b7e4705127bdb922" providerId="LiveId" clId="{CC92DE7A-9D2C-4D69-A667-C51CA7EA785A}" dt="2020-03-10T13:26:37.405" v="2499" actId="20577"/>
+        <pc:spChg chg="mod">
+          <ac:chgData name="Karen Jewell" userId="b7e4705127bdb922" providerId="LiveId" clId="{1840FA6E-9C21-4BA4-B2C3-0E6792871DF7}" dt="2020-03-11T20:58:38.227" v="5" actId="27636"/>
           <ac:spMkLst>
             <pc:docMk/>
             <pc:sldMk cId="384181669" sldId="256"/>
@@ -183,93 +156,157 @@
           </ac:spMkLst>
         </pc:spChg>
       </pc:sldChg>
-      <pc:sldChg chg="addSp delSp modSp add mod">
-        <pc:chgData name="Karen Jewell" userId="b7e4705127bdb922" providerId="LiveId" clId="{CC92DE7A-9D2C-4D69-A667-C51CA7EA785A}" dt="2020-03-10T13:24:22.683" v="2419" actId="20577"/>
+      <pc:sldChg chg="addSp delSp modSp mod modNotes">
+        <pc:chgData name="Karen Jewell" userId="b7e4705127bdb922" providerId="LiveId" clId="{1840FA6E-9C21-4BA4-B2C3-0E6792871DF7}" dt="2020-03-11T22:08:59.419" v="3418" actId="20577"/>
         <pc:sldMkLst>
           <pc:docMk/>
           <pc:sldMk cId="1946918776" sldId="257"/>
         </pc:sldMkLst>
-        <pc:spChg chg="del">
-          <ac:chgData name="Karen Jewell" userId="b7e4705127bdb922" providerId="LiveId" clId="{CC92DE7A-9D2C-4D69-A667-C51CA7EA785A}" dt="2020-03-04T09:00:14.875" v="6"/>
+        <pc:spChg chg="mod">
+          <ac:chgData name="Karen Jewell" userId="b7e4705127bdb922" providerId="LiveId" clId="{1840FA6E-9C21-4BA4-B2C3-0E6792871DF7}" dt="2020-03-11T21:54:03.471" v="3255" actId="1036"/>
           <ac:spMkLst>
             <pc:docMk/>
             <pc:sldMk cId="1946918776" sldId="257"/>
-            <ac:spMk id="2" creationId="{D772EE91-7B44-4C8D-AA86-674579BA640B}"/>
+            <ac:spMk id="2" creationId="{D66CE07B-3D60-4812-8DAA-D3B34373B3A3}"/>
           </ac:spMkLst>
         </pc:spChg>
-        <pc:spChg chg="add mod">
-          <ac:chgData name="Karen Jewell" userId="b7e4705127bdb922" providerId="LiveId" clId="{CC92DE7A-9D2C-4D69-A667-C51CA7EA785A}" dt="2020-03-04T09:06:47.678" v="778" actId="20577"/>
-          <ac:spMkLst>
-            <pc:docMk/>
-            <pc:sldMk cId="1946918776" sldId="257"/>
-            <ac:spMk id="3" creationId="{495935C2-DD67-4A0A-B685-ADEF98D1AD5C}"/>
-          </ac:spMkLst>
-        </pc:spChg>
-        <pc:spChg chg="add mod">
-          <ac:chgData name="Karen Jewell" userId="b7e4705127bdb922" providerId="LiveId" clId="{CC92DE7A-9D2C-4D69-A667-C51CA7EA785A}" dt="2020-03-10T13:24:22.683" v="2419" actId="20577"/>
+        <pc:spChg chg="mod">
+          <ac:chgData name="Karen Jewell" userId="b7e4705127bdb922" providerId="LiveId" clId="{1840FA6E-9C21-4BA4-B2C3-0E6792871DF7}" dt="2020-03-11T22:08:38.998" v="3412" actId="404"/>
           <ac:spMkLst>
             <pc:docMk/>
             <pc:sldMk cId="1946918776" sldId="257"/>
             <ac:spMk id="4" creationId="{2550E1A1-20D5-4BBD-8DEE-C3BE0D6EB901}"/>
           </ac:spMkLst>
         </pc:spChg>
+        <pc:spChg chg="mod">
+          <ac:chgData name="Karen Jewell" userId="b7e4705127bdb922" providerId="LiveId" clId="{1840FA6E-9C21-4BA4-B2C3-0E6792871DF7}" dt="2020-03-11T22:08:59.419" v="3418" actId="20577"/>
+          <ac:spMkLst>
+            <pc:docMk/>
+            <pc:sldMk cId="1946918776" sldId="257"/>
+            <ac:spMk id="6" creationId="{F9DB6E81-039D-40D2-BD70-1ADDF832A6DC}"/>
+          </ac:spMkLst>
+        </pc:spChg>
+        <pc:spChg chg="mod">
+          <ac:chgData name="Karen Jewell" userId="b7e4705127bdb922" providerId="LiveId" clId="{1840FA6E-9C21-4BA4-B2C3-0E6792871DF7}" dt="2020-03-11T21:34:02.503" v="841" actId="1076"/>
+          <ac:spMkLst>
+            <pc:docMk/>
+            <pc:sldMk cId="1946918776" sldId="257"/>
+            <ac:spMk id="7" creationId="{AFBE93F2-C626-407D-8A4D-42AE7BF98ACF}"/>
+          </ac:spMkLst>
+        </pc:spChg>
+        <pc:spChg chg="mod">
+          <ac:chgData name="Karen Jewell" userId="b7e4705127bdb922" providerId="LiveId" clId="{1840FA6E-9C21-4BA4-B2C3-0E6792871DF7}" dt="2020-03-11T21:06:19.698" v="129" actId="164"/>
+          <ac:spMkLst>
+            <pc:docMk/>
+            <pc:sldMk cId="1946918776" sldId="257"/>
+            <ac:spMk id="11" creationId="{F8062AD1-F338-4778-9518-4B5189CF7B68}"/>
+          </ac:spMkLst>
+        </pc:spChg>
+        <pc:spChg chg="mod">
+          <ac:chgData name="Karen Jewell" userId="b7e4705127bdb922" providerId="LiveId" clId="{1840FA6E-9C21-4BA4-B2C3-0E6792871DF7}" dt="2020-03-11T21:06:14.060" v="128" actId="164"/>
+          <ac:spMkLst>
+            <pc:docMk/>
+            <pc:sldMk cId="1946918776" sldId="257"/>
+            <ac:spMk id="12" creationId="{A86D7F3B-EF25-40C9-8CCD-2C08DF6EB5C2}"/>
+          </ac:spMkLst>
+        </pc:spChg>
+        <pc:grpChg chg="add del mod">
+          <ac:chgData name="Karen Jewell" userId="b7e4705127bdb922" providerId="LiveId" clId="{1840FA6E-9C21-4BA4-B2C3-0E6792871DF7}" dt="2020-03-11T21:32:45.625" v="829" actId="478"/>
+          <ac:grpSpMkLst>
+            <pc:docMk/>
+            <pc:sldMk cId="1946918776" sldId="257"/>
+            <ac:grpSpMk id="14" creationId="{FC0D09EB-AD7C-4E2B-9642-59A434251AD8}"/>
+          </ac:grpSpMkLst>
+        </pc:grpChg>
+        <pc:grpChg chg="add mod">
+          <ac:chgData name="Karen Jewell" userId="b7e4705127bdb922" providerId="LiveId" clId="{1840FA6E-9C21-4BA4-B2C3-0E6792871DF7}" dt="2020-03-11T21:33:42.592" v="840" actId="1076"/>
+          <ac:grpSpMkLst>
+            <pc:docMk/>
+            <pc:sldMk cId="1946918776" sldId="257"/>
+            <ac:grpSpMk id="15" creationId="{8A8C5E00-7C23-4C2C-A19E-8A307DA7A538}"/>
+          </ac:grpSpMkLst>
+        </pc:grpChg>
+        <pc:grpChg chg="add mod">
+          <ac:chgData name="Karen Jewell" userId="b7e4705127bdb922" providerId="LiveId" clId="{1840FA6E-9C21-4BA4-B2C3-0E6792871DF7}" dt="2020-03-11T21:33:42.592" v="840" actId="1076"/>
+          <ac:grpSpMkLst>
+            <pc:docMk/>
+            <pc:sldMk cId="1946918776" sldId="257"/>
+            <ac:grpSpMk id="16" creationId="{B3C3333D-BE5A-4095-8F87-30A5E6CEEF0F}"/>
+          </ac:grpSpMkLst>
+        </pc:grpChg>
+        <pc:picChg chg="add mod">
+          <ac:chgData name="Karen Jewell" userId="b7e4705127bdb922" providerId="LiveId" clId="{1840FA6E-9C21-4BA4-B2C3-0E6792871DF7}" dt="2020-03-11T21:04:49.988" v="122" actId="164"/>
+          <ac:picMkLst>
+            <pc:docMk/>
+            <pc:sldMk cId="1946918776" sldId="257"/>
+            <ac:picMk id="5" creationId="{33F82477-04F4-45DC-8F46-CAD033764EF4}"/>
+          </ac:picMkLst>
+        </pc:picChg>
+        <pc:picChg chg="mod">
+          <ac:chgData name="Karen Jewell" userId="b7e4705127bdb922" providerId="LiveId" clId="{1840FA6E-9C21-4BA4-B2C3-0E6792871DF7}" dt="2020-03-11T21:53:58.789" v="3252" actId="1035"/>
+          <ac:picMkLst>
+            <pc:docMk/>
+            <pc:sldMk cId="1946918776" sldId="257"/>
+            <ac:picMk id="8" creationId="{74F3FD83-5FB1-4368-82C6-16DD6B926E8E}"/>
+          </ac:picMkLst>
+        </pc:picChg>
+        <pc:picChg chg="mod">
+          <ac:chgData name="Karen Jewell" userId="b7e4705127bdb922" providerId="LiveId" clId="{1840FA6E-9C21-4BA4-B2C3-0E6792871DF7}" dt="2020-03-11T21:06:14.060" v="128" actId="164"/>
+          <ac:picMkLst>
+            <pc:docMk/>
+            <pc:sldMk cId="1946918776" sldId="257"/>
+            <ac:picMk id="9" creationId="{5F53285F-DFD5-4BB9-9593-0317E8BBDBFD}"/>
+          </ac:picMkLst>
+        </pc:picChg>
+        <pc:picChg chg="mod">
+          <ac:chgData name="Karen Jewell" userId="b7e4705127bdb922" providerId="LiveId" clId="{1840FA6E-9C21-4BA4-B2C3-0E6792871DF7}" dt="2020-03-11T21:06:19.698" v="129" actId="164"/>
+          <ac:picMkLst>
+            <pc:docMk/>
+            <pc:sldMk cId="1946918776" sldId="257"/>
+            <ac:picMk id="10" creationId="{86E857DF-2337-4F71-AEA9-16BDFB4F81B4}"/>
+          </ac:picMkLst>
+        </pc:picChg>
+        <pc:picChg chg="add mod">
+          <ac:chgData name="Karen Jewell" userId="b7e4705127bdb922" providerId="LiveId" clId="{1840FA6E-9C21-4BA4-B2C3-0E6792871DF7}" dt="2020-03-11T21:04:49.988" v="122" actId="164"/>
+          <ac:picMkLst>
+            <pc:docMk/>
+            <pc:sldMk cId="1946918776" sldId="257"/>
+            <ac:picMk id="13" creationId="{A78B25E1-608C-4FE0-8DD0-5A480DB0FFAF}"/>
+          </ac:picMkLst>
+        </pc:picChg>
       </pc:sldChg>
-      <pc:sldChg chg="addSp delSp modSp add mod">
-        <pc:chgData name="Karen Jewell" userId="b7e4705127bdb922" providerId="LiveId" clId="{CC92DE7A-9D2C-4D69-A667-C51CA7EA785A}" dt="2020-03-11T10:27:18.075" v="2550"/>
+      <pc:sldChg chg="modSp mod modNotes">
+        <pc:chgData name="Karen Jewell" userId="b7e4705127bdb922" providerId="LiveId" clId="{1840FA6E-9C21-4BA4-B2C3-0E6792871DF7}" dt="2020-03-11T22:12:58.529" v="3460" actId="20577"/>
         <pc:sldMkLst>
           <pc:docMk/>
           <pc:sldMk cId="1394511912" sldId="258"/>
         </pc:sldMkLst>
-        <pc:spChg chg="del">
-          <ac:chgData name="Karen Jewell" userId="b7e4705127bdb922" providerId="LiveId" clId="{CC92DE7A-9D2C-4D69-A667-C51CA7EA785A}" dt="2020-03-04T09:00:14.875" v="6"/>
-          <ac:spMkLst>
-            <pc:docMk/>
-            <pc:sldMk cId="1394511912" sldId="258"/>
-            <ac:spMk id="2" creationId="{9CBA7C01-972D-4DF6-99E5-8253D14BC5BD}"/>
-          </ac:spMkLst>
-        </pc:spChg>
-        <pc:spChg chg="add mod">
-          <ac:chgData name="Karen Jewell" userId="b7e4705127bdb922" providerId="LiveId" clId="{CC92DE7A-9D2C-4D69-A667-C51CA7EA785A}" dt="2020-03-10T13:22:27.365" v="2337" actId="1076"/>
-          <ac:spMkLst>
-            <pc:docMk/>
-            <pc:sldMk cId="1394511912" sldId="258"/>
-            <ac:spMk id="3" creationId="{A4106587-00C1-4D8B-9A5F-037E32FA2A3D}"/>
-          </ac:spMkLst>
-        </pc:spChg>
-        <pc:spChg chg="add mod">
-          <ac:chgData name="Karen Jewell" userId="b7e4705127bdb922" providerId="LiveId" clId="{CC92DE7A-9D2C-4D69-A667-C51CA7EA785A}" dt="2020-03-10T13:21:31.756" v="2320" actId="14100"/>
+        <pc:spChg chg="mod">
+          <ac:chgData name="Karen Jewell" userId="b7e4705127bdb922" providerId="LiveId" clId="{1840FA6E-9C21-4BA4-B2C3-0E6792871DF7}" dt="2020-03-11T22:12:58.529" v="3460" actId="20577"/>
           <ac:spMkLst>
             <pc:docMk/>
             <pc:sldMk cId="1394511912" sldId="258"/>
             <ac:spMk id="4" creationId="{A7E00B22-6E76-4776-8880-0C773DA469B9}"/>
           </ac:spMkLst>
         </pc:spChg>
-        <pc:spChg chg="add del mod">
-          <ac:chgData name="Karen Jewell" userId="b7e4705127bdb922" providerId="LiveId" clId="{CC92DE7A-9D2C-4D69-A667-C51CA7EA785A}" dt="2020-03-11T10:27:18.075" v="2550"/>
-          <ac:spMkLst>
-            <pc:docMk/>
-            <pc:sldMk cId="1394511912" sldId="258"/>
-            <ac:spMk id="9" creationId="{C1471DBF-B409-4252-9AFF-5E6346D9C0E9}"/>
-          </ac:spMkLst>
-        </pc:spChg>
-        <pc:picChg chg="add mod">
-          <ac:chgData name="Karen Jewell" userId="b7e4705127bdb922" providerId="LiveId" clId="{CC92DE7A-9D2C-4D69-A667-C51CA7EA785A}" dt="2020-03-10T13:21:55.814" v="2326" actId="1076"/>
+        <pc:picChg chg="mod modCrop">
+          <ac:chgData name="Karen Jewell" userId="b7e4705127bdb922" providerId="LiveId" clId="{1840FA6E-9C21-4BA4-B2C3-0E6792871DF7}" dt="2020-03-11T22:12:58.279" v="3459" actId="1076"/>
           <ac:picMkLst>
             <pc:docMk/>
             <pc:sldMk cId="1394511912" sldId="258"/>
             <ac:picMk id="5" creationId="{D9608F30-4868-4CD1-9506-4C1B6D1BB464}"/>
           </ac:picMkLst>
         </pc:picChg>
-        <pc:picChg chg="add del mod">
-          <ac:chgData name="Karen Jewell" userId="b7e4705127bdb922" providerId="LiveId" clId="{CC92DE7A-9D2C-4D69-A667-C51CA7EA785A}" dt="2020-03-10T09:31:49.873" v="1998" actId="478"/>
+        <pc:picChg chg="mod">
+          <ac:chgData name="Karen Jewell" userId="b7e4705127bdb922" providerId="LiveId" clId="{1840FA6E-9C21-4BA4-B2C3-0E6792871DF7}" dt="2020-03-11T21:32:21.680" v="826" actId="1038"/>
           <ac:picMkLst>
             <pc:docMk/>
             <pc:sldMk cId="1394511912" sldId="258"/>
-            <ac:picMk id="7" creationId="{5B4E8DC6-7A5E-4655-9109-23173F2B567C}"/>
+            <ac:picMk id="7" creationId="{54553376-C459-4153-A1B3-C924247B542A}"/>
           </ac:picMkLst>
         </pc:picChg>
-        <pc:picChg chg="add mod">
-          <ac:chgData name="Karen Jewell" userId="b7e4705127bdb922" providerId="LiveId" clId="{CC92DE7A-9D2C-4D69-A667-C51CA7EA785A}" dt="2020-03-10T13:21:53.081" v="2325" actId="1076"/>
+        <pc:picChg chg="mod">
+          <ac:chgData name="Karen Jewell" userId="b7e4705127bdb922" providerId="LiveId" clId="{1840FA6E-9C21-4BA4-B2C3-0E6792871DF7}" dt="2020-03-11T22:12:58.144" v="3458" actId="1076"/>
           <ac:picMkLst>
             <pc:docMk/>
             <pc:sldMk cId="1394511912" sldId="258"/>
@@ -277,77 +314,61 @@
           </ac:picMkLst>
         </pc:picChg>
       </pc:sldChg>
-      <pc:sldChg chg="addSp delSp modSp add mod">
-        <pc:chgData name="Karen Jewell" userId="b7e4705127bdb922" providerId="LiveId" clId="{CC92DE7A-9D2C-4D69-A667-C51CA7EA785A}" dt="2020-03-10T13:23:52.664" v="2405" actId="20577"/>
+      <pc:sldChg chg="addSp modSp mod modNotes">
+        <pc:chgData name="Karen Jewell" userId="b7e4705127bdb922" providerId="LiveId" clId="{1840FA6E-9C21-4BA4-B2C3-0E6792871DF7}" dt="2020-03-11T22:04:36.163" v="3406" actId="1076"/>
         <pc:sldMkLst>
           <pc:docMk/>
           <pc:sldMk cId="3068476550" sldId="259"/>
         </pc:sldMkLst>
-        <pc:spChg chg="del">
-          <ac:chgData name="Karen Jewell" userId="b7e4705127bdb922" providerId="LiveId" clId="{CC92DE7A-9D2C-4D69-A667-C51CA7EA785A}" dt="2020-03-04T09:00:14.875" v="6"/>
+        <pc:spChg chg="add mod">
+          <ac:chgData name="Karen Jewell" userId="b7e4705127bdb922" providerId="LiveId" clId="{1840FA6E-9C21-4BA4-B2C3-0E6792871DF7}" dt="2020-03-11T22:04:26.115" v="3405" actId="14100"/>
           <ac:spMkLst>
             <pc:docMk/>
             <pc:sldMk cId="3068476550" sldId="259"/>
-            <ac:spMk id="2" creationId="{859180EB-4496-4F92-9345-A579AE5A4F16}"/>
+            <ac:spMk id="2" creationId="{864989EB-906A-48AA-A7E5-8B5B07673FD7}"/>
           </ac:spMkLst>
         </pc:spChg>
-        <pc:spChg chg="add mod">
-          <ac:chgData name="Karen Jewell" userId="b7e4705127bdb922" providerId="LiveId" clId="{CC92DE7A-9D2C-4D69-A667-C51CA7EA785A}" dt="2020-03-10T13:22:09.630" v="2333" actId="20577"/>
+        <pc:spChg chg="mod">
+          <ac:chgData name="Karen Jewell" userId="b7e4705127bdb922" providerId="LiveId" clId="{1840FA6E-9C21-4BA4-B2C3-0E6792871DF7}" dt="2020-03-11T21:27:52.896" v="706" actId="20577"/>
           <ac:spMkLst>
             <pc:docMk/>
             <pc:sldMk cId="3068476550" sldId="259"/>
             <ac:spMk id="3" creationId="{4F15CB84-2703-4DD6-B74B-2DCB669BF44C}"/>
           </ac:spMkLst>
         </pc:spChg>
-        <pc:spChg chg="add mod">
-          <ac:chgData name="Karen Jewell" userId="b7e4705127bdb922" providerId="LiveId" clId="{CC92DE7A-9D2C-4D69-A667-C51CA7EA785A}" dt="2020-03-10T13:23:52.664" v="2405" actId="20577"/>
+        <pc:spChg chg="mod">
+          <ac:chgData name="Karen Jewell" userId="b7e4705127bdb922" providerId="LiveId" clId="{1840FA6E-9C21-4BA4-B2C3-0E6792871DF7}" dt="2020-03-11T22:03:15.350" v="3389" actId="14100"/>
           <ac:spMkLst>
             <pc:docMk/>
             <pc:sldMk cId="3068476550" sldId="259"/>
             <ac:spMk id="4" creationId="{30DA1BA1-41C3-4A24-BEBE-B2A8CDF3995C}"/>
           </ac:spMkLst>
         </pc:spChg>
-        <pc:picChg chg="add mod">
-          <ac:chgData name="Karen Jewell" userId="b7e4705127bdb922" providerId="LiveId" clId="{CC92DE7A-9D2C-4D69-A667-C51CA7EA785A}" dt="2020-03-10T09:33:10.697" v="2003" actId="1076"/>
+        <pc:picChg chg="mod">
+          <ac:chgData name="Karen Jewell" userId="b7e4705127bdb922" providerId="LiveId" clId="{1840FA6E-9C21-4BA4-B2C3-0E6792871DF7}" dt="2020-03-11T22:04:36.163" v="3406" actId="1076"/>
           <ac:picMkLst>
             <pc:docMk/>
             <pc:sldMk cId="3068476550" sldId="259"/>
             <ac:picMk id="5" creationId="{6D970FCF-106C-48C6-BF85-1A384A0C52A5}"/>
           </ac:picMkLst>
         </pc:picChg>
-        <pc:picChg chg="add del mod">
-          <ac:chgData name="Karen Jewell" userId="b7e4705127bdb922" providerId="LiveId" clId="{CC92DE7A-9D2C-4D69-A667-C51CA7EA785A}" dt="2020-03-10T09:33:28.613" v="2006"/>
-          <ac:picMkLst>
-            <pc:docMk/>
-            <pc:sldMk cId="3068476550" sldId="259"/>
-            <ac:picMk id="1026" creationId="{CE90BB61-DCCF-4558-9546-0B05D53C5A47}"/>
-          </ac:picMkLst>
-        </pc:picChg>
       </pc:sldChg>
-      <pc:sldChg chg="addSp delSp modSp add mod">
-        <pc:chgData name="Karen Jewell" userId="b7e4705127bdb922" providerId="LiveId" clId="{CC92DE7A-9D2C-4D69-A667-C51CA7EA785A}" dt="2020-03-10T13:26:08.695" v="2479" actId="20577"/>
+      <pc:sldChg chg="modSp mod">
+        <pc:chgData name="Karen Jewell" userId="b7e4705127bdb922" providerId="LiveId" clId="{1840FA6E-9C21-4BA4-B2C3-0E6792871DF7}" dt="2020-03-11T22:08:07.033" v="3411" actId="20577"/>
         <pc:sldMkLst>
           <pc:docMk/>
           <pc:sldMk cId="4169300532" sldId="260"/>
         </pc:sldMkLst>
-        <pc:spChg chg="del">
-          <ac:chgData name="Karen Jewell" userId="b7e4705127bdb922" providerId="LiveId" clId="{CC92DE7A-9D2C-4D69-A667-C51CA7EA785A}" dt="2020-03-04T09:00:14.875" v="6"/>
-          <ac:spMkLst>
-            <pc:docMk/>
-            <pc:sldMk cId="4169300532" sldId="260"/>
-            <ac:spMk id="2" creationId="{9E4356A6-0692-422B-A6B9-18D1D86F9F88}"/>
-          </ac:spMkLst>
-        </pc:spChg>
-        <pc:spChg chg="add mod">
-          <ac:chgData name="Karen Jewell" userId="b7e4705127bdb922" providerId="LiveId" clId="{CC92DE7A-9D2C-4D69-A667-C51CA7EA785A}" dt="2020-03-04T09:15:45.761" v="1329" actId="20577"/>
+        <pc:spChg chg="mod">
+          <ac:chgData name="Karen Jewell" userId="b7e4705127bdb922" providerId="LiveId" clId="{1840FA6E-9C21-4BA4-B2C3-0E6792871DF7}" dt="2020-03-11T21:27:57.220" v="709" actId="20577"/>
           <ac:spMkLst>
             <pc:docMk/>
             <pc:sldMk cId="4169300532" sldId="260"/>
             <ac:spMk id="3" creationId="{7694BA6C-012F-44DF-9552-88801B1009C4}"/>
           </ac:spMkLst>
         </pc:spChg>
-        <pc:spChg chg="add mod">
-          <ac:chgData name="Karen Jewell" userId="b7e4705127bdb922" providerId="LiveId" clId="{CC92DE7A-9D2C-4D69-A667-C51CA7EA785A}" dt="2020-03-10T13:26:08.695" v="2479" actId="20577"/>
+        <pc:spChg chg="mod">
+          <ac:chgData name="Karen Jewell" userId="b7e4705127bdb922" providerId="LiveId" clId="{1840FA6E-9C21-4BA4-B2C3-0E6792871DF7}" dt="2020-03-11T22:08:07.033" v="3411" actId="20577"/>
           <ac:spMkLst>
             <pc:docMk/>
             <pc:sldMk cId="4169300532" sldId="260"/>
@@ -355,30 +376,117 @@
           </ac:spMkLst>
         </pc:spChg>
       </pc:sldChg>
-      <pc:sldMasterChg chg="addSldLayout modSldLayout">
-        <pc:chgData name="Karen Jewell" userId="b7e4705127bdb922" providerId="LiveId" clId="{CC92DE7A-9D2C-4D69-A667-C51CA7EA785A}" dt="2020-03-10T13:20:38.580" v="2318" actId="3064"/>
-        <pc:sldMasterMkLst>
+      <pc:sldChg chg="addSp delSp modSp mod modNotes">
+        <pc:chgData name="Karen Jewell" userId="b7e4705127bdb922" providerId="LiveId" clId="{1840FA6E-9C21-4BA4-B2C3-0E6792871DF7}" dt="2020-03-11T22:06:21.004" v="3410" actId="20577"/>
+        <pc:sldMkLst>
           <pc:docMk/>
-          <pc:sldMasterMk cId="4097537764" sldId="2147483648"/>
-        </pc:sldMasterMkLst>
-        <pc:sldLayoutChg chg="modSp new mod">
-          <pc:chgData name="Karen Jewell" userId="b7e4705127bdb922" providerId="LiveId" clId="{CC92DE7A-9D2C-4D69-A667-C51CA7EA785A}" dt="2020-03-10T13:20:38.580" v="2318" actId="3064"/>
-          <pc:sldLayoutMkLst>
+          <pc:sldMk cId="4018449856" sldId="261"/>
+        </pc:sldMkLst>
+        <pc:spChg chg="add mod">
+          <ac:chgData name="Karen Jewell" userId="b7e4705127bdb922" providerId="LiveId" clId="{1840FA6E-9C21-4BA4-B2C3-0E6792871DF7}" dt="2020-03-11T21:13:53.011" v="428" actId="164"/>
+          <ac:spMkLst>
             <pc:docMk/>
-            <pc:sldMasterMk cId="4097537764" sldId="2147483648"/>
-            <pc:sldLayoutMk cId="4264740658" sldId="2147483660"/>
-          </pc:sldLayoutMkLst>
-          <pc:spChg chg="mod">
-            <ac:chgData name="Karen Jewell" userId="b7e4705127bdb922" providerId="LiveId" clId="{CC92DE7A-9D2C-4D69-A667-C51CA7EA785A}" dt="2020-03-10T13:20:38.580" v="2318" actId="3064"/>
-            <ac:spMkLst>
-              <pc:docMk/>
-              <pc:sldMasterMk cId="4097537764" sldId="2147483648"/>
-              <pc:sldLayoutMk cId="4264740658" sldId="2147483660"/>
-              <ac:spMk id="2" creationId="{9E7C72A3-B0D9-455C-BFF1-242AF861854A}"/>
-            </ac:spMkLst>
-          </pc:spChg>
-        </pc:sldLayoutChg>
-      </pc:sldMasterChg>
+            <pc:sldMk cId="4018449856" sldId="261"/>
+            <ac:spMk id="2" creationId="{84C25BEF-016F-43D8-B6A9-F5C29CEF17F4}"/>
+          </ac:spMkLst>
+        </pc:spChg>
+        <pc:spChg chg="add mod">
+          <ac:chgData name="Karen Jewell" userId="b7e4705127bdb922" providerId="LiveId" clId="{1840FA6E-9C21-4BA4-B2C3-0E6792871DF7}" dt="2020-03-11T22:01:51.464" v="3363" actId="1036"/>
+          <ac:spMkLst>
+            <pc:docMk/>
+            <pc:sldMk cId="4018449856" sldId="261"/>
+            <ac:spMk id="3" creationId="{4CADFD5C-BCFD-42E5-B462-63F31211EAA2}"/>
+          </ac:spMkLst>
+        </pc:spChg>
+        <pc:spChg chg="mod">
+          <ac:chgData name="Karen Jewell" userId="b7e4705127bdb922" providerId="LiveId" clId="{1840FA6E-9C21-4BA4-B2C3-0E6792871DF7}" dt="2020-03-11T21:13:31.155" v="425" actId="1076"/>
+          <ac:spMkLst>
+            <pc:docMk/>
+            <pc:sldMk cId="4018449856" sldId="261"/>
+            <ac:spMk id="5" creationId="{56E6FC7F-887F-4D03-B57A-11B447687EBA}"/>
+          </ac:spMkLst>
+        </pc:spChg>
+        <pc:spChg chg="mod">
+          <ac:chgData name="Karen Jewell" userId="b7e4705127bdb922" providerId="LiveId" clId="{1840FA6E-9C21-4BA4-B2C3-0E6792871DF7}" dt="2020-03-11T21:16:30.461" v="549" actId="1076"/>
+          <ac:spMkLst>
+            <pc:docMk/>
+            <pc:sldMk cId="4018449856" sldId="261"/>
+            <ac:spMk id="6" creationId="{C466A2C0-3FFD-4FB3-A424-88F91CD4C7D4}"/>
+          </ac:spMkLst>
+        </pc:spChg>
+        <pc:spChg chg="mod">
+          <ac:chgData name="Karen Jewell" userId="b7e4705127bdb922" providerId="LiveId" clId="{1840FA6E-9C21-4BA4-B2C3-0E6792871DF7}" dt="2020-03-11T21:14:17.260" v="434" actId="164"/>
+          <ac:spMkLst>
+            <pc:docMk/>
+            <pc:sldMk cId="4018449856" sldId="261"/>
+            <ac:spMk id="7" creationId="{FAC86966-E9AF-4054-A2F3-BD02BE5B725D}"/>
+          </ac:spMkLst>
+        </pc:spChg>
+        <pc:spChg chg="add del mod">
+          <ac:chgData name="Karen Jewell" userId="b7e4705127bdb922" providerId="LiveId" clId="{1840FA6E-9C21-4BA4-B2C3-0E6792871DF7}" dt="2020-03-11T22:01:23.665" v="3338"/>
+          <ac:spMkLst>
+            <pc:docMk/>
+            <pc:sldMk cId="4018449856" sldId="261"/>
+            <ac:spMk id="14" creationId="{FD5C18E3-D6F4-420C-885D-CAA5A9C27FD8}"/>
+          </ac:spMkLst>
+        </pc:spChg>
+        <pc:grpChg chg="add mod">
+          <ac:chgData name="Karen Jewell" userId="b7e4705127bdb922" providerId="LiveId" clId="{1840FA6E-9C21-4BA4-B2C3-0E6792871DF7}" dt="2020-03-11T21:15:12.372" v="445" actId="1076"/>
+          <ac:grpSpMkLst>
+            <pc:docMk/>
+            <pc:sldMk cId="4018449856" sldId="261"/>
+            <ac:grpSpMk id="9" creationId="{A6474493-D926-45EA-97FF-DD1BD9D9F1B9}"/>
+          </ac:grpSpMkLst>
+        </pc:grpChg>
+        <pc:grpChg chg="add mod">
+          <ac:chgData name="Karen Jewell" userId="b7e4705127bdb922" providerId="LiveId" clId="{1840FA6E-9C21-4BA4-B2C3-0E6792871DF7}" dt="2020-03-11T22:01:32.400" v="3355" actId="1036"/>
+          <ac:grpSpMkLst>
+            <pc:docMk/>
+            <pc:sldMk cId="4018449856" sldId="261"/>
+            <ac:grpSpMk id="10" creationId="{012FDD0E-8584-424C-A3E0-4216341ADE50}"/>
+          </ac:grpSpMkLst>
+        </pc:grpChg>
+        <pc:grpChg chg="add del mod">
+          <ac:chgData name="Karen Jewell" userId="b7e4705127bdb922" providerId="LiveId" clId="{1840FA6E-9C21-4BA4-B2C3-0E6792871DF7}" dt="2020-03-11T21:20:02.744" v="561" actId="165"/>
+          <ac:grpSpMkLst>
+            <pc:docMk/>
+            <pc:sldMk cId="4018449856" sldId="261"/>
+            <ac:grpSpMk id="13" creationId="{D968E0C0-0E08-4E94-BF21-202739FA9C14}"/>
+          </ac:grpSpMkLst>
+        </pc:grpChg>
+        <pc:picChg chg="mod">
+          <ac:chgData name="Karen Jewell" userId="b7e4705127bdb922" providerId="LiveId" clId="{1840FA6E-9C21-4BA4-B2C3-0E6792871DF7}" dt="2020-03-11T21:14:17.260" v="434" actId="164"/>
+          <ac:picMkLst>
+            <pc:docMk/>
+            <pc:sldMk cId="4018449856" sldId="261"/>
+            <ac:picMk id="4" creationId="{F55B9734-E8EE-48E3-ADD2-D83F83372E8F}"/>
+          </ac:picMkLst>
+        </pc:picChg>
+        <pc:picChg chg="add mod">
+          <ac:chgData name="Karen Jewell" userId="b7e4705127bdb922" providerId="LiveId" clId="{1840FA6E-9C21-4BA4-B2C3-0E6792871DF7}" dt="2020-03-11T21:15:06.591" v="444" actId="1076"/>
+          <ac:picMkLst>
+            <pc:docMk/>
+            <pc:sldMk cId="4018449856" sldId="261"/>
+            <ac:picMk id="8" creationId="{31342A9C-1C05-43B8-8913-E59F82D8A701}"/>
+          </ac:picMkLst>
+        </pc:picChg>
+        <pc:picChg chg="add del mod topLvl">
+          <ac:chgData name="Karen Jewell" userId="b7e4705127bdb922" providerId="LiveId" clId="{1840FA6E-9C21-4BA4-B2C3-0E6792871DF7}" dt="2020-03-11T21:20:06.490" v="562" actId="478"/>
+          <ac:picMkLst>
+            <pc:docMk/>
+            <pc:sldMk cId="4018449856" sldId="261"/>
+            <ac:picMk id="11" creationId="{DDF19898-F7AD-4C3F-BDB4-DE7A49DA5419}"/>
+          </ac:picMkLst>
+        </pc:picChg>
+        <pc:picChg chg="add del mod topLvl modCrop">
+          <ac:chgData name="Karen Jewell" userId="b7e4705127bdb922" providerId="LiveId" clId="{1840FA6E-9C21-4BA4-B2C3-0E6792871DF7}" dt="2020-03-11T21:20:53.923" v="565" actId="478"/>
+          <ac:picMkLst>
+            <pc:docMk/>
+            <pc:sldMk cId="4018449856" sldId="261"/>
+            <ac:picMk id="12" creationId="{987E2A3C-278A-4BE5-A417-8FFFAC392154}"/>
+          </ac:picMkLst>
+        </pc:picChg>
+      </pc:sldChg>
     </pc:docChg>
   </pc:docChgLst>
 </pc:chgInfo>
@@ -419,7 +527,7 @@
         <p:spPr>
           <a:xfrm>
             <a:off x="0" y="0"/>
-            <a:ext cx="2971800" cy="458788"/>
+            <a:ext cx="3962400" cy="344091"/>
           </a:xfrm>
           <a:prstGeom prst="rect">
             <a:avLst/>
@@ -449,8 +557,8 @@
         </p:nvSpPr>
         <p:spPr>
           <a:xfrm>
-            <a:off x="3884613" y="0"/>
-            <a:ext cx="2971800" cy="458788"/>
+            <a:off x="5179484" y="0"/>
+            <a:ext cx="3962400" cy="344091"/>
           </a:xfrm>
           <a:prstGeom prst="rect">
             <a:avLst/>
@@ -466,7 +574,7 @@
           <a:p>
             <a:fld id="{1B659DF1-4439-4E9C-81CA-13AF2E1376AB}" type="datetimeFigureOut">
               <a:rPr lang="en-GB" smtClean="0"/>
-              <a:t>10/03/2020</a:t>
+              <a:t>11/03/2020</a:t>
             </a:fld>
             <a:endParaRPr lang="en-GB"/>
           </a:p>
@@ -484,8 +592,8 @@
         </p:nvSpPr>
         <p:spPr>
           <a:xfrm>
-            <a:off x="685800" y="1143000"/>
-            <a:ext cx="5486400" cy="3086100"/>
+            <a:off x="843279" y="516890"/>
+            <a:ext cx="7691121" cy="4326255"/>
           </a:xfrm>
           <a:prstGeom prst="rect">
             <a:avLst/>
@@ -517,8 +625,8 @@
         </p:nvSpPr>
         <p:spPr>
           <a:xfrm>
-            <a:off x="685800" y="4400550"/>
-            <a:ext cx="5486400" cy="3600450"/>
+            <a:off x="314960" y="5015944"/>
+            <a:ext cx="8493759" cy="1497965"/>
           </a:xfrm>
           <a:prstGeom prst="rect">
             <a:avLst/>
@@ -577,8 +685,8 @@
         </p:nvSpPr>
         <p:spPr>
           <a:xfrm>
-            <a:off x="0" y="8685213"/>
-            <a:ext cx="2971800" cy="458787"/>
+            <a:off x="0" y="6513910"/>
+            <a:ext cx="3962400" cy="344090"/>
           </a:xfrm>
           <a:prstGeom prst="rect">
             <a:avLst/>
@@ -608,8 +716,8 @@
         </p:nvSpPr>
         <p:spPr>
           <a:xfrm>
-            <a:off x="3884613" y="8685213"/>
-            <a:ext cx="2971800" cy="458787"/>
+            <a:off x="5179484" y="6513910"/>
+            <a:ext cx="3962400" cy="344090"/>
           </a:xfrm>
           <a:prstGeom prst="rect">
             <a:avLst/>
@@ -778,12 +886,6 @@
           <a:bodyPr/>
           <a:lstStyle/>
           <a:p>
-            <a:r>
-              <a:rPr lang="en-GB" dirty="0"/>
-              <a:t>Our topic is on Plastic Pollution</a:t>
-            </a:r>
-          </a:p>
-          <a:p>
             <a:endParaRPr lang="en-GB" dirty="0"/>
           </a:p>
         </p:txBody>
@@ -851,24 +953,62 @@
             <p:ph type="sldImg"/>
           </p:nvPr>
         </p:nvSpPr>
+        <p:spPr>
+          <a:xfrm>
+            <a:off x="842963" y="517525"/>
+            <a:ext cx="7691437" cy="4325938"/>
+          </a:xfrm>
+        </p:spPr>
+      </p:sp>
+      <p:sp>
+        <p:nvSpPr>
+          <p:cNvPr id="3" name="Notes Placeholder 2"/>
+          <p:cNvSpPr>
+            <a:spLocks noGrp="1"/>
+          </p:cNvSpPr>
+          <p:nvPr>
+            <p:ph type="body" idx="1"/>
+          </p:nvPr>
+        </p:nvSpPr>
         <p:spPr/>
-      </p:sp>
-      <p:sp>
-        <p:nvSpPr>
-          <p:cNvPr id="3" name="Notes Placeholder 2"/>
-          <p:cNvSpPr>
-            <a:spLocks noGrp="1"/>
-          </p:cNvSpPr>
-          <p:nvPr>
-            <p:ph type="body" idx="1"/>
-          </p:nvPr>
-        </p:nvSpPr>
-        <p:spPr/>
         <p:txBody>
           <a:bodyPr/>
           <a:lstStyle/>
           <a:p>
-            <a:endParaRPr lang="en-GB"/>
+            <a:r>
+              <a:rPr lang="en-GB" dirty="0"/>
+              <a:t>Our topic is on Marine Plastic Pollution.</a:t>
+            </a:r>
+          </a:p>
+          <a:p>
+            <a:endParaRPr lang="en-GB" dirty="0"/>
+          </a:p>
+          <a:p>
+            <a:r>
+              <a:rPr lang="en-GB" dirty="0"/>
+              <a:t>Our initial assumptions were that plastic mainly floated in ‘islands’ in the ocean (e.g. the pacific garbage patch) and that over time, the pollution which started out as macro-plastics, would break up into micro-plastics which became ingested by marine animals.</a:t>
+            </a:r>
+          </a:p>
+          <a:p>
+            <a:endParaRPr lang="en-GB" dirty="0"/>
+          </a:p>
+          <a:p>
+            <a:r>
+              <a:rPr lang="en-GB" dirty="0"/>
+              <a:t>Our idea was that if we could model the size and position of the islands, it could be used to monitor and help direct clean-up to those areas, since plastic is easier to remove while it is in macro form rather than micro form.</a:t>
+            </a:r>
+          </a:p>
+          <a:p>
+            <a:endParaRPr lang="en-GB" dirty="0"/>
+          </a:p>
+          <a:p>
+            <a:r>
+              <a:rPr lang="en-GB" dirty="0"/>
+              <a:t>We had big ideas…</a:t>
+            </a:r>
+          </a:p>
+          <a:p>
+            <a:endParaRPr lang="en-GB" dirty="0"/>
           </a:p>
         </p:txBody>
       </p:sp>
@@ -898,7 +1038,7 @@
     </p:spTree>
     <p:extLst>
       <p:ext uri="{BB962C8B-B14F-4D97-AF65-F5344CB8AC3E}">
-        <p14:creationId xmlns:p14="http://schemas.microsoft.com/office/powerpoint/2010/main" val="2727560089"/>
+        <p14:creationId xmlns:p14="http://schemas.microsoft.com/office/powerpoint/2010/main" val="2220380391"/>
       </p:ext>
     </p:extLst>
   </p:cSld>
@@ -935,24 +1075,50 @@
             <p:ph type="sldImg"/>
           </p:nvPr>
         </p:nvSpPr>
+        <p:spPr>
+          <a:xfrm>
+            <a:off x="842963" y="517525"/>
+            <a:ext cx="7691437" cy="4325938"/>
+          </a:xfrm>
+        </p:spPr>
+      </p:sp>
+      <p:sp>
+        <p:nvSpPr>
+          <p:cNvPr id="3" name="Notes Placeholder 2"/>
+          <p:cNvSpPr>
+            <a:spLocks noGrp="1"/>
+          </p:cNvSpPr>
+          <p:nvPr>
+            <p:ph type="body" idx="1"/>
+          </p:nvPr>
+        </p:nvSpPr>
         <p:spPr/>
-      </p:sp>
-      <p:sp>
-        <p:nvSpPr>
-          <p:cNvPr id="3" name="Notes Placeholder 2"/>
-          <p:cNvSpPr>
-            <a:spLocks noGrp="1"/>
-          </p:cNvSpPr>
-          <p:nvPr>
-            <p:ph type="body" idx="1"/>
-          </p:nvPr>
-        </p:nvSpPr>
-        <p:spPr/>
         <p:txBody>
           <a:bodyPr/>
           <a:lstStyle/>
           <a:p>
-            <a:endParaRPr lang="en-GB"/>
+            <a:r>
+              <a:rPr lang="en-GB" dirty="0"/>
+              <a:t>When we collated our research from the initial run, we found that a lot of our original assumptions were wrong, conflicting with each other, or did not give us room to explore what was already presented.</a:t>
+            </a:r>
+          </a:p>
+          <a:p>
+            <a:endParaRPr lang="en-GB" dirty="0"/>
+          </a:p>
+          <a:p>
+            <a:r>
+              <a:rPr lang="en-GB" dirty="0"/>
+              <a:t>There were some extensive studies done by various academic and interest research groups, but because of the size and reach of the problem, most studies could only make projections on their research. Conducting ocean-wide surveys are costly.</a:t>
+            </a:r>
+          </a:p>
+          <a:p>
+            <a:endParaRPr lang="en-GB" dirty="0"/>
+          </a:p>
+          <a:p>
+            <a:r>
+              <a:rPr lang="en-GB" dirty="0"/>
+              <a:t>Without collecting data for ourselves, which we did not want to do, we could not go very far with our initial idea…</a:t>
+            </a:r>
           </a:p>
         </p:txBody>
       </p:sp>
@@ -982,7 +1148,7 @@
     </p:spTree>
     <p:extLst>
       <p:ext uri="{BB962C8B-B14F-4D97-AF65-F5344CB8AC3E}">
-        <p14:creationId xmlns:p14="http://schemas.microsoft.com/office/powerpoint/2010/main" val="2690948307"/>
+        <p14:creationId xmlns:p14="http://schemas.microsoft.com/office/powerpoint/2010/main" val="2727560089"/>
       </p:ext>
     </p:extLst>
   </p:cSld>
@@ -1019,24 +1185,50 @@
             <p:ph type="sldImg"/>
           </p:nvPr>
         </p:nvSpPr>
+        <p:spPr>
+          <a:xfrm>
+            <a:off x="842963" y="517525"/>
+            <a:ext cx="7691437" cy="4325938"/>
+          </a:xfrm>
+        </p:spPr>
+      </p:sp>
+      <p:sp>
+        <p:nvSpPr>
+          <p:cNvPr id="3" name="Notes Placeholder 2"/>
+          <p:cNvSpPr>
+            <a:spLocks noGrp="1"/>
+          </p:cNvSpPr>
+          <p:nvPr>
+            <p:ph type="body" idx="1"/>
+          </p:nvPr>
+        </p:nvSpPr>
         <p:spPr/>
-      </p:sp>
-      <p:sp>
-        <p:nvSpPr>
-          <p:cNvPr id="3" name="Notes Placeholder 2"/>
-          <p:cNvSpPr>
-            <a:spLocks noGrp="1"/>
-          </p:cNvSpPr>
-          <p:nvPr>
-            <p:ph type="body" idx="1"/>
-          </p:nvPr>
-        </p:nvSpPr>
-        <p:spPr/>
         <p:txBody>
           <a:bodyPr/>
           <a:lstStyle/>
           <a:p>
-            <a:endParaRPr lang="en-GB"/>
+            <a:r>
+              <a:rPr lang="en-GB" dirty="0"/>
+              <a:t>The dataset is a log of pollution picked up at water edges, recorded and classified by volunteers. There are features of time, geographical location, quantity, free-text descriptions and material classification.</a:t>
+            </a:r>
+          </a:p>
+          <a:p>
+            <a:endParaRPr lang="en-GB" dirty="0"/>
+          </a:p>
+          <a:p>
+            <a:r>
+              <a:rPr lang="en-GB" dirty="0"/>
+              <a:t>One thing we identified, was that the quantity of plastics collected increased over time, but we recognise this is not necessarily reflective of plastic pollution increasing over time – it could simply be that more volunteers are recording the pollution, or with increased frequency.</a:t>
+            </a:r>
+          </a:p>
+          <a:p>
+            <a:endParaRPr lang="en-GB" dirty="0"/>
+          </a:p>
+          <a:p>
+            <a:r>
+              <a:rPr lang="en-GB" dirty="0"/>
+              <a:t>But we could explore if the composition of pollution remained largely similar, despite changes in raw volume. </a:t>
+            </a:r>
           </a:p>
         </p:txBody>
       </p:sp>
@@ -1066,7 +1258,7 @@
     </p:spTree>
     <p:extLst>
       <p:ext uri="{BB962C8B-B14F-4D97-AF65-F5344CB8AC3E}">
-        <p14:creationId xmlns:p14="http://schemas.microsoft.com/office/powerpoint/2010/main" val="585690878"/>
+        <p14:creationId xmlns:p14="http://schemas.microsoft.com/office/powerpoint/2010/main" val="2690948307"/>
       </p:ext>
     </p:extLst>
   </p:cSld>
@@ -1103,24 +1295,41 @@
             <p:ph type="sldImg"/>
           </p:nvPr>
         </p:nvSpPr>
+        <p:spPr>
+          <a:xfrm>
+            <a:off x="842963" y="517525"/>
+            <a:ext cx="7691437" cy="4325938"/>
+          </a:xfrm>
+        </p:spPr>
+      </p:sp>
+      <p:sp>
+        <p:nvSpPr>
+          <p:cNvPr id="3" name="Notes Placeholder 2"/>
+          <p:cNvSpPr>
+            <a:spLocks noGrp="1"/>
+          </p:cNvSpPr>
+          <p:nvPr>
+            <p:ph type="body" idx="1"/>
+          </p:nvPr>
+        </p:nvSpPr>
         <p:spPr/>
-      </p:sp>
-      <p:sp>
-        <p:nvSpPr>
-          <p:cNvPr id="3" name="Notes Placeholder 2"/>
-          <p:cNvSpPr>
-            <a:spLocks noGrp="1"/>
-          </p:cNvSpPr>
-          <p:nvPr>
-            <p:ph type="body" idx="1"/>
-          </p:nvPr>
-        </p:nvSpPr>
-        <p:spPr/>
         <p:txBody>
           <a:bodyPr/>
           <a:lstStyle/>
           <a:p>
-            <a:endParaRPr lang="en-GB"/>
+            <a:r>
+              <a:rPr lang="en-GB" dirty="0"/>
+              <a:t>We conducted some initial exploratory analysis, shared it with the group, discussed it, developed some new ideas, explored the ideas and repeat.</a:t>
+            </a:r>
+          </a:p>
+          <a:p>
+            <a:endParaRPr lang="en-GB" dirty="0"/>
+          </a:p>
+          <a:p>
+            <a:r>
+              <a:rPr lang="en-GB" dirty="0"/>
+              <a:t>Through exploration and the help of data visualisation techniques, we found some patterns we had not expected.</a:t>
+            </a:r>
           </a:p>
         </p:txBody>
       </p:sp>
@@ -1142,6 +1351,95 @@
             <a:fld id="{840DF87F-D6E1-4268-9C5F-41DF460BB5A5}" type="slidenum">
               <a:rPr lang="en-GB" smtClean="0"/>
               <a:t>5</a:t>
+            </a:fld>
+            <a:endParaRPr lang="en-GB"/>
+          </a:p>
+        </p:txBody>
+      </p:sp>
+    </p:spTree>
+    <p:extLst>
+      <p:ext uri="{BB962C8B-B14F-4D97-AF65-F5344CB8AC3E}">
+        <p14:creationId xmlns:p14="http://schemas.microsoft.com/office/powerpoint/2010/main" val="585690878"/>
+      </p:ext>
+    </p:extLst>
+  </p:cSld>
+  <p:clrMapOvr>
+    <a:masterClrMapping/>
+  </p:clrMapOvr>
+</p:notes>
+</file>
+
+<file path=ppt/notesSlides/notesSlide6.xml><?xml version="1.0" encoding="utf-8"?>
+<p:notes xmlns:a="http://schemas.openxmlformats.org/drawingml/2006/main" xmlns:r="http://schemas.openxmlformats.org/officeDocument/2006/relationships" xmlns:p="http://schemas.openxmlformats.org/presentationml/2006/main">
+  <p:cSld>
+    <p:spTree>
+      <p:nvGrpSpPr>
+        <p:cNvPr id="1" name=""/>
+        <p:cNvGrpSpPr/>
+        <p:nvPr/>
+      </p:nvGrpSpPr>
+      <p:grpSpPr>
+        <a:xfrm>
+          <a:off x="0" y="0"/>
+          <a:ext cx="0" cy="0"/>
+          <a:chOff x="0" y="0"/>
+          <a:chExt cx="0" cy="0"/>
+        </a:xfrm>
+      </p:grpSpPr>
+      <p:sp>
+        <p:nvSpPr>
+          <p:cNvPr id="2" name="Slide Image Placeholder 1"/>
+          <p:cNvSpPr>
+            <a:spLocks noGrp="1" noRot="1" noChangeAspect="1"/>
+          </p:cNvSpPr>
+          <p:nvPr>
+            <p:ph type="sldImg"/>
+          </p:nvPr>
+        </p:nvSpPr>
+        <p:spPr>
+          <a:xfrm>
+            <a:off x="842963" y="517525"/>
+            <a:ext cx="7691437" cy="4325938"/>
+          </a:xfrm>
+        </p:spPr>
+      </p:sp>
+      <p:sp>
+        <p:nvSpPr>
+          <p:cNvPr id="3" name="Notes Placeholder 2"/>
+          <p:cNvSpPr>
+            <a:spLocks noGrp="1"/>
+          </p:cNvSpPr>
+          <p:nvPr>
+            <p:ph type="body" idx="1"/>
+          </p:nvPr>
+        </p:nvSpPr>
+        <p:spPr/>
+        <p:txBody>
+          <a:bodyPr/>
+          <a:lstStyle/>
+          <a:p>
+            <a:endParaRPr lang="en-GB"/>
+          </a:p>
+        </p:txBody>
+      </p:sp>
+      <p:sp>
+        <p:nvSpPr>
+          <p:cNvPr id="4" name="Slide Number Placeholder 3"/>
+          <p:cNvSpPr>
+            <a:spLocks noGrp="1"/>
+          </p:cNvSpPr>
+          <p:nvPr>
+            <p:ph type="sldNum" sz="quarter" idx="5"/>
+          </p:nvPr>
+        </p:nvSpPr>
+        <p:spPr/>
+        <p:txBody>
+          <a:bodyPr/>
+          <a:lstStyle/>
+          <a:p>
+            <a:fld id="{840DF87F-D6E1-4268-9C5F-41DF460BB5A5}" type="slidenum">
+              <a:rPr lang="en-GB" smtClean="0"/>
+              <a:t>6</a:t>
             </a:fld>
             <a:endParaRPr lang="en-GB"/>
           </a:p>
@@ -1309,7 +1607,7 @@
           <a:p>
             <a:fld id="{51CB4ED3-25AD-4501-A3D0-B7CF1556DFF4}" type="datetimeFigureOut">
               <a:rPr lang="en-GB" smtClean="0"/>
-              <a:t>10/03/2020</a:t>
+              <a:t>11/03/2020</a:t>
             </a:fld>
             <a:endParaRPr lang="en-GB"/>
           </a:p>
@@ -1509,7 +1807,7 @@
           <a:p>
             <a:fld id="{51CB4ED3-25AD-4501-A3D0-B7CF1556DFF4}" type="datetimeFigureOut">
               <a:rPr lang="en-GB" smtClean="0"/>
-              <a:t>10/03/2020</a:t>
+              <a:t>11/03/2020</a:t>
             </a:fld>
             <a:endParaRPr lang="en-GB"/>
           </a:p>
@@ -1719,7 +2017,7 @@
           <a:p>
             <a:fld id="{51CB4ED3-25AD-4501-A3D0-B7CF1556DFF4}" type="datetimeFigureOut">
               <a:rPr lang="en-GB" smtClean="0"/>
-              <a:t>10/03/2020</a:t>
+              <a:t>11/03/2020</a:t>
             </a:fld>
             <a:endParaRPr lang="en-GB"/>
           </a:p>
@@ -1879,7 +2177,7 @@
           <a:p>
             <a:fld id="{51CB4ED3-25AD-4501-A3D0-B7CF1556DFF4}" type="datetimeFigureOut">
               <a:rPr lang="en-GB" smtClean="0"/>
-              <a:t>10/03/2020</a:t>
+              <a:t>11/03/2020</a:t>
             </a:fld>
             <a:endParaRPr lang="en-GB"/>
           </a:p>
@@ -2079,7 +2377,7 @@
           <a:p>
             <a:fld id="{51CB4ED3-25AD-4501-A3D0-B7CF1556DFF4}" type="datetimeFigureOut">
               <a:rPr lang="en-GB" smtClean="0"/>
-              <a:t>10/03/2020</a:t>
+              <a:t>11/03/2020</a:t>
             </a:fld>
             <a:endParaRPr lang="en-GB"/>
           </a:p>
@@ -2355,7 +2653,7 @@
           <a:p>
             <a:fld id="{51CB4ED3-25AD-4501-A3D0-B7CF1556DFF4}" type="datetimeFigureOut">
               <a:rPr lang="en-GB" smtClean="0"/>
-              <a:t>10/03/2020</a:t>
+              <a:t>11/03/2020</a:t>
             </a:fld>
             <a:endParaRPr lang="en-GB"/>
           </a:p>
@@ -2623,7 +2921,7 @@
           <a:p>
             <a:fld id="{51CB4ED3-25AD-4501-A3D0-B7CF1556DFF4}" type="datetimeFigureOut">
               <a:rPr lang="en-GB" smtClean="0"/>
-              <a:t>10/03/2020</a:t>
+              <a:t>11/03/2020</a:t>
             </a:fld>
             <a:endParaRPr lang="en-GB"/>
           </a:p>
@@ -3038,7 +3336,7 @@
           <a:p>
             <a:fld id="{51CB4ED3-25AD-4501-A3D0-B7CF1556DFF4}" type="datetimeFigureOut">
               <a:rPr lang="en-GB" smtClean="0"/>
-              <a:t>10/03/2020</a:t>
+              <a:t>11/03/2020</a:t>
             </a:fld>
             <a:endParaRPr lang="en-GB"/>
           </a:p>
@@ -3180,7 +3478,7 @@
           <a:p>
             <a:fld id="{51CB4ED3-25AD-4501-A3D0-B7CF1556DFF4}" type="datetimeFigureOut">
               <a:rPr lang="en-GB" smtClean="0"/>
-              <a:t>10/03/2020</a:t>
+              <a:t>11/03/2020</a:t>
             </a:fld>
             <a:endParaRPr lang="en-GB"/>
           </a:p>
@@ -3293,7 +3591,7 @@
           <a:p>
             <a:fld id="{51CB4ED3-25AD-4501-A3D0-B7CF1556DFF4}" type="datetimeFigureOut">
               <a:rPr lang="en-GB" smtClean="0"/>
-              <a:t>10/03/2020</a:t>
+              <a:t>11/03/2020</a:t>
             </a:fld>
             <a:endParaRPr lang="en-GB"/>
           </a:p>
@@ -3606,7 +3904,7 @@
           <a:p>
             <a:fld id="{51CB4ED3-25AD-4501-A3D0-B7CF1556DFF4}" type="datetimeFigureOut">
               <a:rPr lang="en-GB" smtClean="0"/>
-              <a:t>10/03/2020</a:t>
+              <a:t>11/03/2020</a:t>
             </a:fld>
             <a:endParaRPr lang="en-GB"/>
           </a:p>
@@ -3895,7 +4193,7 @@
           <a:p>
             <a:fld id="{51CB4ED3-25AD-4501-A3D0-B7CF1556DFF4}" type="datetimeFigureOut">
               <a:rPr lang="en-GB" smtClean="0"/>
-              <a:t>10/03/2020</a:t>
+              <a:t>11/03/2020</a:t>
             </a:fld>
             <a:endParaRPr lang="en-GB"/>
           </a:p>
@@ -4138,7 +4436,7 @@
           <a:p>
             <a:fld id="{51CB4ED3-25AD-4501-A3D0-B7CF1556DFF4}" type="datetimeFigureOut">
               <a:rPr lang="en-GB" smtClean="0"/>
-              <a:t>10/03/2020</a:t>
+              <a:t>11/03/2020</a:t>
             </a:fld>
             <a:endParaRPr lang="en-GB"/>
           </a:p>
@@ -4556,127 +4854,186 @@
           <a:chExt cx="0" cy="0"/>
         </a:xfrm>
       </p:grpSpPr>
-      <p:sp>
-        <p:nvSpPr>
-          <p:cNvPr id="5" name="Title 4">
-            <a:extLst>
-              <a:ext uri="{FF2B5EF4-FFF2-40B4-BE49-F238E27FC236}">
-                <a16:creationId xmlns:a16="http://schemas.microsoft.com/office/drawing/2014/main" id="{56E6FC7F-887F-4D03-B57A-11B447687EBA}"/>
-              </a:ext>
-            </a:extLst>
-          </p:cNvPr>
-          <p:cNvSpPr>
-            <a:spLocks noGrp="1"/>
-          </p:cNvSpPr>
-          <p:nvPr>
-            <p:ph type="title"/>
-          </p:nvPr>
-        </p:nvSpPr>
-        <p:spPr/>
-        <p:txBody>
-          <a:bodyPr/>
-          <a:lstStyle/>
-          <a:p>
-            <a:r>
-              <a:rPr lang="en-GB" dirty="0"/>
-              <a:t>Starting</a:t>
-            </a:r>
-          </a:p>
-        </p:txBody>
-      </p:sp>
-      <p:sp>
-        <p:nvSpPr>
-          <p:cNvPr id="6" name="Content Placeholder 5">
-            <a:extLst>
-              <a:ext uri="{FF2B5EF4-FFF2-40B4-BE49-F238E27FC236}">
-                <a16:creationId xmlns:a16="http://schemas.microsoft.com/office/drawing/2014/main" id="{C466A2C0-3FFD-4FB3-A424-88F91CD4C7D4}"/>
-              </a:ext>
-            </a:extLst>
-          </p:cNvPr>
-          <p:cNvSpPr>
-            <a:spLocks noGrp="1"/>
-          </p:cNvSpPr>
-          <p:nvPr>
-            <p:ph idx="4294967295"/>
-          </p:nvPr>
-        </p:nvSpPr>
+      <p:pic>
+        <p:nvPicPr>
+          <p:cNvPr id="3" name="Picture 2">
+            <a:extLst>
+              <a:ext uri="{FF2B5EF4-FFF2-40B4-BE49-F238E27FC236}">
+                <a16:creationId xmlns:a16="http://schemas.microsoft.com/office/drawing/2014/main" id="{A5E3FFA4-B3B3-4C7F-ABFF-0DD980196F70}"/>
+              </a:ext>
+            </a:extLst>
+          </p:cNvPr>
+          <p:cNvPicPr>
+            <a:picLocks noChangeAspect="1"/>
+          </p:cNvPicPr>
+          <p:nvPr/>
+        </p:nvPicPr>
+        <p:blipFill>
+          <a:blip r:embed="rId3">
+            <a:extLst>
+              <a:ext uri="{28A0092B-C50C-407E-A947-70E740481C1C}">
+                <a14:useLocalDpi xmlns:a14="http://schemas.microsoft.com/office/drawing/2010/main" val="0"/>
+              </a:ext>
+            </a:extLst>
+          </a:blip>
+          <a:stretch>
+            <a:fillRect/>
+          </a:stretch>
+        </p:blipFill>
         <p:spPr>
           <a:xfrm>
-            <a:off x="0" y="1825625"/>
-            <a:ext cx="10515600" cy="4351338"/>
+            <a:off x="-1" y="1074057"/>
+            <a:ext cx="12192001" cy="5826807"/>
+          </a:xfrm>
+          <a:prstGeom prst="rect">
+            <a:avLst/>
+          </a:prstGeom>
+        </p:spPr>
+      </p:pic>
+      <p:sp>
+        <p:nvSpPr>
+          <p:cNvPr id="5" name="Title 4">
+            <a:extLst>
+              <a:ext uri="{FF2B5EF4-FFF2-40B4-BE49-F238E27FC236}">
+                <a16:creationId xmlns:a16="http://schemas.microsoft.com/office/drawing/2014/main" id="{56E6FC7F-887F-4D03-B57A-11B447687EBA}"/>
+              </a:ext>
+            </a:extLst>
+          </p:cNvPr>
+          <p:cNvSpPr>
+            <a:spLocks noGrp="1"/>
+          </p:cNvSpPr>
+          <p:nvPr>
+            <p:ph type="ctrTitle"/>
+          </p:nvPr>
+        </p:nvSpPr>
+        <p:spPr>
+          <a:xfrm>
+            <a:off x="4049487" y="0"/>
+            <a:ext cx="8142514" cy="1074057"/>
           </a:xfrm>
         </p:spPr>
         <p:txBody>
           <a:bodyPr>
-            <a:normAutofit lnSpcReduction="10000"/>
+            <a:normAutofit/>
           </a:bodyPr>
           <a:lstStyle/>
           <a:p>
             <a:r>
-              <a:rPr lang="en-GB" dirty="0"/>
-              <a:t>Topic: marine plastic pollution</a:t>
-            </a:r>
-          </a:p>
-          <a:p>
-            <a:r>
-              <a:rPr lang="en-GB" dirty="0"/>
-              <a:t>Why?</a:t>
-            </a:r>
-          </a:p>
-          <a:p>
-            <a:endParaRPr lang="en-GB" dirty="0"/>
-          </a:p>
-          <a:p>
-            <a:r>
-              <a:rPr lang="en-GB" dirty="0"/>
-              <a:t>Interested in surface plastic/floating plastic size</a:t>
-            </a:r>
-          </a:p>
-          <a:p>
-            <a:r>
-              <a:rPr lang="en-GB" dirty="0"/>
-              <a:t>Identified a sub-topic area each and went off to find </a:t>
-            </a:r>
-            <a:r>
-              <a:rPr lang="en-GB" dirty="0" err="1"/>
-              <a:t>datasources</a:t>
-            </a:r>
-            <a:r>
-              <a:rPr lang="en-GB" dirty="0"/>
-              <a:t> &amp; articles</a:t>
-            </a:r>
-          </a:p>
-          <a:p>
-            <a:pPr lvl="1"/>
-            <a:r>
-              <a:rPr lang="en-GB" dirty="0"/>
-              <a:t>Sources of plastic pollution</a:t>
-            </a:r>
-          </a:p>
-          <a:p>
-            <a:pPr lvl="1"/>
-            <a:r>
-              <a:rPr lang="en-GB" dirty="0"/>
-              <a:t>Shipping and plastic pollution</a:t>
-            </a:r>
-          </a:p>
-          <a:p>
-            <a:pPr lvl="1"/>
-            <a:r>
-              <a:rPr lang="en-GB" dirty="0"/>
-              <a:t>Where the plastic pollution is, and size</a:t>
-            </a:r>
-          </a:p>
-          <a:p>
-            <a:pPr lvl="1"/>
-            <a:r>
-              <a:rPr lang="en-GB" dirty="0"/>
-              <a:t>How the plastic pollution is being distributed</a:t>
-            </a:r>
-          </a:p>
-          <a:p>
-            <a:pPr lvl="1"/>
-            <a:endParaRPr lang="en-GB" dirty="0"/>
+              <a:rPr lang="en-GB" b="1" dirty="0">
+                <a:latin typeface="+mn-lt"/>
+              </a:rPr>
+              <a:t>Marine Plastic Pollution</a:t>
+            </a:r>
+          </a:p>
+        </p:txBody>
+      </p:sp>
+      <p:sp>
+        <p:nvSpPr>
+          <p:cNvPr id="6" name="Content Placeholder 5">
+            <a:extLst>
+              <a:ext uri="{FF2B5EF4-FFF2-40B4-BE49-F238E27FC236}">
+                <a16:creationId xmlns:a16="http://schemas.microsoft.com/office/drawing/2014/main" id="{C466A2C0-3FFD-4FB3-A424-88F91CD4C7D4}"/>
+              </a:ext>
+            </a:extLst>
+          </p:cNvPr>
+          <p:cNvSpPr>
+            <a:spLocks noGrp="1"/>
+          </p:cNvSpPr>
+          <p:nvPr>
+            <p:ph type="subTitle" idx="1"/>
+          </p:nvPr>
+        </p:nvSpPr>
+        <p:spPr>
+          <a:xfrm>
+            <a:off x="5762171" y="1140244"/>
+            <a:ext cx="6197601" cy="1074057"/>
+          </a:xfrm>
+        </p:spPr>
+        <p:txBody>
+          <a:bodyPr>
+            <a:normAutofit fontScale="92500"/>
+          </a:bodyPr>
+          <a:lstStyle/>
+          <a:p>
+            <a:pPr lvl="1" algn="r"/>
+            <a:r>
+              <a:rPr lang="en-GB" sz="2800" dirty="0">
+                <a:solidFill>
+                  <a:schemeClr val="bg1"/>
+                </a:solidFill>
+              </a:rPr>
+              <a:t>Alex, Georgios, Karen, </a:t>
+            </a:r>
+            <a:r>
+              <a:rPr lang="en-GB" sz="2800" dirty="0" err="1">
+                <a:solidFill>
+                  <a:schemeClr val="bg1"/>
+                </a:solidFill>
+              </a:rPr>
+              <a:t>Roshi</a:t>
+            </a:r>
+            <a:r>
+              <a:rPr lang="en-GB" sz="2800" dirty="0">
+                <a:solidFill>
+                  <a:schemeClr val="bg1"/>
+                </a:solidFill>
+              </a:rPr>
+              <a:t>, and Stuart</a:t>
+            </a:r>
+          </a:p>
+          <a:p>
+            <a:pPr lvl="1" algn="r"/>
+            <a:r>
+              <a:rPr lang="en-GB" sz="2800" dirty="0">
+                <a:solidFill>
+                  <a:schemeClr val="bg1"/>
+                </a:solidFill>
+              </a:rPr>
+              <a:t>Group 2</a:t>
+            </a:r>
+          </a:p>
+          <a:p>
+            <a:pPr lvl="1" algn="r"/>
+            <a:endParaRPr lang="en-GB" sz="2800" dirty="0">
+              <a:solidFill>
+                <a:schemeClr val="bg1"/>
+              </a:solidFill>
+            </a:endParaRPr>
+          </a:p>
+        </p:txBody>
+      </p:sp>
+      <p:sp>
+        <p:nvSpPr>
+          <p:cNvPr id="4" name="TextBox 3">
+            <a:extLst>
+              <a:ext uri="{FF2B5EF4-FFF2-40B4-BE49-F238E27FC236}">
+                <a16:creationId xmlns:a16="http://schemas.microsoft.com/office/drawing/2014/main" id="{EAF4C80D-39CD-4B04-A576-C690AC6AB9FE}"/>
+              </a:ext>
+            </a:extLst>
+          </p:cNvPr>
+          <p:cNvSpPr txBox="1"/>
+          <p:nvPr/>
+        </p:nvSpPr>
+        <p:spPr>
+          <a:xfrm>
+            <a:off x="-2" y="827836"/>
+            <a:ext cx="3904343" cy="261610"/>
+          </a:xfrm>
+          <a:prstGeom prst="rect">
+            <a:avLst/>
+          </a:prstGeom>
+          <a:noFill/>
+        </p:spPr>
+        <p:txBody>
+          <a:bodyPr wrap="square" rtlCol="0">
+            <a:spAutoFit/>
+          </a:bodyPr>
+          <a:lstStyle/>
+          <a:p>
+            <a:r>
+              <a:rPr lang="en-GB" sz="1100" dirty="0"/>
+              <a:t>Art: “Plastic Ocean” by Bonnie Monteleone</a:t>
+            </a:r>
           </a:p>
         </p:txBody>
       </p:sp>
@@ -4712,10 +5069,10 @@
       </p:grpSpPr>
       <p:sp>
         <p:nvSpPr>
-          <p:cNvPr id="3" name="Title 2">
-            <a:extLst>
-              <a:ext uri="{FF2B5EF4-FFF2-40B4-BE49-F238E27FC236}">
-                <a16:creationId xmlns:a16="http://schemas.microsoft.com/office/drawing/2014/main" id="{495935C2-DD67-4A0A-B685-ADEF98D1AD5C}"/>
+          <p:cNvPr id="5" name="Title 4">
+            <a:extLst>
+              <a:ext uri="{FF2B5EF4-FFF2-40B4-BE49-F238E27FC236}">
+                <a16:creationId xmlns:a16="http://schemas.microsoft.com/office/drawing/2014/main" id="{56E6FC7F-887F-4D03-B57A-11B447687EBA}"/>
               </a:ext>
             </a:extLst>
           </p:cNvPr>
@@ -4733,17 +5090,17 @@
           <a:p>
             <a:r>
               <a:rPr lang="en-GB" dirty="0"/>
-              <a:t>Problems/ What we found</a:t>
-            </a:r>
-          </a:p>
-        </p:txBody>
-      </p:sp>
-      <p:sp>
-        <p:nvSpPr>
-          <p:cNvPr id="4" name="Content Placeholder 3">
-            <a:extLst>
-              <a:ext uri="{FF2B5EF4-FFF2-40B4-BE49-F238E27FC236}">
-                <a16:creationId xmlns:a16="http://schemas.microsoft.com/office/drawing/2014/main" id="{2550E1A1-20D5-4BBD-8DEE-C3BE0D6EB901}"/>
+              <a:t>From The Beginning</a:t>
+            </a:r>
+          </a:p>
+        </p:txBody>
+      </p:sp>
+      <p:sp>
+        <p:nvSpPr>
+          <p:cNvPr id="6" name="Content Placeholder 5">
+            <a:extLst>
+              <a:ext uri="{FF2B5EF4-FFF2-40B4-BE49-F238E27FC236}">
+                <a16:creationId xmlns:a16="http://schemas.microsoft.com/office/drawing/2014/main" id="{C466A2C0-3FFD-4FB3-A424-88F91CD4C7D4}"/>
               </a:ext>
             </a:extLst>
           </p:cNvPr>
@@ -4756,87 +5113,340 @@
         </p:nvSpPr>
         <p:spPr>
           <a:xfrm>
-            <a:off x="0" y="1825625"/>
-            <a:ext cx="10515600" cy="4351338"/>
+            <a:off x="0" y="1128713"/>
+            <a:ext cx="7248525" cy="2078037"/>
           </a:xfrm>
         </p:spPr>
         <p:txBody>
           <a:bodyPr>
-            <a:normAutofit fontScale="92500" lnSpcReduction="20000"/>
+            <a:normAutofit/>
           </a:bodyPr>
           <a:lstStyle/>
           <a:p>
-            <a:r>
-              <a:rPr lang="en-GB" dirty="0"/>
-              <a:t>Majority of pollution was under the surface</a:t>
-            </a:r>
-          </a:p>
-          <a:p>
-            <a:r>
-              <a:rPr lang="en-GB" dirty="0"/>
-              <a:t>Conflicting claims about plastic pollution</a:t>
-            </a:r>
-          </a:p>
-          <a:p>
-            <a:pPr lvl="1"/>
-            <a:r>
-              <a:rPr lang="en-GB" dirty="0"/>
-              <a:t>90% plastic waste comes from shipping</a:t>
-            </a:r>
-          </a:p>
-          <a:p>
-            <a:pPr lvl="1"/>
-            <a:r>
-              <a:rPr lang="en-GB" dirty="0"/>
-              <a:t>90% plastic waste comes from 10 rivers</a:t>
-            </a:r>
-          </a:p>
-          <a:p>
+            <a:pPr marL="0" indent="0">
+              <a:buNone/>
+            </a:pPr>
+            <a:r>
+              <a:rPr lang="en-US" dirty="0"/>
+              <a:t>Marine plastic pollution is a serious global issue</a:t>
+            </a:r>
             <a:endParaRPr lang="en-GB" dirty="0"/>
           </a:p>
           <a:p>
-            <a:r>
-              <a:rPr lang="en-GB" dirty="0"/>
-              <a:t>Datasets from articles were</a:t>
-            </a:r>
-          </a:p>
-          <a:p>
-            <a:pPr lvl="1"/>
-            <a:r>
-              <a:rPr lang="en-GB" dirty="0"/>
-              <a:t>Already prepared/cleaned</a:t>
-            </a:r>
-          </a:p>
-          <a:p>
-            <a:pPr lvl="1"/>
-            <a:r>
-              <a:rPr lang="en-GB" dirty="0"/>
-              <a:t>Already explored in articles</a:t>
-            </a:r>
-          </a:p>
-          <a:p>
-            <a:pPr lvl="1"/>
-            <a:r>
-              <a:rPr lang="en-GB" dirty="0"/>
-              <a:t>Non-relevant data removed meaning no scope to explore beyond the article’s discussion itself</a:t>
+            <a:pPr marL="742950" lvl="1" indent="-285750"/>
+            <a:r>
+              <a:rPr lang="en-US" dirty="0"/>
+              <a:t>Plastics make up 60-80% of the marine litter</a:t>
+            </a:r>
+          </a:p>
+          <a:p>
+            <a:pPr marL="742950" lvl="1" indent="-285750"/>
+            <a:r>
+              <a:rPr lang="en-US" dirty="0"/>
+              <a:t>Dramatic increase in plastic production</a:t>
+            </a:r>
+          </a:p>
+          <a:p>
+            <a:pPr marL="742950" lvl="1" indent="-285750"/>
+            <a:r>
+              <a:rPr lang="en-US" dirty="0"/>
+              <a:t>Marine animals ingest it </a:t>
             </a:r>
           </a:p>
           <a:p>
             <a:pPr lvl="1"/>
             <a:endParaRPr lang="en-GB" dirty="0"/>
           </a:p>
-          <a:p>
-            <a:r>
-              <a:rPr lang="en-GB" dirty="0"/>
-              <a:t>We had many references, but no hypothesis…</a:t>
-            </a:r>
+        </p:txBody>
+      </p:sp>
+      <p:grpSp>
+        <p:nvGrpSpPr>
+          <p:cNvPr id="10" name="Group 9">
+            <a:extLst>
+              <a:ext uri="{FF2B5EF4-FFF2-40B4-BE49-F238E27FC236}">
+                <a16:creationId xmlns:a16="http://schemas.microsoft.com/office/drawing/2014/main" id="{012FDD0E-8584-424C-A3E0-4216341ADE50}"/>
+              </a:ext>
+            </a:extLst>
+          </p:cNvPr>
+          <p:cNvGrpSpPr/>
+          <p:nvPr/>
+        </p:nvGrpSpPr>
+        <p:grpSpPr>
+          <a:xfrm>
+            <a:off x="7490037" y="880844"/>
+            <a:ext cx="4078381" cy="2340082"/>
+            <a:chOff x="7431314" y="914400"/>
+            <a:chExt cx="4078381" cy="2340082"/>
+          </a:xfrm>
+        </p:grpSpPr>
+        <p:pic>
+          <p:nvPicPr>
+            <p:cNvPr id="4" name="Picture 3">
+              <a:extLst>
+                <a:ext uri="{FF2B5EF4-FFF2-40B4-BE49-F238E27FC236}">
+                  <a16:creationId xmlns:a16="http://schemas.microsoft.com/office/drawing/2014/main" id="{F55B9734-E8EE-48E3-ADD2-D83F83372E8F}"/>
+                </a:ext>
+              </a:extLst>
+            </p:cNvPr>
+            <p:cNvPicPr>
+              <a:picLocks noChangeAspect="1"/>
+            </p:cNvPicPr>
+            <p:nvPr/>
+          </p:nvPicPr>
+          <p:blipFill rotWithShape="1">
+            <a:blip r:embed="rId3"/>
+            <a:srcRect b="7221"/>
+            <a:stretch/>
+          </p:blipFill>
+          <p:spPr>
+            <a:xfrm>
+              <a:off x="7431314" y="914400"/>
+              <a:ext cx="4078381" cy="2118741"/>
+            </a:xfrm>
+            <a:prstGeom prst="rect">
+              <a:avLst/>
+            </a:prstGeom>
+          </p:spPr>
+        </p:pic>
+        <p:sp>
+          <p:nvSpPr>
+            <p:cNvPr id="7" name="TextBox 6">
+              <a:extLst>
+                <a:ext uri="{FF2B5EF4-FFF2-40B4-BE49-F238E27FC236}">
+                  <a16:creationId xmlns:a16="http://schemas.microsoft.com/office/drawing/2014/main" id="{FAC86966-E9AF-4054-A2F3-BD02BE5B725D}"/>
+                </a:ext>
+              </a:extLst>
+            </p:cNvPr>
+            <p:cNvSpPr txBox="1"/>
+            <p:nvPr/>
+          </p:nvSpPr>
+          <p:spPr>
+            <a:xfrm>
+              <a:off x="7431314" y="3008261"/>
+              <a:ext cx="3497943" cy="246221"/>
+            </a:xfrm>
+            <a:prstGeom prst="rect">
+              <a:avLst/>
+            </a:prstGeom>
+            <a:noFill/>
+          </p:spPr>
+          <p:txBody>
+            <a:bodyPr wrap="square" rtlCol="0">
+              <a:spAutoFit/>
+            </a:bodyPr>
+            <a:lstStyle/>
+            <a:p>
+              <a:r>
+                <a:rPr lang="en-GB" sz="1000" dirty="0"/>
+                <a:t>Source: </a:t>
+              </a:r>
+              <a:r>
+                <a:rPr lang="en-GB" sz="1000" dirty="0">
+                  <a:hlinkClick r:id="rId4"/>
+                </a:rPr>
+                <a:t>BBC NEWS (2018)</a:t>
+              </a:r>
+              <a:endParaRPr lang="en-GB" sz="1000" dirty="0"/>
+            </a:p>
+          </p:txBody>
+        </p:sp>
+      </p:grpSp>
+      <p:grpSp>
+        <p:nvGrpSpPr>
+          <p:cNvPr id="9" name="Group 8">
+            <a:extLst>
+              <a:ext uri="{FF2B5EF4-FFF2-40B4-BE49-F238E27FC236}">
+                <a16:creationId xmlns:a16="http://schemas.microsoft.com/office/drawing/2014/main" id="{A6474493-D926-45EA-97FF-DD1BD9D9F1B9}"/>
+              </a:ext>
+            </a:extLst>
+          </p:cNvPr>
+          <p:cNvGrpSpPr/>
+          <p:nvPr/>
+        </p:nvGrpSpPr>
+        <p:grpSpPr>
+          <a:xfrm>
+            <a:off x="539691" y="3838958"/>
+            <a:ext cx="3862271" cy="2810032"/>
+            <a:chOff x="7402286" y="4147385"/>
+            <a:chExt cx="3862271" cy="2810032"/>
+          </a:xfrm>
+        </p:grpSpPr>
+        <p:pic>
+          <p:nvPicPr>
+            <p:cNvPr id="8" name="Picture 7">
+              <a:extLst>
+                <a:ext uri="{FF2B5EF4-FFF2-40B4-BE49-F238E27FC236}">
+                  <a16:creationId xmlns:a16="http://schemas.microsoft.com/office/drawing/2014/main" id="{31342A9C-1C05-43B8-8913-E59F82D8A701}"/>
+                </a:ext>
+              </a:extLst>
+            </p:cNvPr>
+            <p:cNvPicPr/>
+            <p:nvPr/>
+          </p:nvPicPr>
+          <p:blipFill>
+            <a:blip r:embed="rId5"/>
+            <a:stretch>
+              <a:fillRect/>
+            </a:stretch>
+          </p:blipFill>
+          <p:spPr>
+            <a:xfrm>
+              <a:off x="7477594" y="4147385"/>
+              <a:ext cx="3786963" cy="2409922"/>
+            </a:xfrm>
+            <a:prstGeom prst="rect">
+              <a:avLst/>
+            </a:prstGeom>
+          </p:spPr>
+        </p:pic>
+        <p:sp>
+          <p:nvSpPr>
+            <p:cNvPr id="2" name="TextBox 1">
+              <a:extLst>
+                <a:ext uri="{FF2B5EF4-FFF2-40B4-BE49-F238E27FC236}">
+                  <a16:creationId xmlns:a16="http://schemas.microsoft.com/office/drawing/2014/main" id="{84C25BEF-016F-43D8-B6A9-F5C29CEF17F4}"/>
+                </a:ext>
+              </a:extLst>
+            </p:cNvPr>
+            <p:cNvSpPr txBox="1"/>
+            <p:nvPr/>
+          </p:nvSpPr>
+          <p:spPr>
+            <a:xfrm>
+              <a:off x="7402286" y="6557307"/>
+              <a:ext cx="2843868" cy="400110"/>
+            </a:xfrm>
+            <a:prstGeom prst="rect">
+              <a:avLst/>
+            </a:prstGeom>
+            <a:noFill/>
+          </p:spPr>
+          <p:txBody>
+            <a:bodyPr wrap="square" rtlCol="0">
+              <a:spAutoFit/>
+            </a:bodyPr>
+            <a:lstStyle/>
+            <a:p>
+              <a:r>
+                <a:rPr lang="en-GB" sz="1000" dirty="0"/>
+                <a:t>Source: </a:t>
+              </a:r>
+              <a:r>
+                <a:rPr lang="en-GB" sz="1000" u="sng" dirty="0">
+                  <a:hlinkClick r:id="rId6"/>
+                </a:rPr>
+                <a:t>https://en.wikipedia.org/wiki/Ocean_gyre</a:t>
+              </a:r>
+              <a:endParaRPr lang="en-GB" sz="1000" dirty="0"/>
+            </a:p>
+            <a:p>
+              <a:endParaRPr lang="en-GB" sz="1000" dirty="0"/>
+            </a:p>
+          </p:txBody>
+        </p:sp>
+      </p:grpSp>
+      <p:sp>
+        <p:nvSpPr>
+          <p:cNvPr id="3" name="TextBox 2">
+            <a:extLst>
+              <a:ext uri="{FF2B5EF4-FFF2-40B4-BE49-F238E27FC236}">
+                <a16:creationId xmlns:a16="http://schemas.microsoft.com/office/drawing/2014/main" id="{4CADFD5C-BCFD-42E5-B462-63F31211EAA2}"/>
+              </a:ext>
+            </a:extLst>
+          </p:cNvPr>
+          <p:cNvSpPr txBox="1"/>
+          <p:nvPr/>
+        </p:nvSpPr>
+        <p:spPr>
+          <a:xfrm>
+            <a:off x="5083729" y="3406482"/>
+            <a:ext cx="6568580" cy="3200876"/>
+          </a:xfrm>
+          <a:prstGeom prst="rect">
+            <a:avLst/>
+          </a:prstGeom>
+          <a:noFill/>
+        </p:spPr>
+        <p:txBody>
+          <a:bodyPr wrap="square" rtlCol="0">
+            <a:spAutoFit/>
+          </a:bodyPr>
+          <a:lstStyle/>
+          <a:p>
+            <a:r>
+              <a:rPr lang="en-GB" sz="2800" dirty="0"/>
+              <a:t>Initial Project Aims  </a:t>
+            </a:r>
+            <a:br>
+              <a:rPr lang="en-GB" sz="2800" dirty="0"/>
+            </a:br>
+            <a:r>
+              <a:rPr lang="en-GB" sz="2400" dirty="0"/>
+              <a:t>Investigate plastic ‘islands’</a:t>
+            </a:r>
+          </a:p>
+          <a:p>
+            <a:br>
+              <a:rPr lang="en-GB" sz="1600" dirty="0"/>
+            </a:br>
+            <a:r>
+              <a:rPr lang="en-GB" sz="2800" dirty="0"/>
+              <a:t>First Steps:</a:t>
+            </a:r>
+          </a:p>
+          <a:p>
+            <a:r>
+              <a:rPr lang="en-GB" sz="2400" dirty="0"/>
+              <a:t>Identified sub-topic areas to investigate</a:t>
+            </a:r>
+          </a:p>
+          <a:p>
+            <a:pPr marL="800100" lvl="1" indent="-342900">
+              <a:buFont typeface="Arial" panose="020B0604020202020204" pitchFamily="34" charset="0"/>
+              <a:buChar char="•"/>
+            </a:pPr>
+            <a:r>
+              <a:rPr lang="en-GB" sz="2000" dirty="0"/>
+              <a:t>Sources of plastic pollution</a:t>
+            </a:r>
+          </a:p>
+          <a:p>
+            <a:pPr marL="800100" lvl="1" indent="-342900">
+              <a:buFont typeface="Arial" panose="020B0604020202020204" pitchFamily="34" charset="0"/>
+              <a:buChar char="•"/>
+            </a:pPr>
+            <a:r>
+              <a:rPr lang="en-GB" sz="2000" dirty="0"/>
+              <a:t>Shipping and plastic pollution</a:t>
+            </a:r>
+          </a:p>
+          <a:p>
+            <a:pPr marL="800100" lvl="1" indent="-342900">
+              <a:buFont typeface="Arial" panose="020B0604020202020204" pitchFamily="34" charset="0"/>
+              <a:buChar char="•"/>
+            </a:pPr>
+            <a:r>
+              <a:rPr lang="en-GB" sz="2000" dirty="0"/>
+              <a:t>Where the plastic islands were and their sizes</a:t>
+            </a:r>
+          </a:p>
+          <a:p>
+            <a:pPr marL="800100" lvl="1" indent="-342900">
+              <a:buFont typeface="Arial" panose="020B0604020202020204" pitchFamily="34" charset="0"/>
+              <a:buChar char="•"/>
+            </a:pPr>
+            <a:r>
+              <a:rPr lang="en-GB" sz="2000" dirty="0"/>
+              <a:t>How the plastic pollution is distributed</a:t>
+            </a:r>
+            <a:endParaRPr lang="en-GB" sz="2400" dirty="0"/>
           </a:p>
         </p:txBody>
       </p:sp>
     </p:spTree>
     <p:extLst>
       <p:ext uri="{BB962C8B-B14F-4D97-AF65-F5344CB8AC3E}">
-        <p14:creationId xmlns:p14="http://schemas.microsoft.com/office/powerpoint/2010/main" val="1946918776"/>
+        <p14:creationId xmlns:p14="http://schemas.microsoft.com/office/powerpoint/2010/main" val="4018449856"/>
       </p:ext>
     </p:extLst>
   </p:cSld>
@@ -4868,7 +5478,7 @@
           <p:cNvPr id="3" name="Title 2">
             <a:extLst>
               <a:ext uri="{FF2B5EF4-FFF2-40B4-BE49-F238E27FC236}">
-                <a16:creationId xmlns:a16="http://schemas.microsoft.com/office/drawing/2014/main" id="{A4106587-00C1-4D8B-9A5F-037E32FA2A3D}"/>
+                <a16:creationId xmlns:a16="http://schemas.microsoft.com/office/drawing/2014/main" id="{495935C2-DD67-4A0A-B685-ADEF98D1AD5C}"/>
               </a:ext>
             </a:extLst>
           </p:cNvPr>
@@ -4886,7 +5496,7 @@
           <a:p>
             <a:r>
               <a:rPr lang="en-GB" dirty="0"/>
-              <a:t>Turning Point</a:t>
+              <a:t>What We Found</a:t>
             </a:r>
           </a:p>
         </p:txBody>
@@ -4896,7 +5506,7 @@
           <p:cNvPr id="4" name="Content Placeholder 3">
             <a:extLst>
               <a:ext uri="{FF2B5EF4-FFF2-40B4-BE49-F238E27FC236}">
-                <a16:creationId xmlns:a16="http://schemas.microsoft.com/office/drawing/2014/main" id="{A7E00B22-6E76-4776-8880-0C773DA469B9}"/>
+                <a16:creationId xmlns:a16="http://schemas.microsoft.com/office/drawing/2014/main" id="{2550E1A1-20D5-4BBD-8DEE-C3BE0D6EB901}"/>
               </a:ext>
             </a:extLst>
           </p:cNvPr>
@@ -4909,40 +5519,510 @@
         </p:nvSpPr>
         <p:spPr>
           <a:xfrm>
-            <a:off x="0" y="935038"/>
-            <a:ext cx="6267450" cy="5241925"/>
+            <a:off x="659994" y="2454597"/>
+            <a:ext cx="4727132" cy="1401542"/>
           </a:xfrm>
         </p:spPr>
         <p:txBody>
-          <a:bodyPr/>
+          <a:bodyPr>
+            <a:normAutofit/>
+          </a:bodyPr>
           <a:lstStyle/>
           <a:p>
             <a:r>
               <a:rPr lang="en-GB" dirty="0"/>
-              <a:t>We found a raw dataset of plastic debris identified in locations</a:t>
-            </a:r>
-          </a:p>
-          <a:p>
+              <a:t>Conflicting information</a:t>
+            </a:r>
+          </a:p>
+          <a:p>
+            <a:pPr lvl="1"/>
+            <a:r>
+              <a:rPr lang="en-GB" sz="2000" dirty="0"/>
+              <a:t>Pollution under the surface</a:t>
+            </a:r>
+          </a:p>
+          <a:p>
+            <a:pPr lvl="1"/>
+            <a:r>
+              <a:rPr lang="en-GB" sz="2000" dirty="0"/>
+              <a:t>Sources of pollution uncertain</a:t>
+            </a:r>
+          </a:p>
+          <a:p>
+            <a:pPr lvl="1"/>
+            <a:endParaRPr lang="en-GB" dirty="0"/>
+          </a:p>
+          <a:p>
+            <a:pPr lvl="1"/>
+            <a:endParaRPr lang="en-GB" dirty="0"/>
+          </a:p>
+        </p:txBody>
+      </p:sp>
+      <p:sp>
+        <p:nvSpPr>
+          <p:cNvPr id="6" name="Content Placeholder 3">
+            <a:extLst>
+              <a:ext uri="{FF2B5EF4-FFF2-40B4-BE49-F238E27FC236}">
+                <a16:creationId xmlns:a16="http://schemas.microsoft.com/office/drawing/2014/main" id="{F9DB6E81-039D-40D2-BD70-1ADDF832A6DC}"/>
+              </a:ext>
+            </a:extLst>
+          </p:cNvPr>
+          <p:cNvSpPr txBox="1">
+            <a:spLocks/>
+          </p:cNvSpPr>
+          <p:nvPr/>
+        </p:nvSpPr>
+        <p:spPr>
+          <a:xfrm>
+            <a:off x="6620318" y="2454597"/>
+            <a:ext cx="5179649" cy="3522362"/>
+          </a:xfrm>
+          <a:prstGeom prst="rect">
+            <a:avLst/>
+          </a:prstGeom>
+        </p:spPr>
+        <p:txBody>
+          <a:bodyPr vert="horz" lIns="91440" tIns="45720" rIns="91440" bIns="45720" rtlCol="0">
+            <a:normAutofit/>
+          </a:bodyPr>
+          <a:lstStyle>
+            <a:lvl1pPr marL="228600" indent="-228600" algn="l" defTabSz="914400" rtl="0" eaLnBrk="1" latinLnBrk="0" hangingPunct="1">
+              <a:lnSpc>
+                <a:spcPct val="90000"/>
+              </a:lnSpc>
+              <a:spcBef>
+                <a:spcPts val="1000"/>
+              </a:spcBef>
+              <a:buFont typeface="Arial" panose="020B0604020202020204" pitchFamily="34" charset="0"/>
+              <a:buChar char="•"/>
+              <a:defRPr sz="2800" kern="1200">
+                <a:solidFill>
+                  <a:schemeClr val="tx1"/>
+                </a:solidFill>
+                <a:latin typeface="+mn-lt"/>
+                <a:ea typeface="+mn-ea"/>
+                <a:cs typeface="+mn-cs"/>
+              </a:defRPr>
+            </a:lvl1pPr>
+            <a:lvl2pPr marL="685800" indent="-228600" algn="l" defTabSz="914400" rtl="0" eaLnBrk="1" latinLnBrk="0" hangingPunct="1">
+              <a:lnSpc>
+                <a:spcPct val="90000"/>
+              </a:lnSpc>
+              <a:spcBef>
+                <a:spcPts val="500"/>
+              </a:spcBef>
+              <a:buFont typeface="Arial" panose="020B0604020202020204" pitchFamily="34" charset="0"/>
+              <a:buChar char="•"/>
+              <a:defRPr sz="2400" kern="1200">
+                <a:solidFill>
+                  <a:schemeClr val="tx1"/>
+                </a:solidFill>
+                <a:latin typeface="+mn-lt"/>
+                <a:ea typeface="+mn-ea"/>
+                <a:cs typeface="+mn-cs"/>
+              </a:defRPr>
+            </a:lvl2pPr>
+            <a:lvl3pPr marL="1143000" indent="-228600" algn="l" defTabSz="914400" rtl="0" eaLnBrk="1" latinLnBrk="0" hangingPunct="1">
+              <a:lnSpc>
+                <a:spcPct val="90000"/>
+              </a:lnSpc>
+              <a:spcBef>
+                <a:spcPts val="500"/>
+              </a:spcBef>
+              <a:buFont typeface="Arial" panose="020B0604020202020204" pitchFamily="34" charset="0"/>
+              <a:buChar char="•"/>
+              <a:defRPr sz="2000" kern="1200">
+                <a:solidFill>
+                  <a:schemeClr val="tx1"/>
+                </a:solidFill>
+                <a:latin typeface="+mn-lt"/>
+                <a:ea typeface="+mn-ea"/>
+                <a:cs typeface="+mn-cs"/>
+              </a:defRPr>
+            </a:lvl3pPr>
+            <a:lvl4pPr marL="1600200" indent="-228600" algn="l" defTabSz="914400" rtl="0" eaLnBrk="1" latinLnBrk="0" hangingPunct="1">
+              <a:lnSpc>
+                <a:spcPct val="90000"/>
+              </a:lnSpc>
+              <a:spcBef>
+                <a:spcPts val="500"/>
+              </a:spcBef>
+              <a:buFont typeface="Arial" panose="020B0604020202020204" pitchFamily="34" charset="0"/>
+              <a:buChar char="•"/>
+              <a:defRPr sz="1800" kern="1200">
+                <a:solidFill>
+                  <a:schemeClr val="tx1"/>
+                </a:solidFill>
+                <a:latin typeface="+mn-lt"/>
+                <a:ea typeface="+mn-ea"/>
+                <a:cs typeface="+mn-cs"/>
+              </a:defRPr>
+            </a:lvl4pPr>
+            <a:lvl5pPr marL="2057400" indent="-228600" algn="l" defTabSz="914400" rtl="0" eaLnBrk="1" latinLnBrk="0" hangingPunct="1">
+              <a:lnSpc>
+                <a:spcPct val="90000"/>
+              </a:lnSpc>
+              <a:spcBef>
+                <a:spcPts val="500"/>
+              </a:spcBef>
+              <a:buFont typeface="Arial" panose="020B0604020202020204" pitchFamily="34" charset="0"/>
+              <a:buChar char="•"/>
+              <a:defRPr sz="1800" kern="1200">
+                <a:solidFill>
+                  <a:schemeClr val="tx1"/>
+                </a:solidFill>
+                <a:latin typeface="+mn-lt"/>
+                <a:ea typeface="+mn-ea"/>
+                <a:cs typeface="+mn-cs"/>
+              </a:defRPr>
+            </a:lvl5pPr>
+            <a:lvl6pPr marL="2514600" indent="-228600" algn="l" defTabSz="914400" rtl="0" eaLnBrk="1" latinLnBrk="0" hangingPunct="1">
+              <a:lnSpc>
+                <a:spcPct val="90000"/>
+              </a:lnSpc>
+              <a:spcBef>
+                <a:spcPts val="500"/>
+              </a:spcBef>
+              <a:buFont typeface="Arial" panose="020B0604020202020204" pitchFamily="34" charset="0"/>
+              <a:buChar char="•"/>
+              <a:defRPr sz="1800" kern="1200">
+                <a:solidFill>
+                  <a:schemeClr val="tx1"/>
+                </a:solidFill>
+                <a:latin typeface="+mn-lt"/>
+                <a:ea typeface="+mn-ea"/>
+                <a:cs typeface="+mn-cs"/>
+              </a:defRPr>
+            </a:lvl6pPr>
+            <a:lvl7pPr marL="2971800" indent="-228600" algn="l" defTabSz="914400" rtl="0" eaLnBrk="1" latinLnBrk="0" hangingPunct="1">
+              <a:lnSpc>
+                <a:spcPct val="90000"/>
+              </a:lnSpc>
+              <a:spcBef>
+                <a:spcPts val="500"/>
+              </a:spcBef>
+              <a:buFont typeface="Arial" panose="020B0604020202020204" pitchFamily="34" charset="0"/>
+              <a:buChar char="•"/>
+              <a:defRPr sz="1800" kern="1200">
+                <a:solidFill>
+                  <a:schemeClr val="tx1"/>
+                </a:solidFill>
+                <a:latin typeface="+mn-lt"/>
+                <a:ea typeface="+mn-ea"/>
+                <a:cs typeface="+mn-cs"/>
+              </a:defRPr>
+            </a:lvl7pPr>
+            <a:lvl8pPr marL="3429000" indent="-228600" algn="l" defTabSz="914400" rtl="0" eaLnBrk="1" latinLnBrk="0" hangingPunct="1">
+              <a:lnSpc>
+                <a:spcPct val="90000"/>
+              </a:lnSpc>
+              <a:spcBef>
+                <a:spcPts val="500"/>
+              </a:spcBef>
+              <a:buFont typeface="Arial" panose="020B0604020202020204" pitchFamily="34" charset="0"/>
+              <a:buChar char="•"/>
+              <a:defRPr sz="1800" kern="1200">
+                <a:solidFill>
+                  <a:schemeClr val="tx1"/>
+                </a:solidFill>
+                <a:latin typeface="+mn-lt"/>
+                <a:ea typeface="+mn-ea"/>
+                <a:cs typeface="+mn-cs"/>
+              </a:defRPr>
+            </a:lvl8pPr>
+            <a:lvl9pPr marL="3886200" indent="-228600" algn="l" defTabSz="914400" rtl="0" eaLnBrk="1" latinLnBrk="0" hangingPunct="1">
+              <a:lnSpc>
+                <a:spcPct val="90000"/>
+              </a:lnSpc>
+              <a:spcBef>
+                <a:spcPts val="500"/>
+              </a:spcBef>
+              <a:buFont typeface="Arial" panose="020B0604020202020204" pitchFamily="34" charset="0"/>
+              <a:buChar char="•"/>
+              <a:defRPr sz="1800" kern="1200">
+                <a:solidFill>
+                  <a:schemeClr val="tx1"/>
+                </a:solidFill>
+                <a:latin typeface="+mn-lt"/>
+                <a:ea typeface="+mn-ea"/>
+                <a:cs typeface="+mn-cs"/>
+              </a:defRPr>
+            </a:lvl9pPr>
+          </a:lstStyle>
+          <a:p>
+            <a:pPr marL="0" indent="0">
+              <a:buNone/>
+            </a:pPr>
             <a:r>
               <a:rPr lang="en-GB" dirty="0"/>
-              <a:t>Narrowed focus &amp; developed hypothesis</a:t>
+              <a:t>Datasets from articles</a:t>
             </a:r>
           </a:p>
           <a:p>
             <a:pPr lvl="1"/>
             <a:r>
+              <a:rPr lang="en-GB" sz="2000" dirty="0"/>
+              <a:t>Already prepared and cleaned</a:t>
+            </a:r>
+          </a:p>
+          <a:p>
+            <a:pPr lvl="1"/>
+            <a:r>
+              <a:rPr lang="en-GB" sz="2000" dirty="0"/>
+              <a:t>Already explored in articles</a:t>
+            </a:r>
+          </a:p>
+          <a:p>
+            <a:pPr lvl="1"/>
+            <a:r>
+              <a:rPr lang="en-GB" sz="2000" dirty="0"/>
+              <a:t>Non-relevant data removed, meaning little scope to explore beyond the article’s discussion itself</a:t>
+            </a:r>
+          </a:p>
+        </p:txBody>
+      </p:sp>
+      <p:sp>
+        <p:nvSpPr>
+          <p:cNvPr id="7" name="Content Placeholder 3">
+            <a:extLst>
+              <a:ext uri="{FF2B5EF4-FFF2-40B4-BE49-F238E27FC236}">
+                <a16:creationId xmlns:a16="http://schemas.microsoft.com/office/drawing/2014/main" id="{AFBE93F2-C626-407D-8A4D-42AE7BF98ACF}"/>
+              </a:ext>
+            </a:extLst>
+          </p:cNvPr>
+          <p:cNvSpPr txBox="1">
+            <a:spLocks/>
+          </p:cNvSpPr>
+          <p:nvPr/>
+        </p:nvSpPr>
+        <p:spPr>
+          <a:xfrm>
+            <a:off x="2587404" y="5884680"/>
+            <a:ext cx="8265886" cy="639704"/>
+          </a:xfrm>
+          <a:prstGeom prst="rect">
+            <a:avLst/>
+          </a:prstGeom>
+        </p:spPr>
+        <p:txBody>
+          <a:bodyPr vert="horz" lIns="91440" tIns="45720" rIns="91440" bIns="45720" rtlCol="0">
+            <a:normAutofit/>
+          </a:bodyPr>
+          <a:lstStyle>
+            <a:lvl1pPr marL="228600" indent="-228600" algn="l" defTabSz="914400" rtl="0" eaLnBrk="1" latinLnBrk="0" hangingPunct="1">
+              <a:lnSpc>
+                <a:spcPct val="90000"/>
+              </a:lnSpc>
+              <a:spcBef>
+                <a:spcPts val="1000"/>
+              </a:spcBef>
+              <a:buFont typeface="Arial" panose="020B0604020202020204" pitchFamily="34" charset="0"/>
+              <a:buChar char="•"/>
+              <a:defRPr sz="2800" kern="1200">
+                <a:solidFill>
+                  <a:schemeClr val="tx1"/>
+                </a:solidFill>
+                <a:latin typeface="+mn-lt"/>
+                <a:ea typeface="+mn-ea"/>
+                <a:cs typeface="+mn-cs"/>
+              </a:defRPr>
+            </a:lvl1pPr>
+            <a:lvl2pPr marL="685800" indent="-228600" algn="l" defTabSz="914400" rtl="0" eaLnBrk="1" latinLnBrk="0" hangingPunct="1">
+              <a:lnSpc>
+                <a:spcPct val="90000"/>
+              </a:lnSpc>
+              <a:spcBef>
+                <a:spcPts val="500"/>
+              </a:spcBef>
+              <a:buFont typeface="Arial" panose="020B0604020202020204" pitchFamily="34" charset="0"/>
+              <a:buChar char="•"/>
+              <a:defRPr sz="2400" kern="1200">
+                <a:solidFill>
+                  <a:schemeClr val="tx1"/>
+                </a:solidFill>
+                <a:latin typeface="+mn-lt"/>
+                <a:ea typeface="+mn-ea"/>
+                <a:cs typeface="+mn-cs"/>
+              </a:defRPr>
+            </a:lvl2pPr>
+            <a:lvl3pPr marL="1143000" indent="-228600" algn="l" defTabSz="914400" rtl="0" eaLnBrk="1" latinLnBrk="0" hangingPunct="1">
+              <a:lnSpc>
+                <a:spcPct val="90000"/>
+              </a:lnSpc>
+              <a:spcBef>
+                <a:spcPts val="500"/>
+              </a:spcBef>
+              <a:buFont typeface="Arial" panose="020B0604020202020204" pitchFamily="34" charset="0"/>
+              <a:buChar char="•"/>
+              <a:defRPr sz="2000" kern="1200">
+                <a:solidFill>
+                  <a:schemeClr val="tx1"/>
+                </a:solidFill>
+                <a:latin typeface="+mn-lt"/>
+                <a:ea typeface="+mn-ea"/>
+                <a:cs typeface="+mn-cs"/>
+              </a:defRPr>
+            </a:lvl3pPr>
+            <a:lvl4pPr marL="1600200" indent="-228600" algn="l" defTabSz="914400" rtl="0" eaLnBrk="1" latinLnBrk="0" hangingPunct="1">
+              <a:lnSpc>
+                <a:spcPct val="90000"/>
+              </a:lnSpc>
+              <a:spcBef>
+                <a:spcPts val="500"/>
+              </a:spcBef>
+              <a:buFont typeface="Arial" panose="020B0604020202020204" pitchFamily="34" charset="0"/>
+              <a:buChar char="•"/>
+              <a:defRPr sz="1800" kern="1200">
+                <a:solidFill>
+                  <a:schemeClr val="tx1"/>
+                </a:solidFill>
+                <a:latin typeface="+mn-lt"/>
+                <a:ea typeface="+mn-ea"/>
+                <a:cs typeface="+mn-cs"/>
+              </a:defRPr>
+            </a:lvl4pPr>
+            <a:lvl5pPr marL="2057400" indent="-228600" algn="l" defTabSz="914400" rtl="0" eaLnBrk="1" latinLnBrk="0" hangingPunct="1">
+              <a:lnSpc>
+                <a:spcPct val="90000"/>
+              </a:lnSpc>
+              <a:spcBef>
+                <a:spcPts val="500"/>
+              </a:spcBef>
+              <a:buFont typeface="Arial" panose="020B0604020202020204" pitchFamily="34" charset="0"/>
+              <a:buChar char="•"/>
+              <a:defRPr sz="1800" kern="1200">
+                <a:solidFill>
+                  <a:schemeClr val="tx1"/>
+                </a:solidFill>
+                <a:latin typeface="+mn-lt"/>
+                <a:ea typeface="+mn-ea"/>
+                <a:cs typeface="+mn-cs"/>
+              </a:defRPr>
+            </a:lvl5pPr>
+            <a:lvl6pPr marL="2514600" indent="-228600" algn="l" defTabSz="914400" rtl="0" eaLnBrk="1" latinLnBrk="0" hangingPunct="1">
+              <a:lnSpc>
+                <a:spcPct val="90000"/>
+              </a:lnSpc>
+              <a:spcBef>
+                <a:spcPts val="500"/>
+              </a:spcBef>
+              <a:buFont typeface="Arial" panose="020B0604020202020204" pitchFamily="34" charset="0"/>
+              <a:buChar char="•"/>
+              <a:defRPr sz="1800" kern="1200">
+                <a:solidFill>
+                  <a:schemeClr val="tx1"/>
+                </a:solidFill>
+                <a:latin typeface="+mn-lt"/>
+                <a:ea typeface="+mn-ea"/>
+                <a:cs typeface="+mn-cs"/>
+              </a:defRPr>
+            </a:lvl6pPr>
+            <a:lvl7pPr marL="2971800" indent="-228600" algn="l" defTabSz="914400" rtl="0" eaLnBrk="1" latinLnBrk="0" hangingPunct="1">
+              <a:lnSpc>
+                <a:spcPct val="90000"/>
+              </a:lnSpc>
+              <a:spcBef>
+                <a:spcPts val="500"/>
+              </a:spcBef>
+              <a:buFont typeface="Arial" panose="020B0604020202020204" pitchFamily="34" charset="0"/>
+              <a:buChar char="•"/>
+              <a:defRPr sz="1800" kern="1200">
+                <a:solidFill>
+                  <a:schemeClr val="tx1"/>
+                </a:solidFill>
+                <a:latin typeface="+mn-lt"/>
+                <a:ea typeface="+mn-ea"/>
+                <a:cs typeface="+mn-cs"/>
+              </a:defRPr>
+            </a:lvl7pPr>
+            <a:lvl8pPr marL="3429000" indent="-228600" algn="l" defTabSz="914400" rtl="0" eaLnBrk="1" latinLnBrk="0" hangingPunct="1">
+              <a:lnSpc>
+                <a:spcPct val="90000"/>
+              </a:lnSpc>
+              <a:spcBef>
+                <a:spcPts val="500"/>
+              </a:spcBef>
+              <a:buFont typeface="Arial" panose="020B0604020202020204" pitchFamily="34" charset="0"/>
+              <a:buChar char="•"/>
+              <a:defRPr sz="1800" kern="1200">
+                <a:solidFill>
+                  <a:schemeClr val="tx1"/>
+                </a:solidFill>
+                <a:latin typeface="+mn-lt"/>
+                <a:ea typeface="+mn-ea"/>
+                <a:cs typeface="+mn-cs"/>
+              </a:defRPr>
+            </a:lvl8pPr>
+            <a:lvl9pPr marL="3886200" indent="-228600" algn="l" defTabSz="914400" rtl="0" eaLnBrk="1" latinLnBrk="0" hangingPunct="1">
+              <a:lnSpc>
+                <a:spcPct val="90000"/>
+              </a:lnSpc>
+              <a:spcBef>
+                <a:spcPts val="500"/>
+              </a:spcBef>
+              <a:buFont typeface="Arial" panose="020B0604020202020204" pitchFamily="34" charset="0"/>
+              <a:buChar char="•"/>
+              <a:defRPr sz="1800" kern="1200">
+                <a:solidFill>
+                  <a:schemeClr val="tx1"/>
+                </a:solidFill>
+                <a:latin typeface="+mn-lt"/>
+                <a:ea typeface="+mn-ea"/>
+                <a:cs typeface="+mn-cs"/>
+              </a:defRPr>
+            </a:lvl9pPr>
+          </a:lstStyle>
+          <a:p>
+            <a:pPr marL="0" indent="0">
+              <a:buNone/>
+            </a:pPr>
+            <a:r>
               <a:rPr lang="en-GB" dirty="0"/>
-              <a:t>If the % of plastic pollution remains constant over time</a:t>
+              <a:t>We had many references, but no hypothesis…</a:t>
+            </a:r>
+          </a:p>
+        </p:txBody>
+      </p:sp>
+      <p:sp>
+        <p:nvSpPr>
+          <p:cNvPr id="2" name="Rectangle 1">
+            <a:extLst>
+              <a:ext uri="{FF2B5EF4-FFF2-40B4-BE49-F238E27FC236}">
+                <a16:creationId xmlns:a16="http://schemas.microsoft.com/office/drawing/2014/main" id="{D66CE07B-3D60-4812-8DAA-D3B34373B3A3}"/>
+              </a:ext>
+            </a:extLst>
+          </p:cNvPr>
+          <p:cNvSpPr/>
+          <p:nvPr/>
+        </p:nvSpPr>
+        <p:spPr>
+          <a:xfrm>
+            <a:off x="5036757" y="1081637"/>
+            <a:ext cx="2829685" cy="923330"/>
+          </a:xfrm>
+          <a:prstGeom prst="rect">
+            <a:avLst/>
+          </a:prstGeom>
+        </p:spPr>
+        <p:txBody>
+          <a:bodyPr wrap="none">
+            <a:spAutoFit/>
+          </a:bodyPr>
+          <a:lstStyle/>
+          <a:p>
+            <a:r>
+              <a:rPr lang="en-GB" sz="5400" dirty="0"/>
+              <a:t>Problems</a:t>
             </a:r>
           </a:p>
         </p:txBody>
       </p:sp>
       <p:pic>
         <p:nvPicPr>
-          <p:cNvPr id="5" name="Picture 4" descr="A screenshot of a cell phone&#10;&#10;Description automatically generated">
-            <a:extLst>
-              <a:ext uri="{FF2B5EF4-FFF2-40B4-BE49-F238E27FC236}">
-                <a16:creationId xmlns:a16="http://schemas.microsoft.com/office/drawing/2014/main" id="{D9608F30-4868-4CD1-9506-4C1B6D1BB464}"/>
+          <p:cNvPr id="8" name="Picture 7">
+            <a:extLst>
+              <a:ext uri="{FF2B5EF4-FFF2-40B4-BE49-F238E27FC236}">
+                <a16:creationId xmlns:a16="http://schemas.microsoft.com/office/drawing/2014/main" id="{74F3FD83-5FB1-4368-82C6-16DD6B926E8E}"/>
               </a:ext>
             </a:extLst>
           </p:cNvPr>
@@ -4952,78 +6032,209 @@
           <p:nvPr/>
         </p:nvPicPr>
         <p:blipFill>
-          <a:blip r:embed="rId3">
-            <a:extLst>
-              <a:ext uri="{28A0092B-C50C-407E-A947-70E740481C1C}">
-                <a14:useLocalDpi xmlns:a14="http://schemas.microsoft.com/office/drawing/2010/main" val="0"/>
-              </a:ext>
-            </a:extLst>
-          </a:blip>
+          <a:blip r:embed="rId3"/>
           <a:stretch>
             <a:fillRect/>
           </a:stretch>
         </p:blipFill>
         <p:spPr>
           <a:xfrm>
-            <a:off x="7357243" y="1372668"/>
-            <a:ext cx="4367047" cy="4367047"/>
+            <a:off x="3886380" y="954497"/>
+            <a:ext cx="1086421" cy="1278634"/>
           </a:xfrm>
           <a:prstGeom prst="rect">
             <a:avLst/>
           </a:prstGeom>
         </p:spPr>
       </p:pic>
-      <p:pic>
-        <p:nvPicPr>
-          <p:cNvPr id="8" name="Picture 2">
-            <a:extLst>
-              <a:ext uri="{FF2B5EF4-FFF2-40B4-BE49-F238E27FC236}">
-                <a16:creationId xmlns:a16="http://schemas.microsoft.com/office/drawing/2014/main" id="{73434485-2054-4C2A-8549-A2A2A77A6FD3}"/>
-              </a:ext>
-            </a:extLst>
-          </p:cNvPr>
-          <p:cNvPicPr>
-            <a:picLocks noChangeAspect="1" noChangeArrowheads="1"/>
-          </p:cNvPicPr>
+      <p:grpSp>
+        <p:nvGrpSpPr>
+          <p:cNvPr id="16" name="Group 15">
+            <a:extLst>
+              <a:ext uri="{FF2B5EF4-FFF2-40B4-BE49-F238E27FC236}">
+                <a16:creationId xmlns:a16="http://schemas.microsoft.com/office/drawing/2014/main" id="{B3C3333D-BE5A-4095-8F87-30A5E6CEEF0F}"/>
+              </a:ext>
+            </a:extLst>
+          </p:cNvPr>
+          <p:cNvGrpSpPr/>
           <p:nvPr/>
-        </p:nvPicPr>
-        <p:blipFill>
-          <a:blip r:embed="rId4">
-            <a:extLst>
-              <a:ext uri="{28A0092B-C50C-407E-A947-70E740481C1C}">
-                <a14:useLocalDpi xmlns:a14="http://schemas.microsoft.com/office/drawing/2010/main" val="0"/>
-              </a:ext>
-            </a:extLst>
-          </a:blip>
-          <a:srcRect/>
-          <a:stretch>
-            <a:fillRect/>
-          </a:stretch>
-        </p:blipFill>
-        <p:spPr bwMode="auto">
+        </p:nvGrpSpPr>
+        <p:grpSpPr>
           <a:xfrm>
-            <a:off x="2030135" y="3328235"/>
-            <a:ext cx="4622911" cy="3302079"/>
+            <a:off x="3511391" y="4081546"/>
+            <a:ext cx="3497943" cy="1202720"/>
+            <a:chOff x="3511391" y="4273391"/>
+            <a:chExt cx="3497943" cy="1202720"/>
           </a:xfrm>
-          <a:prstGeom prst="rect">
-            <a:avLst/>
-          </a:prstGeom>
-          <a:noFill/>
-          <a:extLst>
-            <a:ext uri="{909E8E84-426E-40DD-AFC4-6F175D3DCCD1}">
-              <a14:hiddenFill xmlns:a14="http://schemas.microsoft.com/office/drawing/2010/main">
-                <a:solidFill>
-                  <a:srgbClr val="FFFFFF"/>
-                </a:solidFill>
-              </a14:hiddenFill>
-            </a:ext>
-          </a:extLst>
-        </p:spPr>
-      </p:pic>
+        </p:grpSpPr>
+        <p:pic>
+          <p:nvPicPr>
+            <p:cNvPr id="10" name="Picture 9">
+              <a:extLst>
+                <a:ext uri="{FF2B5EF4-FFF2-40B4-BE49-F238E27FC236}">
+                  <a16:creationId xmlns:a16="http://schemas.microsoft.com/office/drawing/2014/main" id="{86E857DF-2337-4F71-AEA9-16BDFB4F81B4}"/>
+                </a:ext>
+              </a:extLst>
+            </p:cNvPr>
+            <p:cNvPicPr>
+              <a:picLocks noChangeAspect="1"/>
+            </p:cNvPicPr>
+            <p:nvPr/>
+          </p:nvPicPr>
+          <p:blipFill rotWithShape="1">
+            <a:blip r:embed="rId4"/>
+            <a:srcRect b="8618"/>
+            <a:stretch/>
+          </p:blipFill>
+          <p:spPr>
+            <a:xfrm>
+              <a:off x="3511391" y="4273391"/>
+              <a:ext cx="2889790" cy="910880"/>
+            </a:xfrm>
+            <a:prstGeom prst="rect">
+              <a:avLst/>
+            </a:prstGeom>
+          </p:spPr>
+        </p:pic>
+        <p:sp>
+          <p:nvSpPr>
+            <p:cNvPr id="11" name="TextBox 10">
+              <a:extLst>
+                <a:ext uri="{FF2B5EF4-FFF2-40B4-BE49-F238E27FC236}">
+                  <a16:creationId xmlns:a16="http://schemas.microsoft.com/office/drawing/2014/main" id="{F8062AD1-F338-4778-9518-4B5189CF7B68}"/>
+                </a:ext>
+              </a:extLst>
+            </p:cNvPr>
+            <p:cNvSpPr txBox="1"/>
+            <p:nvPr/>
+          </p:nvSpPr>
+          <p:spPr>
+            <a:xfrm>
+              <a:off x="3511391" y="5229890"/>
+              <a:ext cx="3497943" cy="246221"/>
+            </a:xfrm>
+            <a:prstGeom prst="rect">
+              <a:avLst/>
+            </a:prstGeom>
+            <a:noFill/>
+          </p:spPr>
+          <p:txBody>
+            <a:bodyPr wrap="square" rtlCol="0">
+              <a:spAutoFit/>
+            </a:bodyPr>
+            <a:lstStyle/>
+            <a:p>
+              <a:r>
+                <a:rPr lang="en-GB" sz="1000" dirty="0"/>
+                <a:t>Source: </a:t>
+              </a:r>
+              <a:r>
+                <a:rPr lang="en-GB" sz="1000" dirty="0">
+                  <a:hlinkClick r:id="rId5"/>
+                </a:rPr>
+                <a:t>PNAS (2019)</a:t>
+              </a:r>
+              <a:endParaRPr lang="en-GB" sz="1000" dirty="0"/>
+            </a:p>
+          </p:txBody>
+        </p:sp>
+      </p:grpSp>
+      <p:grpSp>
+        <p:nvGrpSpPr>
+          <p:cNvPr id="15" name="Group 14">
+            <a:extLst>
+              <a:ext uri="{FF2B5EF4-FFF2-40B4-BE49-F238E27FC236}">
+                <a16:creationId xmlns:a16="http://schemas.microsoft.com/office/drawing/2014/main" id="{8A8C5E00-7C23-4C2C-A19E-8A307DA7A538}"/>
+              </a:ext>
+            </a:extLst>
+          </p:cNvPr>
+          <p:cNvGrpSpPr/>
+          <p:nvPr/>
+        </p:nvGrpSpPr>
+        <p:grpSpPr>
+          <a:xfrm>
+            <a:off x="312658" y="4082239"/>
+            <a:ext cx="3577318" cy="1362124"/>
+            <a:chOff x="312658" y="4274084"/>
+            <a:chExt cx="3577318" cy="1362124"/>
+          </a:xfrm>
+        </p:grpSpPr>
+        <p:pic>
+          <p:nvPicPr>
+            <p:cNvPr id="9" name="Picture 8">
+              <a:extLst>
+                <a:ext uri="{FF2B5EF4-FFF2-40B4-BE49-F238E27FC236}">
+                  <a16:creationId xmlns:a16="http://schemas.microsoft.com/office/drawing/2014/main" id="{5F53285F-DFD5-4BB9-9593-0317E8BBDBFD}"/>
+                </a:ext>
+              </a:extLst>
+            </p:cNvPr>
+            <p:cNvPicPr>
+              <a:picLocks noChangeAspect="1"/>
+            </p:cNvPicPr>
+            <p:nvPr/>
+          </p:nvPicPr>
+          <p:blipFill rotWithShape="1">
+            <a:blip r:embed="rId6"/>
+            <a:srcRect b="45405"/>
+            <a:stretch/>
+          </p:blipFill>
+          <p:spPr>
+            <a:xfrm>
+              <a:off x="312658" y="4274084"/>
+              <a:ext cx="3055857" cy="1127404"/>
+            </a:xfrm>
+            <a:prstGeom prst="rect">
+              <a:avLst/>
+            </a:prstGeom>
+          </p:spPr>
+        </p:pic>
+        <p:sp>
+          <p:nvSpPr>
+            <p:cNvPr id="12" name="TextBox 11">
+              <a:extLst>
+                <a:ext uri="{FF2B5EF4-FFF2-40B4-BE49-F238E27FC236}">
+                  <a16:creationId xmlns:a16="http://schemas.microsoft.com/office/drawing/2014/main" id="{A86D7F3B-EF25-40C9-8CCD-2C08DF6EB5C2}"/>
+                </a:ext>
+              </a:extLst>
+            </p:cNvPr>
+            <p:cNvSpPr txBox="1"/>
+            <p:nvPr/>
+          </p:nvSpPr>
+          <p:spPr>
+            <a:xfrm>
+              <a:off x="392033" y="5389987"/>
+              <a:ext cx="3497943" cy="246221"/>
+            </a:xfrm>
+            <a:prstGeom prst="rect">
+              <a:avLst/>
+            </a:prstGeom>
+            <a:noFill/>
+          </p:spPr>
+          <p:txBody>
+            <a:bodyPr wrap="square" rtlCol="0">
+              <a:spAutoFit/>
+            </a:bodyPr>
+            <a:lstStyle/>
+            <a:p>
+              <a:r>
+                <a:rPr lang="en-GB" sz="1000" dirty="0"/>
+                <a:t>Source: </a:t>
+              </a:r>
+              <a:r>
+                <a:rPr lang="en-GB" sz="1000" dirty="0">
+                  <a:hlinkClick r:id="rId7"/>
+                </a:rPr>
+                <a:t>World Economic Forum (2018)</a:t>
+              </a:r>
+              <a:endParaRPr lang="en-GB" sz="1000" dirty="0"/>
+            </a:p>
+          </p:txBody>
+        </p:sp>
+      </p:grpSp>
     </p:spTree>
     <p:extLst>
       <p:ext uri="{BB962C8B-B14F-4D97-AF65-F5344CB8AC3E}">
-        <p14:creationId xmlns:p14="http://schemas.microsoft.com/office/powerpoint/2010/main" val="1394511912"/>
+        <p14:creationId xmlns:p14="http://schemas.microsoft.com/office/powerpoint/2010/main" val="1946918776"/>
       </p:ext>
     </p:extLst>
   </p:cSld>
@@ -5055,7 +6266,7 @@
           <p:cNvPr id="3" name="Title 2">
             <a:extLst>
               <a:ext uri="{FF2B5EF4-FFF2-40B4-BE49-F238E27FC236}">
-                <a16:creationId xmlns:a16="http://schemas.microsoft.com/office/drawing/2014/main" id="{4F15CB84-2703-4DD6-B74B-2DCB669BF44C}"/>
+                <a16:creationId xmlns:a16="http://schemas.microsoft.com/office/drawing/2014/main" id="{A4106587-00C1-4D8B-9A5F-037E32FA2A3D}"/>
               </a:ext>
             </a:extLst>
           </p:cNvPr>
@@ -5073,7 +6284,7 @@
           <a:p>
             <a:r>
               <a:rPr lang="en-GB" dirty="0"/>
-              <a:t>What We’ve Done</a:t>
+              <a:t>Turning Point</a:t>
             </a:r>
           </a:p>
         </p:txBody>
@@ -5083,7 +6294,7 @@
           <p:cNvPr id="4" name="Content Placeholder 3">
             <a:extLst>
               <a:ext uri="{FF2B5EF4-FFF2-40B4-BE49-F238E27FC236}">
-                <a16:creationId xmlns:a16="http://schemas.microsoft.com/office/drawing/2014/main" id="{30DA1BA1-41C3-4A24-BEBE-B2A8CDF3995C}"/>
+                <a16:creationId xmlns:a16="http://schemas.microsoft.com/office/drawing/2014/main" id="{A7E00B22-6E76-4776-8880-0C773DA469B9}"/>
               </a:ext>
             </a:extLst>
           </p:cNvPr>
@@ -5096,95 +6307,52 @@
         </p:nvSpPr>
         <p:spPr>
           <a:xfrm>
-            <a:off x="373164" y="872359"/>
-            <a:ext cx="5505349" cy="5304604"/>
+            <a:off x="117446" y="1074057"/>
+            <a:ext cx="7448098" cy="5102907"/>
           </a:xfrm>
         </p:spPr>
         <p:txBody>
-          <a:bodyPr>
-            <a:normAutofit lnSpcReduction="10000"/>
-          </a:bodyPr>
-          <a:lstStyle/>
-          <a:p>
+          <a:bodyPr/>
+          <a:lstStyle/>
+          <a:p>
+            <a:pPr marL="0" indent="0">
+              <a:buNone/>
+            </a:pPr>
             <a:r>
               <a:rPr lang="en-GB" dirty="0"/>
-              <a:t>Data needed cleaning</a:t>
-            </a:r>
-          </a:p>
-          <a:p>
-            <a:pPr lvl="1"/>
+              <a:t>Found a raw </a:t>
+            </a:r>
+            <a:r>
+              <a:rPr lang="en-GB" dirty="0">
+                <a:hlinkClick r:id="rId3"/>
+              </a:rPr>
+              <a:t>dataset</a:t>
+            </a:r>
             <a:r>
               <a:rPr lang="en-GB" dirty="0"/>
-              <a:t>Some things classified as rubber gloves, weren’t rubber at all</a:t>
-            </a:r>
-          </a:p>
-          <a:p>
-            <a:pPr lvl="1"/>
+              <a:t> of plastic debris collected in locations over time</a:t>
+            </a:r>
+          </a:p>
+          <a:p>
+            <a:endParaRPr lang="en-GB" dirty="0"/>
+          </a:p>
+          <a:p>
+            <a:pPr marL="0" indent="0">
+              <a:buNone/>
+            </a:pPr>
             <a:r>
               <a:rPr lang="en-GB" dirty="0"/>
-              <a:t>Some long/</a:t>
-            </a:r>
-            <a:r>
-              <a:rPr lang="en-GB" dirty="0" err="1"/>
-              <a:t>lat</a:t>
-            </a:r>
-            <a:r>
-              <a:rPr lang="en-GB" dirty="0"/>
-              <a:t> positions seemed incorrect</a:t>
-            </a:r>
-          </a:p>
-          <a:p>
-            <a:pPr lvl="1"/>
-            <a:endParaRPr lang="en-GB" dirty="0"/>
-          </a:p>
-          <a:p>
-            <a:endParaRPr lang="en-GB" dirty="0"/>
-          </a:p>
-          <a:p>
-            <a:r>
-              <a:rPr lang="en-GB" dirty="0"/>
-              <a:t>Found some interesting stories</a:t>
-            </a:r>
-          </a:p>
-          <a:p>
-            <a:pPr lvl="1"/>
-            <a:r>
-              <a:rPr lang="en-GB" dirty="0"/>
-              <a:t>Cigarette butts decrease over time</a:t>
-            </a:r>
-          </a:p>
-          <a:p>
-            <a:pPr lvl="2"/>
-            <a:r>
-              <a:rPr lang="en-GB" dirty="0"/>
-              <a:t>Possibly indicative of less smokers or more vaping?</a:t>
-            </a:r>
-          </a:p>
-          <a:p>
-            <a:pPr lvl="1"/>
-            <a:r>
-              <a:rPr lang="en-GB" dirty="0"/>
-              <a:t>Fireworks are collected most in July and in </a:t>
-            </a:r>
-            <a:r>
-              <a:rPr lang="en-GB" dirty="0" err="1"/>
-              <a:t>N.America</a:t>
-            </a:r>
-            <a:r>
-              <a:rPr lang="en-GB" dirty="0"/>
-              <a:t> </a:t>
-            </a:r>
-          </a:p>
-          <a:p>
-            <a:pPr lvl="2"/>
-            <a:r>
-              <a:rPr lang="en-GB" dirty="0"/>
-              <a:t>Possibly indicative of 4 Jul celebrations?</a:t>
-            </a:r>
-          </a:p>
-          <a:p>
-            <a:pPr lvl="1"/>
-            <a:endParaRPr lang="en-GB" dirty="0"/>
+              <a:t>Narrowed focus and developed a hypothesis</a:t>
+            </a:r>
+          </a:p>
+          <a:p>
+            <a:pPr marL="0" indent="0">
+              <a:buNone/>
+            </a:pPr>
+            <a:r>
+              <a:rPr lang="en-GB" sz="2000" dirty="0"/>
+              <a:t>“Plastic pollution composition remains constant over time”</a:t>
+            </a:r>
           </a:p>
         </p:txBody>
       </p:sp>
@@ -5193,7 +6361,7 @@
           <p:cNvPr id="5" name="Picture 4" descr="A screenshot of a cell phone&#10;&#10;Description automatically generated">
             <a:extLst>
               <a:ext uri="{FF2B5EF4-FFF2-40B4-BE49-F238E27FC236}">
-                <a16:creationId xmlns:a16="http://schemas.microsoft.com/office/drawing/2014/main" id="{6D970FCF-106C-48C6-BF85-1A384A0C52A5}"/>
+                <a16:creationId xmlns:a16="http://schemas.microsoft.com/office/drawing/2014/main" id="{D9608F30-4868-4CD1-9506-4C1B6D1BB464}"/>
               </a:ext>
             </a:extLst>
           </p:cNvPr>
@@ -5203,7 +6371,7 @@
           <p:nvPr/>
         </p:nvPicPr>
         <p:blipFill>
-          <a:blip r:embed="rId3">
+          <a:blip r:embed="rId4">
             <a:extLst>
               <a:ext uri="{28A0092B-C50C-407E-A947-70E740481C1C}">
                 <a14:useLocalDpi xmlns:a14="http://schemas.microsoft.com/office/drawing/2010/main" val="0"/>
@@ -5216,8 +6384,85 @@
         </p:blipFill>
         <p:spPr>
           <a:xfrm>
-            <a:off x="6847538" y="3653367"/>
-            <a:ext cx="4971298" cy="3066294"/>
+            <a:off x="8231292" y="3208941"/>
+            <a:ext cx="3556001" cy="3556001"/>
+          </a:xfrm>
+          <a:prstGeom prst="rect">
+            <a:avLst/>
+          </a:prstGeom>
+        </p:spPr>
+      </p:pic>
+      <p:pic>
+        <p:nvPicPr>
+          <p:cNvPr id="8" name="Picture 2">
+            <a:extLst>
+              <a:ext uri="{FF2B5EF4-FFF2-40B4-BE49-F238E27FC236}">
+                <a16:creationId xmlns:a16="http://schemas.microsoft.com/office/drawing/2014/main" id="{73434485-2054-4C2A-8549-A2A2A77A6FD3}"/>
+              </a:ext>
+            </a:extLst>
+          </p:cNvPr>
+          <p:cNvPicPr>
+            <a:picLocks noChangeAspect="1" noChangeArrowheads="1"/>
+          </p:cNvPicPr>
+          <p:nvPr/>
+        </p:nvPicPr>
+        <p:blipFill>
+          <a:blip r:embed="rId5">
+            <a:extLst>
+              <a:ext uri="{28A0092B-C50C-407E-A947-70E740481C1C}">
+                <a14:useLocalDpi xmlns:a14="http://schemas.microsoft.com/office/drawing/2010/main" val="0"/>
+              </a:ext>
+            </a:extLst>
+          </a:blip>
+          <a:srcRect/>
+          <a:stretch>
+            <a:fillRect/>
+          </a:stretch>
+        </p:blipFill>
+        <p:spPr bwMode="auto">
+          <a:xfrm>
+            <a:off x="3179427" y="3824402"/>
+            <a:ext cx="4655451" cy="2904331"/>
+          </a:xfrm>
+          <a:prstGeom prst="rect">
+            <a:avLst/>
+          </a:prstGeom>
+          <a:noFill/>
+          <a:extLst>
+            <a:ext uri="{909E8E84-426E-40DD-AFC4-6F175D3DCCD1}">
+              <a14:hiddenFill xmlns:a14="http://schemas.microsoft.com/office/drawing/2010/main">
+                <a:solidFill>
+                  <a:srgbClr val="FFFFFF"/>
+                </a:solidFill>
+              </a14:hiddenFill>
+            </a:ext>
+          </a:extLst>
+        </p:spPr>
+      </p:pic>
+      <p:pic>
+        <p:nvPicPr>
+          <p:cNvPr id="7" name="Picture 6">
+            <a:extLst>
+              <a:ext uri="{FF2B5EF4-FFF2-40B4-BE49-F238E27FC236}">
+                <a16:creationId xmlns:a16="http://schemas.microsoft.com/office/drawing/2014/main" id="{54553376-C459-4153-A1B3-C924247B542A}"/>
+              </a:ext>
+            </a:extLst>
+          </p:cNvPr>
+          <p:cNvPicPr>
+            <a:picLocks noChangeAspect="1"/>
+          </p:cNvPicPr>
+          <p:nvPr/>
+        </p:nvPicPr>
+        <p:blipFill>
+          <a:blip r:embed="rId6"/>
+          <a:stretch>
+            <a:fillRect/>
+          </a:stretch>
+        </p:blipFill>
+        <p:spPr>
+          <a:xfrm>
+            <a:off x="7842381" y="995479"/>
+            <a:ext cx="3941597" cy="2431175"/>
           </a:xfrm>
           <a:prstGeom prst="rect">
             <a:avLst/>
@@ -5227,7 +6472,7 @@
     </p:spTree>
     <p:extLst>
       <p:ext uri="{BB962C8B-B14F-4D97-AF65-F5344CB8AC3E}">
-        <p14:creationId xmlns:p14="http://schemas.microsoft.com/office/powerpoint/2010/main" val="3068476550"/>
+        <p14:creationId xmlns:p14="http://schemas.microsoft.com/office/powerpoint/2010/main" val="1394511912"/>
       </p:ext>
     </p:extLst>
   </p:cSld>
@@ -5259,7 +6504,7 @@
           <p:cNvPr id="3" name="Title 2">
             <a:extLst>
               <a:ext uri="{FF2B5EF4-FFF2-40B4-BE49-F238E27FC236}">
-                <a16:creationId xmlns:a16="http://schemas.microsoft.com/office/drawing/2014/main" id="{7694BA6C-012F-44DF-9552-88801B1009C4}"/>
+                <a16:creationId xmlns:a16="http://schemas.microsoft.com/office/drawing/2014/main" id="{4F15CB84-2703-4DD6-B74B-2DCB669BF44C}"/>
               </a:ext>
             </a:extLst>
           </p:cNvPr>
@@ -5277,7 +6522,7 @@
           <a:p>
             <a:r>
               <a:rPr lang="en-GB" dirty="0"/>
-              <a:t>What we’re doing next</a:t>
+              <a:t>What We Have Done</a:t>
             </a:r>
           </a:p>
         </p:txBody>
@@ -5287,7 +6532,7 @@
           <p:cNvPr id="4" name="Content Placeholder 3">
             <a:extLst>
               <a:ext uri="{FF2B5EF4-FFF2-40B4-BE49-F238E27FC236}">
-                <a16:creationId xmlns:a16="http://schemas.microsoft.com/office/drawing/2014/main" id="{88FC09C5-D29E-4A80-9669-4453C614679F}"/>
+                <a16:creationId xmlns:a16="http://schemas.microsoft.com/office/drawing/2014/main" id="{30DA1BA1-41C3-4A24-BEBE-B2A8CDF3995C}"/>
               </a:ext>
             </a:extLst>
           </p:cNvPr>
@@ -5300,12 +6545,276 @@
         </p:nvSpPr>
         <p:spPr>
           <a:xfrm>
-            <a:off x="0" y="1825625"/>
-            <a:ext cx="10515600" cy="4351338"/>
+            <a:off x="373163" y="998291"/>
+            <a:ext cx="8913450" cy="1493239"/>
           </a:xfrm>
         </p:spPr>
         <p:txBody>
+          <a:bodyPr>
+            <a:normAutofit/>
+          </a:bodyPr>
+          <a:lstStyle/>
+          <a:p>
+            <a:pPr marL="0" indent="0">
+              <a:buNone/>
+            </a:pPr>
+            <a:r>
+              <a:rPr lang="en-GB" sz="3000" dirty="0"/>
+              <a:t>Data needed cleaning</a:t>
+            </a:r>
+          </a:p>
+          <a:p>
+            <a:pPr lvl="1"/>
+            <a:r>
+              <a:rPr lang="en-GB" dirty="0"/>
+              <a:t>Some things classified as rubber gloves, were not rubber at all</a:t>
+            </a:r>
+          </a:p>
+          <a:p>
+            <a:pPr lvl="1"/>
+            <a:r>
+              <a:rPr lang="en-GB" dirty="0"/>
+              <a:t>Some long/</a:t>
+            </a:r>
+            <a:r>
+              <a:rPr lang="en-GB" dirty="0" err="1"/>
+              <a:t>lat</a:t>
+            </a:r>
+            <a:r>
+              <a:rPr lang="en-GB" dirty="0"/>
+              <a:t> positions seemed incorrect</a:t>
+            </a:r>
+          </a:p>
+          <a:p>
+            <a:pPr lvl="1"/>
+            <a:endParaRPr lang="en-GB" dirty="0"/>
+          </a:p>
+          <a:p>
+            <a:pPr marL="0" indent="0">
+              <a:buNone/>
+            </a:pPr>
+            <a:endParaRPr lang="en-GB" dirty="0"/>
+          </a:p>
+          <a:p>
+            <a:pPr marL="0" indent="0">
+              <a:buNone/>
+            </a:pPr>
+            <a:endParaRPr lang="en-GB" dirty="0"/>
+          </a:p>
+          <a:p>
+            <a:pPr lvl="1"/>
+            <a:endParaRPr lang="en-GB" dirty="0"/>
+          </a:p>
+        </p:txBody>
+      </p:sp>
+      <p:pic>
+        <p:nvPicPr>
+          <p:cNvPr id="5" name="Picture 4" descr="A screenshot of a cell phone&#10;&#10;Description automatically generated">
+            <a:extLst>
+              <a:ext uri="{FF2B5EF4-FFF2-40B4-BE49-F238E27FC236}">
+                <a16:creationId xmlns:a16="http://schemas.microsoft.com/office/drawing/2014/main" id="{6D970FCF-106C-48C6-BF85-1A384A0C52A5}"/>
+              </a:ext>
+            </a:extLst>
+          </p:cNvPr>
+          <p:cNvPicPr>
+            <a:picLocks noChangeAspect="1"/>
+          </p:cNvPicPr>
+          <p:nvPr/>
+        </p:nvPicPr>
+        <p:blipFill>
+          <a:blip r:embed="rId3">
+            <a:extLst>
+              <a:ext uri="{28A0092B-C50C-407E-A947-70E740481C1C}">
+                <a14:useLocalDpi xmlns:a14="http://schemas.microsoft.com/office/drawing/2010/main" val="0"/>
+              </a:ext>
+            </a:extLst>
+          </a:blip>
+          <a:stretch>
+            <a:fillRect/>
+          </a:stretch>
+        </p:blipFill>
+        <p:spPr>
+          <a:xfrm>
+            <a:off x="6489511" y="2644943"/>
+            <a:ext cx="5107642" cy="3150391"/>
+          </a:xfrm>
+          <a:prstGeom prst="rect">
+            <a:avLst/>
+          </a:prstGeom>
+        </p:spPr>
+      </p:pic>
+      <p:sp>
+        <p:nvSpPr>
+          <p:cNvPr id="2" name="TextBox 1">
+            <a:extLst>
+              <a:ext uri="{FF2B5EF4-FFF2-40B4-BE49-F238E27FC236}">
+                <a16:creationId xmlns:a16="http://schemas.microsoft.com/office/drawing/2014/main" id="{864989EB-906A-48AA-A7E5-8B5B07673FD7}"/>
+              </a:ext>
+            </a:extLst>
+          </p:cNvPr>
+          <p:cNvSpPr txBox="1"/>
+          <p:nvPr/>
+        </p:nvSpPr>
+        <p:spPr>
+          <a:xfrm>
+            <a:off x="373163" y="3238149"/>
+            <a:ext cx="5952136" cy="2877711"/>
+          </a:xfrm>
+          <a:prstGeom prst="rect">
+            <a:avLst/>
+          </a:prstGeom>
+          <a:noFill/>
+        </p:spPr>
+        <p:txBody>
+          <a:bodyPr wrap="square" rtlCol="0">
+            <a:spAutoFit/>
+          </a:bodyPr>
+          <a:lstStyle/>
+          <a:p>
+            <a:endParaRPr lang="en-GB" dirty="0"/>
+          </a:p>
+          <a:p>
+            <a:r>
+              <a:rPr lang="en-GB" sz="3000" dirty="0"/>
+              <a:t>Found some interesting stories</a:t>
+            </a:r>
+          </a:p>
+          <a:p>
+            <a:endParaRPr lang="en-GB" sz="900" dirty="0"/>
+          </a:p>
+          <a:p>
+            <a:pPr marL="742950" lvl="1" indent="-285750">
+              <a:buFont typeface="Arial" panose="020B0604020202020204" pitchFamily="34" charset="0"/>
+              <a:buChar char="•"/>
+            </a:pPr>
+            <a:r>
+              <a:rPr lang="en-GB" sz="2400" dirty="0"/>
+              <a:t>Cigarette butts decrease over time</a:t>
+            </a:r>
+          </a:p>
+          <a:p>
+            <a:pPr marL="1200150" lvl="2" indent="-285750">
+              <a:buFont typeface="Arial" panose="020B0604020202020204" pitchFamily="34" charset="0"/>
+              <a:buChar char="•"/>
+            </a:pPr>
+            <a:r>
+              <a:rPr lang="en-GB" sz="1600" dirty="0"/>
+              <a:t>Possibly indicative of less smokers or more vaping?</a:t>
+            </a:r>
+          </a:p>
+          <a:p>
+            <a:pPr marL="742950" lvl="1" indent="-285750">
+              <a:buFont typeface="Arial" panose="020B0604020202020204" pitchFamily="34" charset="0"/>
+              <a:buChar char="•"/>
+            </a:pPr>
+            <a:endParaRPr lang="en-GB" dirty="0"/>
+          </a:p>
+          <a:p>
+            <a:pPr marL="742950" lvl="1" indent="-285750">
+              <a:buFont typeface="Arial" panose="020B0604020202020204" pitchFamily="34" charset="0"/>
+              <a:buChar char="•"/>
+            </a:pPr>
+            <a:r>
+              <a:rPr lang="en-GB" sz="2400" dirty="0"/>
+              <a:t>Fireworks are collected most in July and in North America </a:t>
+            </a:r>
+          </a:p>
+          <a:p>
+            <a:pPr marL="1200150" lvl="2" indent="-285750">
+              <a:buFont typeface="Arial" panose="020B0604020202020204" pitchFamily="34" charset="0"/>
+              <a:buChar char="•"/>
+            </a:pPr>
+            <a:r>
+              <a:rPr lang="en-GB" dirty="0"/>
+              <a:t>Possibly indicative of 4 July celebrations?</a:t>
+            </a:r>
+          </a:p>
+        </p:txBody>
+      </p:sp>
+    </p:spTree>
+    <p:extLst>
+      <p:ext uri="{BB962C8B-B14F-4D97-AF65-F5344CB8AC3E}">
+        <p14:creationId xmlns:p14="http://schemas.microsoft.com/office/powerpoint/2010/main" val="3068476550"/>
+      </p:ext>
+    </p:extLst>
+  </p:cSld>
+  <p:clrMapOvr>
+    <a:masterClrMapping/>
+  </p:clrMapOvr>
+</p:sld>
+</file>
+
+<file path=ppt/slides/slide6.xml><?xml version="1.0" encoding="utf-8"?>
+<p:sld xmlns:a="http://schemas.openxmlformats.org/drawingml/2006/main" xmlns:r="http://schemas.openxmlformats.org/officeDocument/2006/relationships" xmlns:p="http://schemas.openxmlformats.org/presentationml/2006/main">
+  <p:cSld>
+    <p:spTree>
+      <p:nvGrpSpPr>
+        <p:cNvPr id="1" name=""/>
+        <p:cNvGrpSpPr/>
+        <p:nvPr/>
+      </p:nvGrpSpPr>
+      <p:grpSpPr>
+        <a:xfrm>
+          <a:off x="0" y="0"/>
+          <a:ext cx="0" cy="0"/>
+          <a:chOff x="0" y="0"/>
+          <a:chExt cx="0" cy="0"/>
+        </a:xfrm>
+      </p:grpSpPr>
+      <p:sp>
+        <p:nvSpPr>
+          <p:cNvPr id="3" name="Title 2">
+            <a:extLst>
+              <a:ext uri="{FF2B5EF4-FFF2-40B4-BE49-F238E27FC236}">
+                <a16:creationId xmlns:a16="http://schemas.microsoft.com/office/drawing/2014/main" id="{7694BA6C-012F-44DF-9552-88801B1009C4}"/>
+              </a:ext>
+            </a:extLst>
+          </p:cNvPr>
+          <p:cNvSpPr>
+            <a:spLocks noGrp="1"/>
+          </p:cNvSpPr>
+          <p:nvPr>
+            <p:ph type="title"/>
+          </p:nvPr>
+        </p:nvSpPr>
+        <p:spPr/>
+        <p:txBody>
           <a:bodyPr/>
+          <a:lstStyle/>
+          <a:p>
+            <a:r>
+              <a:rPr lang="en-GB" dirty="0"/>
+              <a:t>What We Are Doing Next</a:t>
+            </a:r>
+          </a:p>
+        </p:txBody>
+      </p:sp>
+      <p:sp>
+        <p:nvSpPr>
+          <p:cNvPr id="4" name="Content Placeholder 3">
+            <a:extLst>
+              <a:ext uri="{FF2B5EF4-FFF2-40B4-BE49-F238E27FC236}">
+                <a16:creationId xmlns:a16="http://schemas.microsoft.com/office/drawing/2014/main" id="{88FC09C5-D29E-4A80-9669-4453C614679F}"/>
+              </a:ext>
+            </a:extLst>
+          </p:cNvPr>
+          <p:cNvSpPr>
+            <a:spLocks noGrp="1"/>
+          </p:cNvSpPr>
+          <p:nvPr>
+            <p:ph idx="4294967295"/>
+          </p:nvPr>
+        </p:nvSpPr>
+        <p:spPr>
+          <a:xfrm>
+            <a:off x="360727" y="1400960"/>
+            <a:ext cx="10515600" cy="4910227"/>
+          </a:xfrm>
+        </p:spPr>
+        <p:txBody>
+          <a:bodyPr>
+            <a:normAutofit/>
+          </a:bodyPr>
           <a:lstStyle/>
           <a:p>
             <a:r>
@@ -5317,64 +6826,70 @@
             <a:pPr lvl="1"/>
             <a:r>
               <a:rPr lang="en-GB" dirty="0"/>
-              <a:t>Event driven pollution</a:t>
+              <a:t>Event driven pollution </a:t>
             </a:r>
           </a:p>
           <a:p>
             <a:pPr lvl="2"/>
             <a:r>
+              <a:rPr lang="en-GB" sz="1800" dirty="0"/>
+              <a:t>(e.g. fireworks after 4</a:t>
+            </a:r>
+            <a:r>
+              <a:rPr lang="en-GB" sz="1800" baseline="30000" dirty="0"/>
+              <a:t>th</a:t>
+            </a:r>
+            <a:r>
+              <a:rPr lang="en-GB" sz="1800" dirty="0"/>
+              <a:t> July?)</a:t>
+            </a:r>
+          </a:p>
+          <a:p>
+            <a:pPr lvl="1"/>
+            <a:r>
               <a:rPr lang="en-GB" dirty="0"/>
-              <a:t>e.g. fireworks after 4</a:t>
-            </a:r>
-            <a:r>
-              <a:rPr lang="en-GB" baseline="30000" dirty="0"/>
-              <a:t>th</a:t>
-            </a:r>
+              <a:t>Location driven pollution </a:t>
+            </a:r>
+          </a:p>
+          <a:p>
+            <a:pPr lvl="2"/>
+            <a:r>
+              <a:rPr lang="en-GB" sz="1800" dirty="0"/>
+              <a:t>(e.g. are fireworks recorded in North America and no where else?)</a:t>
+            </a:r>
+          </a:p>
+          <a:p>
+            <a:pPr lvl="1"/>
             <a:r>
               <a:rPr lang="en-GB" dirty="0"/>
-              <a:t> July</a:t>
+              <a:t>Item pairing </a:t>
+            </a:r>
+          </a:p>
+          <a:p>
+            <a:pPr lvl="2"/>
+            <a:r>
+              <a:rPr lang="en-GB" sz="1800" dirty="0"/>
+              <a:t>(e.g. are 6-pack beer rings observed at the same time as fireworks? )</a:t>
             </a:r>
           </a:p>
           <a:p>
             <a:pPr lvl="1"/>
+            <a:endParaRPr lang="en-GB" dirty="0"/>
+          </a:p>
+          <a:p>
             <a:r>
               <a:rPr lang="en-GB" dirty="0"/>
-              <a:t>Location driven pollution</a:t>
-            </a:r>
-          </a:p>
-          <a:p>
-            <a:pPr lvl="2"/>
+              <a:t>Building a model to predict the proportion of plastics given Month and Location</a:t>
+            </a:r>
+          </a:p>
+          <a:p>
+            <a:pPr lvl="1"/>
+            <a:endParaRPr lang="en-GB" dirty="0"/>
+          </a:p>
+          <a:p>
             <a:r>
               <a:rPr lang="en-GB" dirty="0"/>
-              <a:t>e.g. fireworks recorded in North America and no where else</a:t>
-            </a:r>
-          </a:p>
-          <a:p>
-            <a:pPr lvl="1"/>
-            <a:r>
-              <a:rPr lang="en-GB" dirty="0"/>
-              <a:t>Item-pairing</a:t>
-            </a:r>
-          </a:p>
-          <a:p>
-            <a:pPr lvl="2"/>
-            <a:r>
-              <a:rPr lang="en-GB" dirty="0"/>
-              <a:t>E.g. </a:t>
-            </a:r>
-          </a:p>
-          <a:p>
-            <a:pPr lvl="1"/>
-            <a:r>
-              <a:rPr lang="en-GB" dirty="0"/>
-              <a:t>Building a model to predict…</a:t>
-            </a:r>
-          </a:p>
-          <a:p>
-            <a:pPr lvl="1"/>
-            <a:r>
-              <a:rPr lang="en-GB" dirty="0"/>
-              <a:t>Time Series?</a:t>
+              <a:t>A lot of writing, reviewing and editing…</a:t>
             </a:r>
           </a:p>
           <a:p>

--- a/Group2Presentation.pptx
+++ b/Group2Presentation.pptx
@@ -130,366 +130,6 @@
     <p1510:client id="{CC92DE7A-9D2C-4D69-A667-C51CA7EA785A}" v="56" dt="2020-03-11T10:27:18.077"/>
   </p1510:revLst>
 </p1510:revInfo>
-</file>
-
-<file path=ppt/changesInfos/changesInfo1.xml><?xml version="1.0" encoding="utf-8"?>
-<pc:chgInfo xmlns:a="http://schemas.openxmlformats.org/drawingml/2006/main" xmlns:r="http://schemas.openxmlformats.org/officeDocument/2006/relationships" xmlns:ac="http://schemas.microsoft.com/office/drawing/2013/main/command" xmlns:pc="http://schemas.microsoft.com/office/powerpoint/2013/main/command">
-  <pc:docChgLst>
-    <pc:chgData name="Karen Jewell" userId="b7e4705127bdb922" providerId="LiveId" clId="{1840FA6E-9C21-4BA4-B2C3-0E6792871DF7}"/>
-    <pc:docChg chg="undo custSel modSld modNotesMaster">
-      <pc:chgData name="Karen Jewell" userId="b7e4705127bdb922" providerId="LiveId" clId="{1840FA6E-9C21-4BA4-B2C3-0E6792871DF7}" dt="2020-03-11T22:12:58.529" v="3460" actId="20577"/>
-      <pc:docMkLst>
-        <pc:docMk/>
-      </pc:docMkLst>
-      <pc:sldChg chg="modSp mod modNotes">
-        <pc:chgData name="Karen Jewell" userId="b7e4705127bdb922" providerId="LiveId" clId="{1840FA6E-9C21-4BA4-B2C3-0E6792871DF7}" dt="2020-03-11T21:52:43.952" v="3232" actId="20577"/>
-        <pc:sldMkLst>
-          <pc:docMk/>
-          <pc:sldMk cId="384181669" sldId="256"/>
-        </pc:sldMkLst>
-        <pc:spChg chg="mod">
-          <ac:chgData name="Karen Jewell" userId="b7e4705127bdb922" providerId="LiveId" clId="{1840FA6E-9C21-4BA4-B2C3-0E6792871DF7}" dt="2020-03-11T20:58:38.227" v="5" actId="27636"/>
-          <ac:spMkLst>
-            <pc:docMk/>
-            <pc:sldMk cId="384181669" sldId="256"/>
-            <ac:spMk id="6" creationId="{C466A2C0-3FFD-4FB3-A424-88F91CD4C7D4}"/>
-          </ac:spMkLst>
-        </pc:spChg>
-      </pc:sldChg>
-      <pc:sldChg chg="addSp delSp modSp mod modNotes">
-        <pc:chgData name="Karen Jewell" userId="b7e4705127bdb922" providerId="LiveId" clId="{1840FA6E-9C21-4BA4-B2C3-0E6792871DF7}" dt="2020-03-11T22:08:59.419" v="3418" actId="20577"/>
-        <pc:sldMkLst>
-          <pc:docMk/>
-          <pc:sldMk cId="1946918776" sldId="257"/>
-        </pc:sldMkLst>
-        <pc:spChg chg="mod">
-          <ac:chgData name="Karen Jewell" userId="b7e4705127bdb922" providerId="LiveId" clId="{1840FA6E-9C21-4BA4-B2C3-0E6792871DF7}" dt="2020-03-11T21:54:03.471" v="3255" actId="1036"/>
-          <ac:spMkLst>
-            <pc:docMk/>
-            <pc:sldMk cId="1946918776" sldId="257"/>
-            <ac:spMk id="2" creationId="{D66CE07B-3D60-4812-8DAA-D3B34373B3A3}"/>
-          </ac:spMkLst>
-        </pc:spChg>
-        <pc:spChg chg="mod">
-          <ac:chgData name="Karen Jewell" userId="b7e4705127bdb922" providerId="LiveId" clId="{1840FA6E-9C21-4BA4-B2C3-0E6792871DF7}" dt="2020-03-11T22:08:38.998" v="3412" actId="404"/>
-          <ac:spMkLst>
-            <pc:docMk/>
-            <pc:sldMk cId="1946918776" sldId="257"/>
-            <ac:spMk id="4" creationId="{2550E1A1-20D5-4BBD-8DEE-C3BE0D6EB901}"/>
-          </ac:spMkLst>
-        </pc:spChg>
-        <pc:spChg chg="mod">
-          <ac:chgData name="Karen Jewell" userId="b7e4705127bdb922" providerId="LiveId" clId="{1840FA6E-9C21-4BA4-B2C3-0E6792871DF7}" dt="2020-03-11T22:08:59.419" v="3418" actId="20577"/>
-          <ac:spMkLst>
-            <pc:docMk/>
-            <pc:sldMk cId="1946918776" sldId="257"/>
-            <ac:spMk id="6" creationId="{F9DB6E81-039D-40D2-BD70-1ADDF832A6DC}"/>
-          </ac:spMkLst>
-        </pc:spChg>
-        <pc:spChg chg="mod">
-          <ac:chgData name="Karen Jewell" userId="b7e4705127bdb922" providerId="LiveId" clId="{1840FA6E-9C21-4BA4-B2C3-0E6792871DF7}" dt="2020-03-11T21:34:02.503" v="841" actId="1076"/>
-          <ac:spMkLst>
-            <pc:docMk/>
-            <pc:sldMk cId="1946918776" sldId="257"/>
-            <ac:spMk id="7" creationId="{AFBE93F2-C626-407D-8A4D-42AE7BF98ACF}"/>
-          </ac:spMkLst>
-        </pc:spChg>
-        <pc:spChg chg="mod">
-          <ac:chgData name="Karen Jewell" userId="b7e4705127bdb922" providerId="LiveId" clId="{1840FA6E-9C21-4BA4-B2C3-0E6792871DF7}" dt="2020-03-11T21:06:19.698" v="129" actId="164"/>
-          <ac:spMkLst>
-            <pc:docMk/>
-            <pc:sldMk cId="1946918776" sldId="257"/>
-            <ac:spMk id="11" creationId="{F8062AD1-F338-4778-9518-4B5189CF7B68}"/>
-          </ac:spMkLst>
-        </pc:spChg>
-        <pc:spChg chg="mod">
-          <ac:chgData name="Karen Jewell" userId="b7e4705127bdb922" providerId="LiveId" clId="{1840FA6E-9C21-4BA4-B2C3-0E6792871DF7}" dt="2020-03-11T21:06:14.060" v="128" actId="164"/>
-          <ac:spMkLst>
-            <pc:docMk/>
-            <pc:sldMk cId="1946918776" sldId="257"/>
-            <ac:spMk id="12" creationId="{A86D7F3B-EF25-40C9-8CCD-2C08DF6EB5C2}"/>
-          </ac:spMkLst>
-        </pc:spChg>
-        <pc:grpChg chg="add del mod">
-          <ac:chgData name="Karen Jewell" userId="b7e4705127bdb922" providerId="LiveId" clId="{1840FA6E-9C21-4BA4-B2C3-0E6792871DF7}" dt="2020-03-11T21:32:45.625" v="829" actId="478"/>
-          <ac:grpSpMkLst>
-            <pc:docMk/>
-            <pc:sldMk cId="1946918776" sldId="257"/>
-            <ac:grpSpMk id="14" creationId="{FC0D09EB-AD7C-4E2B-9642-59A434251AD8}"/>
-          </ac:grpSpMkLst>
-        </pc:grpChg>
-        <pc:grpChg chg="add mod">
-          <ac:chgData name="Karen Jewell" userId="b7e4705127bdb922" providerId="LiveId" clId="{1840FA6E-9C21-4BA4-B2C3-0E6792871DF7}" dt="2020-03-11T21:33:42.592" v="840" actId="1076"/>
-          <ac:grpSpMkLst>
-            <pc:docMk/>
-            <pc:sldMk cId="1946918776" sldId="257"/>
-            <ac:grpSpMk id="15" creationId="{8A8C5E00-7C23-4C2C-A19E-8A307DA7A538}"/>
-          </ac:grpSpMkLst>
-        </pc:grpChg>
-        <pc:grpChg chg="add mod">
-          <ac:chgData name="Karen Jewell" userId="b7e4705127bdb922" providerId="LiveId" clId="{1840FA6E-9C21-4BA4-B2C3-0E6792871DF7}" dt="2020-03-11T21:33:42.592" v="840" actId="1076"/>
-          <ac:grpSpMkLst>
-            <pc:docMk/>
-            <pc:sldMk cId="1946918776" sldId="257"/>
-            <ac:grpSpMk id="16" creationId="{B3C3333D-BE5A-4095-8F87-30A5E6CEEF0F}"/>
-          </ac:grpSpMkLst>
-        </pc:grpChg>
-        <pc:picChg chg="add mod">
-          <ac:chgData name="Karen Jewell" userId="b7e4705127bdb922" providerId="LiveId" clId="{1840FA6E-9C21-4BA4-B2C3-0E6792871DF7}" dt="2020-03-11T21:04:49.988" v="122" actId="164"/>
-          <ac:picMkLst>
-            <pc:docMk/>
-            <pc:sldMk cId="1946918776" sldId="257"/>
-            <ac:picMk id="5" creationId="{33F82477-04F4-45DC-8F46-CAD033764EF4}"/>
-          </ac:picMkLst>
-        </pc:picChg>
-        <pc:picChg chg="mod">
-          <ac:chgData name="Karen Jewell" userId="b7e4705127bdb922" providerId="LiveId" clId="{1840FA6E-9C21-4BA4-B2C3-0E6792871DF7}" dt="2020-03-11T21:53:58.789" v="3252" actId="1035"/>
-          <ac:picMkLst>
-            <pc:docMk/>
-            <pc:sldMk cId="1946918776" sldId="257"/>
-            <ac:picMk id="8" creationId="{74F3FD83-5FB1-4368-82C6-16DD6B926E8E}"/>
-          </ac:picMkLst>
-        </pc:picChg>
-        <pc:picChg chg="mod">
-          <ac:chgData name="Karen Jewell" userId="b7e4705127bdb922" providerId="LiveId" clId="{1840FA6E-9C21-4BA4-B2C3-0E6792871DF7}" dt="2020-03-11T21:06:14.060" v="128" actId="164"/>
-          <ac:picMkLst>
-            <pc:docMk/>
-            <pc:sldMk cId="1946918776" sldId="257"/>
-            <ac:picMk id="9" creationId="{5F53285F-DFD5-4BB9-9593-0317E8BBDBFD}"/>
-          </ac:picMkLst>
-        </pc:picChg>
-        <pc:picChg chg="mod">
-          <ac:chgData name="Karen Jewell" userId="b7e4705127bdb922" providerId="LiveId" clId="{1840FA6E-9C21-4BA4-B2C3-0E6792871DF7}" dt="2020-03-11T21:06:19.698" v="129" actId="164"/>
-          <ac:picMkLst>
-            <pc:docMk/>
-            <pc:sldMk cId="1946918776" sldId="257"/>
-            <ac:picMk id="10" creationId="{86E857DF-2337-4F71-AEA9-16BDFB4F81B4}"/>
-          </ac:picMkLst>
-        </pc:picChg>
-        <pc:picChg chg="add mod">
-          <ac:chgData name="Karen Jewell" userId="b7e4705127bdb922" providerId="LiveId" clId="{1840FA6E-9C21-4BA4-B2C3-0E6792871DF7}" dt="2020-03-11T21:04:49.988" v="122" actId="164"/>
-          <ac:picMkLst>
-            <pc:docMk/>
-            <pc:sldMk cId="1946918776" sldId="257"/>
-            <ac:picMk id="13" creationId="{A78B25E1-608C-4FE0-8DD0-5A480DB0FFAF}"/>
-          </ac:picMkLst>
-        </pc:picChg>
-      </pc:sldChg>
-      <pc:sldChg chg="modSp mod modNotes">
-        <pc:chgData name="Karen Jewell" userId="b7e4705127bdb922" providerId="LiveId" clId="{1840FA6E-9C21-4BA4-B2C3-0E6792871DF7}" dt="2020-03-11T22:12:58.529" v="3460" actId="20577"/>
-        <pc:sldMkLst>
-          <pc:docMk/>
-          <pc:sldMk cId="1394511912" sldId="258"/>
-        </pc:sldMkLst>
-        <pc:spChg chg="mod">
-          <ac:chgData name="Karen Jewell" userId="b7e4705127bdb922" providerId="LiveId" clId="{1840FA6E-9C21-4BA4-B2C3-0E6792871DF7}" dt="2020-03-11T22:12:58.529" v="3460" actId="20577"/>
-          <ac:spMkLst>
-            <pc:docMk/>
-            <pc:sldMk cId="1394511912" sldId="258"/>
-            <ac:spMk id="4" creationId="{A7E00B22-6E76-4776-8880-0C773DA469B9}"/>
-          </ac:spMkLst>
-        </pc:spChg>
-        <pc:picChg chg="mod modCrop">
-          <ac:chgData name="Karen Jewell" userId="b7e4705127bdb922" providerId="LiveId" clId="{1840FA6E-9C21-4BA4-B2C3-0E6792871DF7}" dt="2020-03-11T22:12:58.279" v="3459" actId="1076"/>
-          <ac:picMkLst>
-            <pc:docMk/>
-            <pc:sldMk cId="1394511912" sldId="258"/>
-            <ac:picMk id="5" creationId="{D9608F30-4868-4CD1-9506-4C1B6D1BB464}"/>
-          </ac:picMkLst>
-        </pc:picChg>
-        <pc:picChg chg="mod">
-          <ac:chgData name="Karen Jewell" userId="b7e4705127bdb922" providerId="LiveId" clId="{1840FA6E-9C21-4BA4-B2C3-0E6792871DF7}" dt="2020-03-11T21:32:21.680" v="826" actId="1038"/>
-          <ac:picMkLst>
-            <pc:docMk/>
-            <pc:sldMk cId="1394511912" sldId="258"/>
-            <ac:picMk id="7" creationId="{54553376-C459-4153-A1B3-C924247B542A}"/>
-          </ac:picMkLst>
-        </pc:picChg>
-        <pc:picChg chg="mod">
-          <ac:chgData name="Karen Jewell" userId="b7e4705127bdb922" providerId="LiveId" clId="{1840FA6E-9C21-4BA4-B2C3-0E6792871DF7}" dt="2020-03-11T22:12:58.144" v="3458" actId="1076"/>
-          <ac:picMkLst>
-            <pc:docMk/>
-            <pc:sldMk cId="1394511912" sldId="258"/>
-            <ac:picMk id="8" creationId="{73434485-2054-4C2A-8549-A2A2A77A6FD3}"/>
-          </ac:picMkLst>
-        </pc:picChg>
-      </pc:sldChg>
-      <pc:sldChg chg="addSp modSp mod modNotes">
-        <pc:chgData name="Karen Jewell" userId="b7e4705127bdb922" providerId="LiveId" clId="{1840FA6E-9C21-4BA4-B2C3-0E6792871DF7}" dt="2020-03-11T22:04:36.163" v="3406" actId="1076"/>
-        <pc:sldMkLst>
-          <pc:docMk/>
-          <pc:sldMk cId="3068476550" sldId="259"/>
-        </pc:sldMkLst>
-        <pc:spChg chg="add mod">
-          <ac:chgData name="Karen Jewell" userId="b7e4705127bdb922" providerId="LiveId" clId="{1840FA6E-9C21-4BA4-B2C3-0E6792871DF7}" dt="2020-03-11T22:04:26.115" v="3405" actId="14100"/>
-          <ac:spMkLst>
-            <pc:docMk/>
-            <pc:sldMk cId="3068476550" sldId="259"/>
-            <ac:spMk id="2" creationId="{864989EB-906A-48AA-A7E5-8B5B07673FD7}"/>
-          </ac:spMkLst>
-        </pc:spChg>
-        <pc:spChg chg="mod">
-          <ac:chgData name="Karen Jewell" userId="b7e4705127bdb922" providerId="LiveId" clId="{1840FA6E-9C21-4BA4-B2C3-0E6792871DF7}" dt="2020-03-11T21:27:52.896" v="706" actId="20577"/>
-          <ac:spMkLst>
-            <pc:docMk/>
-            <pc:sldMk cId="3068476550" sldId="259"/>
-            <ac:spMk id="3" creationId="{4F15CB84-2703-4DD6-B74B-2DCB669BF44C}"/>
-          </ac:spMkLst>
-        </pc:spChg>
-        <pc:spChg chg="mod">
-          <ac:chgData name="Karen Jewell" userId="b7e4705127bdb922" providerId="LiveId" clId="{1840FA6E-9C21-4BA4-B2C3-0E6792871DF7}" dt="2020-03-11T22:03:15.350" v="3389" actId="14100"/>
-          <ac:spMkLst>
-            <pc:docMk/>
-            <pc:sldMk cId="3068476550" sldId="259"/>
-            <ac:spMk id="4" creationId="{30DA1BA1-41C3-4A24-BEBE-B2A8CDF3995C}"/>
-          </ac:spMkLst>
-        </pc:spChg>
-        <pc:picChg chg="mod">
-          <ac:chgData name="Karen Jewell" userId="b7e4705127bdb922" providerId="LiveId" clId="{1840FA6E-9C21-4BA4-B2C3-0E6792871DF7}" dt="2020-03-11T22:04:36.163" v="3406" actId="1076"/>
-          <ac:picMkLst>
-            <pc:docMk/>
-            <pc:sldMk cId="3068476550" sldId="259"/>
-            <ac:picMk id="5" creationId="{6D970FCF-106C-48C6-BF85-1A384A0C52A5}"/>
-          </ac:picMkLst>
-        </pc:picChg>
-      </pc:sldChg>
-      <pc:sldChg chg="modSp mod">
-        <pc:chgData name="Karen Jewell" userId="b7e4705127bdb922" providerId="LiveId" clId="{1840FA6E-9C21-4BA4-B2C3-0E6792871DF7}" dt="2020-03-11T22:08:07.033" v="3411" actId="20577"/>
-        <pc:sldMkLst>
-          <pc:docMk/>
-          <pc:sldMk cId="4169300532" sldId="260"/>
-        </pc:sldMkLst>
-        <pc:spChg chg="mod">
-          <ac:chgData name="Karen Jewell" userId="b7e4705127bdb922" providerId="LiveId" clId="{1840FA6E-9C21-4BA4-B2C3-0E6792871DF7}" dt="2020-03-11T21:27:57.220" v="709" actId="20577"/>
-          <ac:spMkLst>
-            <pc:docMk/>
-            <pc:sldMk cId="4169300532" sldId="260"/>
-            <ac:spMk id="3" creationId="{7694BA6C-012F-44DF-9552-88801B1009C4}"/>
-          </ac:spMkLst>
-        </pc:spChg>
-        <pc:spChg chg="mod">
-          <ac:chgData name="Karen Jewell" userId="b7e4705127bdb922" providerId="LiveId" clId="{1840FA6E-9C21-4BA4-B2C3-0E6792871DF7}" dt="2020-03-11T22:08:07.033" v="3411" actId="20577"/>
-          <ac:spMkLst>
-            <pc:docMk/>
-            <pc:sldMk cId="4169300532" sldId="260"/>
-            <ac:spMk id="4" creationId="{88FC09C5-D29E-4A80-9669-4453C614679F}"/>
-          </ac:spMkLst>
-        </pc:spChg>
-      </pc:sldChg>
-      <pc:sldChg chg="addSp delSp modSp mod modNotes">
-        <pc:chgData name="Karen Jewell" userId="b7e4705127bdb922" providerId="LiveId" clId="{1840FA6E-9C21-4BA4-B2C3-0E6792871DF7}" dt="2020-03-11T22:06:21.004" v="3410" actId="20577"/>
-        <pc:sldMkLst>
-          <pc:docMk/>
-          <pc:sldMk cId="4018449856" sldId="261"/>
-        </pc:sldMkLst>
-        <pc:spChg chg="add mod">
-          <ac:chgData name="Karen Jewell" userId="b7e4705127bdb922" providerId="LiveId" clId="{1840FA6E-9C21-4BA4-B2C3-0E6792871DF7}" dt="2020-03-11T21:13:53.011" v="428" actId="164"/>
-          <ac:spMkLst>
-            <pc:docMk/>
-            <pc:sldMk cId="4018449856" sldId="261"/>
-            <ac:spMk id="2" creationId="{84C25BEF-016F-43D8-B6A9-F5C29CEF17F4}"/>
-          </ac:spMkLst>
-        </pc:spChg>
-        <pc:spChg chg="add mod">
-          <ac:chgData name="Karen Jewell" userId="b7e4705127bdb922" providerId="LiveId" clId="{1840FA6E-9C21-4BA4-B2C3-0E6792871DF7}" dt="2020-03-11T22:01:51.464" v="3363" actId="1036"/>
-          <ac:spMkLst>
-            <pc:docMk/>
-            <pc:sldMk cId="4018449856" sldId="261"/>
-            <ac:spMk id="3" creationId="{4CADFD5C-BCFD-42E5-B462-63F31211EAA2}"/>
-          </ac:spMkLst>
-        </pc:spChg>
-        <pc:spChg chg="mod">
-          <ac:chgData name="Karen Jewell" userId="b7e4705127bdb922" providerId="LiveId" clId="{1840FA6E-9C21-4BA4-B2C3-0E6792871DF7}" dt="2020-03-11T21:13:31.155" v="425" actId="1076"/>
-          <ac:spMkLst>
-            <pc:docMk/>
-            <pc:sldMk cId="4018449856" sldId="261"/>
-            <ac:spMk id="5" creationId="{56E6FC7F-887F-4D03-B57A-11B447687EBA}"/>
-          </ac:spMkLst>
-        </pc:spChg>
-        <pc:spChg chg="mod">
-          <ac:chgData name="Karen Jewell" userId="b7e4705127bdb922" providerId="LiveId" clId="{1840FA6E-9C21-4BA4-B2C3-0E6792871DF7}" dt="2020-03-11T21:16:30.461" v="549" actId="1076"/>
-          <ac:spMkLst>
-            <pc:docMk/>
-            <pc:sldMk cId="4018449856" sldId="261"/>
-            <ac:spMk id="6" creationId="{C466A2C0-3FFD-4FB3-A424-88F91CD4C7D4}"/>
-          </ac:spMkLst>
-        </pc:spChg>
-        <pc:spChg chg="mod">
-          <ac:chgData name="Karen Jewell" userId="b7e4705127bdb922" providerId="LiveId" clId="{1840FA6E-9C21-4BA4-B2C3-0E6792871DF7}" dt="2020-03-11T21:14:17.260" v="434" actId="164"/>
-          <ac:spMkLst>
-            <pc:docMk/>
-            <pc:sldMk cId="4018449856" sldId="261"/>
-            <ac:spMk id="7" creationId="{FAC86966-E9AF-4054-A2F3-BD02BE5B725D}"/>
-          </ac:spMkLst>
-        </pc:spChg>
-        <pc:spChg chg="add del mod">
-          <ac:chgData name="Karen Jewell" userId="b7e4705127bdb922" providerId="LiveId" clId="{1840FA6E-9C21-4BA4-B2C3-0E6792871DF7}" dt="2020-03-11T22:01:23.665" v="3338"/>
-          <ac:spMkLst>
-            <pc:docMk/>
-            <pc:sldMk cId="4018449856" sldId="261"/>
-            <ac:spMk id="14" creationId="{FD5C18E3-D6F4-420C-885D-CAA5A9C27FD8}"/>
-          </ac:spMkLst>
-        </pc:spChg>
-        <pc:grpChg chg="add mod">
-          <ac:chgData name="Karen Jewell" userId="b7e4705127bdb922" providerId="LiveId" clId="{1840FA6E-9C21-4BA4-B2C3-0E6792871DF7}" dt="2020-03-11T21:15:12.372" v="445" actId="1076"/>
-          <ac:grpSpMkLst>
-            <pc:docMk/>
-            <pc:sldMk cId="4018449856" sldId="261"/>
-            <ac:grpSpMk id="9" creationId="{A6474493-D926-45EA-97FF-DD1BD9D9F1B9}"/>
-          </ac:grpSpMkLst>
-        </pc:grpChg>
-        <pc:grpChg chg="add mod">
-          <ac:chgData name="Karen Jewell" userId="b7e4705127bdb922" providerId="LiveId" clId="{1840FA6E-9C21-4BA4-B2C3-0E6792871DF7}" dt="2020-03-11T22:01:32.400" v="3355" actId="1036"/>
-          <ac:grpSpMkLst>
-            <pc:docMk/>
-            <pc:sldMk cId="4018449856" sldId="261"/>
-            <ac:grpSpMk id="10" creationId="{012FDD0E-8584-424C-A3E0-4216341ADE50}"/>
-          </ac:grpSpMkLst>
-        </pc:grpChg>
-        <pc:grpChg chg="add del mod">
-          <ac:chgData name="Karen Jewell" userId="b7e4705127bdb922" providerId="LiveId" clId="{1840FA6E-9C21-4BA4-B2C3-0E6792871DF7}" dt="2020-03-11T21:20:02.744" v="561" actId="165"/>
-          <ac:grpSpMkLst>
-            <pc:docMk/>
-            <pc:sldMk cId="4018449856" sldId="261"/>
-            <ac:grpSpMk id="13" creationId="{D968E0C0-0E08-4E94-BF21-202739FA9C14}"/>
-          </ac:grpSpMkLst>
-        </pc:grpChg>
-        <pc:picChg chg="mod">
-          <ac:chgData name="Karen Jewell" userId="b7e4705127bdb922" providerId="LiveId" clId="{1840FA6E-9C21-4BA4-B2C3-0E6792871DF7}" dt="2020-03-11T21:14:17.260" v="434" actId="164"/>
-          <ac:picMkLst>
-            <pc:docMk/>
-            <pc:sldMk cId="4018449856" sldId="261"/>
-            <ac:picMk id="4" creationId="{F55B9734-E8EE-48E3-ADD2-D83F83372E8F}"/>
-          </ac:picMkLst>
-        </pc:picChg>
-        <pc:picChg chg="add mod">
-          <ac:chgData name="Karen Jewell" userId="b7e4705127bdb922" providerId="LiveId" clId="{1840FA6E-9C21-4BA4-B2C3-0E6792871DF7}" dt="2020-03-11T21:15:06.591" v="444" actId="1076"/>
-          <ac:picMkLst>
-            <pc:docMk/>
-            <pc:sldMk cId="4018449856" sldId="261"/>
-            <ac:picMk id="8" creationId="{31342A9C-1C05-43B8-8913-E59F82D8A701}"/>
-          </ac:picMkLst>
-        </pc:picChg>
-        <pc:picChg chg="add del mod topLvl">
-          <ac:chgData name="Karen Jewell" userId="b7e4705127bdb922" providerId="LiveId" clId="{1840FA6E-9C21-4BA4-B2C3-0E6792871DF7}" dt="2020-03-11T21:20:06.490" v="562" actId="478"/>
-          <ac:picMkLst>
-            <pc:docMk/>
-            <pc:sldMk cId="4018449856" sldId="261"/>
-            <ac:picMk id="11" creationId="{DDF19898-F7AD-4C3F-BDB4-DE7A49DA5419}"/>
-          </ac:picMkLst>
-        </pc:picChg>
-        <pc:picChg chg="add del mod topLvl modCrop">
-          <ac:chgData name="Karen Jewell" userId="b7e4705127bdb922" providerId="LiveId" clId="{1840FA6E-9C21-4BA4-B2C3-0E6792871DF7}" dt="2020-03-11T21:20:53.923" v="565" actId="478"/>
-          <ac:picMkLst>
-            <pc:docMk/>
-            <pc:sldMk cId="4018449856" sldId="261"/>
-            <ac:picMk id="12" creationId="{987E2A3C-278A-4BE5-A417-8FFFAC392154}"/>
-          </ac:picMkLst>
-        </pc:picChg>
-      </pc:sldChg>
-    </pc:docChg>
-  </pc:docChgLst>
-</pc:chgInfo>
 </file>
 
 <file path=ppt/notesMasters/notesMaster1.xml><?xml version="1.0" encoding="utf-8"?>
@@ -6394,53 +6034,6 @@
       </p:pic>
       <p:pic>
         <p:nvPicPr>
-          <p:cNvPr id="8" name="Picture 2">
-            <a:extLst>
-              <a:ext uri="{FF2B5EF4-FFF2-40B4-BE49-F238E27FC236}">
-                <a16:creationId xmlns:a16="http://schemas.microsoft.com/office/drawing/2014/main" id="{73434485-2054-4C2A-8549-A2A2A77A6FD3}"/>
-              </a:ext>
-            </a:extLst>
-          </p:cNvPr>
-          <p:cNvPicPr>
-            <a:picLocks noChangeAspect="1" noChangeArrowheads="1"/>
-          </p:cNvPicPr>
-          <p:nvPr/>
-        </p:nvPicPr>
-        <p:blipFill>
-          <a:blip r:embed="rId5">
-            <a:extLst>
-              <a:ext uri="{28A0092B-C50C-407E-A947-70E740481C1C}">
-                <a14:useLocalDpi xmlns:a14="http://schemas.microsoft.com/office/drawing/2010/main" val="0"/>
-              </a:ext>
-            </a:extLst>
-          </a:blip>
-          <a:srcRect/>
-          <a:stretch>
-            <a:fillRect/>
-          </a:stretch>
-        </p:blipFill>
-        <p:spPr bwMode="auto">
-          <a:xfrm>
-            <a:off x="3179427" y="3824402"/>
-            <a:ext cx="4655451" cy="2904331"/>
-          </a:xfrm>
-          <a:prstGeom prst="rect">
-            <a:avLst/>
-          </a:prstGeom>
-          <a:noFill/>
-          <a:extLst>
-            <a:ext uri="{909E8E84-426E-40DD-AFC4-6F175D3DCCD1}">
-              <a14:hiddenFill xmlns:a14="http://schemas.microsoft.com/office/drawing/2010/main">
-                <a:solidFill>
-                  <a:srgbClr val="FFFFFF"/>
-                </a:solidFill>
-              </a14:hiddenFill>
-            </a:ext>
-          </a:extLst>
-        </p:spPr>
-      </p:pic>
-      <p:pic>
-        <p:nvPicPr>
           <p:cNvPr id="7" name="Picture 6">
             <a:extLst>
               <a:ext uri="{FF2B5EF4-FFF2-40B4-BE49-F238E27FC236}">
@@ -6454,7 +6047,7 @@
           <p:nvPr/>
         </p:nvPicPr>
         <p:blipFill>
-          <a:blip r:embed="rId6"/>
+          <a:blip r:embed="rId5"/>
           <a:stretch>
             <a:fillRect/>
           </a:stretch>
@@ -6463,6 +6056,42 @@
           <a:xfrm>
             <a:off x="7842381" y="995479"/>
             <a:ext cx="3941597" cy="2431175"/>
+          </a:xfrm>
+          <a:prstGeom prst="rect">
+            <a:avLst/>
+          </a:prstGeom>
+        </p:spPr>
+      </p:pic>
+      <p:pic>
+        <p:nvPicPr>
+          <p:cNvPr id="6" name="Picture 5" descr="A close up of a map&#10;&#10;Description automatically generated">
+            <a:extLst>
+              <a:ext uri="{FF2B5EF4-FFF2-40B4-BE49-F238E27FC236}">
+                <a16:creationId xmlns:a16="http://schemas.microsoft.com/office/drawing/2014/main" id="{CFBCB4E7-BB0E-4037-B24D-99625A126063}"/>
+              </a:ext>
+            </a:extLst>
+          </p:cNvPr>
+          <p:cNvPicPr>
+            <a:picLocks noChangeAspect="1"/>
+          </p:cNvPicPr>
+          <p:nvPr/>
+        </p:nvPicPr>
+        <p:blipFill>
+          <a:blip r:embed="rId6">
+            <a:extLst>
+              <a:ext uri="{28A0092B-C50C-407E-A947-70E740481C1C}">
+                <a14:useLocalDpi xmlns:a14="http://schemas.microsoft.com/office/drawing/2010/main" val="0"/>
+              </a:ext>
+            </a:extLst>
+          </a:blip>
+          <a:stretch>
+            <a:fillRect/>
+          </a:stretch>
+        </p:blipFill>
+        <p:spPr>
+          <a:xfrm>
+            <a:off x="804973" y="3337275"/>
+            <a:ext cx="7034093" cy="3517047"/>
           </a:xfrm>
           <a:prstGeom prst="rect">
             <a:avLst/>
